--- a/presentation/data_inventory_figures.pptx
+++ b/presentation/data_inventory_figures.pptx
@@ -4,14 +4,20 @@
   <p:sldMasterIdLst>
     <p:sldMasterId id="2147483648" r:id="rId1"/>
   </p:sldMasterIdLst>
+  <p:notesMasterIdLst>
+    <p:notesMasterId r:id="rId12"/>
+  </p:notesMasterIdLst>
   <p:sldIdLst>
-    <p:sldId id="257" r:id="rId2"/>
-    <p:sldId id="260" r:id="rId3"/>
-    <p:sldId id="261" r:id="rId4"/>
-    <p:sldId id="258" r:id="rId5"/>
-    <p:sldId id="256" r:id="rId6"/>
-    <p:sldId id="259" r:id="rId7"/>
-    <p:sldId id="262" r:id="rId8"/>
+    <p:sldId id="264" r:id="rId2"/>
+    <p:sldId id="265" r:id="rId3"/>
+    <p:sldId id="266" r:id="rId4"/>
+    <p:sldId id="257" r:id="rId5"/>
+    <p:sldId id="260" r:id="rId6"/>
+    <p:sldId id="261" r:id="rId7"/>
+    <p:sldId id="258" r:id="rId8"/>
+    <p:sldId id="256" r:id="rId9"/>
+    <p:sldId id="259" r:id="rId10"/>
+    <p:sldId id="262" r:id="rId11"/>
   </p:sldIdLst>
   <p:sldSz cx="12192000" cy="6858000"/>
   <p:notesSz cx="6858000" cy="9144000"/>
@@ -110,6 +116,11 @@
       </a:defRPr>
     </a:lvl9pPr>
   </p:defaultTextStyle>
+  <p:extLst>
+    <p:ext uri="{EFAFB233-063F-42B5-8137-9DF3F51BA10A}">
+      <p15:sldGuideLst xmlns:p15="http://schemas.microsoft.com/office/powerpoint/2012/main"/>
+    </p:ext>
+  </p:extLst>
 </p:presentation>
 </file>
 
@@ -448,6 +459,440 @@
 </pc:chgInfo>
 </file>
 
+<file path=ppt/notesMasters/notesMaster1.xml><?xml version="1.0" encoding="utf-8"?>
+<p:notesMaster xmlns:a="http://schemas.openxmlformats.org/drawingml/2006/main" xmlns:r="http://schemas.openxmlformats.org/officeDocument/2006/relationships" xmlns:p="http://schemas.openxmlformats.org/presentationml/2006/main">
+  <p:cSld>
+    <p:bg>
+      <p:bgRef idx="1001">
+        <a:schemeClr val="bg1"/>
+      </p:bgRef>
+    </p:bg>
+    <p:spTree>
+      <p:nvGrpSpPr>
+        <p:cNvPr id="1" name=""/>
+        <p:cNvGrpSpPr/>
+        <p:nvPr/>
+      </p:nvGrpSpPr>
+      <p:grpSpPr>
+        <a:xfrm>
+          <a:off x="0" y="0"/>
+          <a:ext cx="0" cy="0"/>
+          <a:chOff x="0" y="0"/>
+          <a:chExt cx="0" cy="0"/>
+        </a:xfrm>
+      </p:grpSpPr>
+      <p:sp>
+        <p:nvSpPr>
+          <p:cNvPr id="2" name="Header Placeholder 1"/>
+          <p:cNvSpPr>
+            <a:spLocks noGrp="1"/>
+          </p:cNvSpPr>
+          <p:nvPr>
+            <p:ph type="hdr" sz="quarter"/>
+          </p:nvPr>
+        </p:nvSpPr>
+        <p:spPr>
+          <a:xfrm>
+            <a:off x="0" y="0"/>
+            <a:ext cx="2971800" cy="458788"/>
+          </a:xfrm>
+          <a:prstGeom prst="rect">
+            <a:avLst/>
+          </a:prstGeom>
+        </p:spPr>
+        <p:txBody>
+          <a:bodyPr vert="horz" lIns="91440" tIns="45720" rIns="91440" bIns="45720" rtlCol="0"/>
+          <a:lstStyle>
+            <a:lvl1pPr algn="l">
+              <a:defRPr sz="1200"/>
+            </a:lvl1pPr>
+          </a:lstStyle>
+          <a:p>
+            <a:endParaRPr lang="en-US"/>
+          </a:p>
+        </p:txBody>
+      </p:sp>
+      <p:sp>
+        <p:nvSpPr>
+          <p:cNvPr id="3" name="Date Placeholder 2"/>
+          <p:cNvSpPr>
+            <a:spLocks noGrp="1"/>
+          </p:cNvSpPr>
+          <p:nvPr>
+            <p:ph type="dt" idx="1"/>
+          </p:nvPr>
+        </p:nvSpPr>
+        <p:spPr>
+          <a:xfrm>
+            <a:off x="3884613" y="0"/>
+            <a:ext cx="2971800" cy="458788"/>
+          </a:xfrm>
+          <a:prstGeom prst="rect">
+            <a:avLst/>
+          </a:prstGeom>
+        </p:spPr>
+        <p:txBody>
+          <a:bodyPr vert="horz" lIns="91440" tIns="45720" rIns="91440" bIns="45720" rtlCol="0"/>
+          <a:lstStyle>
+            <a:lvl1pPr algn="r">
+              <a:defRPr sz="1200"/>
+            </a:lvl1pPr>
+          </a:lstStyle>
+          <a:p>
+            <a:fld id="{FC26F78C-B1A4-47C1-AFCC-B1D60184EAD7}" type="datetimeFigureOut">
+              <a:rPr lang="en-US" smtClean="0"/>
+              <a:t>9/27/2021</a:t>
+            </a:fld>
+            <a:endParaRPr lang="en-US"/>
+          </a:p>
+        </p:txBody>
+      </p:sp>
+      <p:sp>
+        <p:nvSpPr>
+          <p:cNvPr id="4" name="Slide Image Placeholder 3"/>
+          <p:cNvSpPr>
+            <a:spLocks noGrp="1" noRot="1" noChangeAspect="1"/>
+          </p:cNvSpPr>
+          <p:nvPr>
+            <p:ph type="sldImg" idx="2"/>
+          </p:nvPr>
+        </p:nvSpPr>
+        <p:spPr>
+          <a:xfrm>
+            <a:off x="685800" y="1143000"/>
+            <a:ext cx="5486400" cy="3086100"/>
+          </a:xfrm>
+          <a:prstGeom prst="rect">
+            <a:avLst/>
+          </a:prstGeom>
+          <a:noFill/>
+          <a:ln w="12700">
+            <a:solidFill>
+              <a:prstClr val="black"/>
+            </a:solidFill>
+          </a:ln>
+        </p:spPr>
+        <p:txBody>
+          <a:bodyPr vert="horz" lIns="91440" tIns="45720" rIns="91440" bIns="45720" rtlCol="0" anchor="ctr"/>
+          <a:lstStyle/>
+          <a:p>
+            <a:endParaRPr lang="en-US"/>
+          </a:p>
+        </p:txBody>
+      </p:sp>
+      <p:sp>
+        <p:nvSpPr>
+          <p:cNvPr id="5" name="Notes Placeholder 4"/>
+          <p:cNvSpPr>
+            <a:spLocks noGrp="1"/>
+          </p:cNvSpPr>
+          <p:nvPr>
+            <p:ph type="body" sz="quarter" idx="3"/>
+          </p:nvPr>
+        </p:nvSpPr>
+        <p:spPr>
+          <a:xfrm>
+            <a:off x="685800" y="4400550"/>
+            <a:ext cx="5486400" cy="3600450"/>
+          </a:xfrm>
+          <a:prstGeom prst="rect">
+            <a:avLst/>
+          </a:prstGeom>
+        </p:spPr>
+        <p:txBody>
+          <a:bodyPr vert="horz" lIns="91440" tIns="45720" rIns="91440" bIns="45720" rtlCol="0"/>
+          <a:lstStyle/>
+          <a:p>
+            <a:pPr lvl="0"/>
+            <a:r>
+              <a:rPr lang="en-US" smtClean="0"/>
+              <a:t>Edit Master text styles</a:t>
+            </a:r>
+          </a:p>
+          <a:p>
+            <a:pPr lvl="1"/>
+            <a:r>
+              <a:rPr lang="en-US" smtClean="0"/>
+              <a:t>Second level</a:t>
+            </a:r>
+          </a:p>
+          <a:p>
+            <a:pPr lvl="2"/>
+            <a:r>
+              <a:rPr lang="en-US" smtClean="0"/>
+              <a:t>Third level</a:t>
+            </a:r>
+          </a:p>
+          <a:p>
+            <a:pPr lvl="3"/>
+            <a:r>
+              <a:rPr lang="en-US" smtClean="0"/>
+              <a:t>Fourth level</a:t>
+            </a:r>
+          </a:p>
+          <a:p>
+            <a:pPr lvl="4"/>
+            <a:r>
+              <a:rPr lang="en-US" smtClean="0"/>
+              <a:t>Fifth level</a:t>
+            </a:r>
+            <a:endParaRPr lang="en-US"/>
+          </a:p>
+        </p:txBody>
+      </p:sp>
+      <p:sp>
+        <p:nvSpPr>
+          <p:cNvPr id="6" name="Footer Placeholder 5"/>
+          <p:cNvSpPr>
+            <a:spLocks noGrp="1"/>
+          </p:cNvSpPr>
+          <p:nvPr>
+            <p:ph type="ftr" sz="quarter" idx="4"/>
+          </p:nvPr>
+        </p:nvSpPr>
+        <p:spPr>
+          <a:xfrm>
+            <a:off x="0" y="8685213"/>
+            <a:ext cx="2971800" cy="458787"/>
+          </a:xfrm>
+          <a:prstGeom prst="rect">
+            <a:avLst/>
+          </a:prstGeom>
+        </p:spPr>
+        <p:txBody>
+          <a:bodyPr vert="horz" lIns="91440" tIns="45720" rIns="91440" bIns="45720" rtlCol="0" anchor="b"/>
+          <a:lstStyle>
+            <a:lvl1pPr algn="l">
+              <a:defRPr sz="1200"/>
+            </a:lvl1pPr>
+          </a:lstStyle>
+          <a:p>
+            <a:endParaRPr lang="en-US"/>
+          </a:p>
+        </p:txBody>
+      </p:sp>
+      <p:sp>
+        <p:nvSpPr>
+          <p:cNvPr id="7" name="Slide Number Placeholder 6"/>
+          <p:cNvSpPr>
+            <a:spLocks noGrp="1"/>
+          </p:cNvSpPr>
+          <p:nvPr>
+            <p:ph type="sldNum" sz="quarter" idx="5"/>
+          </p:nvPr>
+        </p:nvSpPr>
+        <p:spPr>
+          <a:xfrm>
+            <a:off x="3884613" y="8685213"/>
+            <a:ext cx="2971800" cy="458787"/>
+          </a:xfrm>
+          <a:prstGeom prst="rect">
+            <a:avLst/>
+          </a:prstGeom>
+        </p:spPr>
+        <p:txBody>
+          <a:bodyPr vert="horz" lIns="91440" tIns="45720" rIns="91440" bIns="45720" rtlCol="0" anchor="b"/>
+          <a:lstStyle>
+            <a:lvl1pPr algn="r">
+              <a:defRPr sz="1200"/>
+            </a:lvl1pPr>
+          </a:lstStyle>
+          <a:p>
+            <a:fld id="{22E6670F-76CA-4106-A145-59E5CFA7ADA0}" type="slidenum">
+              <a:rPr lang="en-US" smtClean="0"/>
+              <a:t>‹#›</a:t>
+            </a:fld>
+            <a:endParaRPr lang="en-US"/>
+          </a:p>
+        </p:txBody>
+      </p:sp>
+    </p:spTree>
+    <p:extLst>
+      <p:ext uri="{BB962C8B-B14F-4D97-AF65-F5344CB8AC3E}">
+        <p14:creationId xmlns:p14="http://schemas.microsoft.com/office/powerpoint/2010/main" val="4042232006"/>
+      </p:ext>
+    </p:extLst>
+  </p:cSld>
+  <p:clrMap bg1="lt1" tx1="dk1" bg2="lt2" tx2="dk2" accent1="accent1" accent2="accent2" accent3="accent3" accent4="accent4" accent5="accent5" accent6="accent6" hlink="hlink" folHlink="folHlink"/>
+  <p:notesStyle>
+    <a:lvl1pPr marL="0" algn="l" defTabSz="914400" rtl="0" eaLnBrk="1" latinLnBrk="0" hangingPunct="1">
+      <a:defRPr sz="1200" kern="1200">
+        <a:solidFill>
+          <a:schemeClr val="tx1"/>
+        </a:solidFill>
+        <a:latin typeface="+mn-lt"/>
+        <a:ea typeface="+mn-ea"/>
+        <a:cs typeface="+mn-cs"/>
+      </a:defRPr>
+    </a:lvl1pPr>
+    <a:lvl2pPr marL="457200" algn="l" defTabSz="914400" rtl="0" eaLnBrk="1" latinLnBrk="0" hangingPunct="1">
+      <a:defRPr sz="1200" kern="1200">
+        <a:solidFill>
+          <a:schemeClr val="tx1"/>
+        </a:solidFill>
+        <a:latin typeface="+mn-lt"/>
+        <a:ea typeface="+mn-ea"/>
+        <a:cs typeface="+mn-cs"/>
+      </a:defRPr>
+    </a:lvl2pPr>
+    <a:lvl3pPr marL="914400" algn="l" defTabSz="914400" rtl="0" eaLnBrk="1" latinLnBrk="0" hangingPunct="1">
+      <a:defRPr sz="1200" kern="1200">
+        <a:solidFill>
+          <a:schemeClr val="tx1"/>
+        </a:solidFill>
+        <a:latin typeface="+mn-lt"/>
+        <a:ea typeface="+mn-ea"/>
+        <a:cs typeface="+mn-cs"/>
+      </a:defRPr>
+    </a:lvl3pPr>
+    <a:lvl4pPr marL="1371600" algn="l" defTabSz="914400" rtl="0" eaLnBrk="1" latinLnBrk="0" hangingPunct="1">
+      <a:defRPr sz="1200" kern="1200">
+        <a:solidFill>
+          <a:schemeClr val="tx1"/>
+        </a:solidFill>
+        <a:latin typeface="+mn-lt"/>
+        <a:ea typeface="+mn-ea"/>
+        <a:cs typeface="+mn-cs"/>
+      </a:defRPr>
+    </a:lvl4pPr>
+    <a:lvl5pPr marL="1828800" algn="l" defTabSz="914400" rtl="0" eaLnBrk="1" latinLnBrk="0" hangingPunct="1">
+      <a:defRPr sz="1200" kern="1200">
+        <a:solidFill>
+          <a:schemeClr val="tx1"/>
+        </a:solidFill>
+        <a:latin typeface="+mn-lt"/>
+        <a:ea typeface="+mn-ea"/>
+        <a:cs typeface="+mn-cs"/>
+      </a:defRPr>
+    </a:lvl5pPr>
+    <a:lvl6pPr marL="2286000" algn="l" defTabSz="914400" rtl="0" eaLnBrk="1" latinLnBrk="0" hangingPunct="1">
+      <a:defRPr sz="1200" kern="1200">
+        <a:solidFill>
+          <a:schemeClr val="tx1"/>
+        </a:solidFill>
+        <a:latin typeface="+mn-lt"/>
+        <a:ea typeface="+mn-ea"/>
+        <a:cs typeface="+mn-cs"/>
+      </a:defRPr>
+    </a:lvl6pPr>
+    <a:lvl7pPr marL="2743200" algn="l" defTabSz="914400" rtl="0" eaLnBrk="1" latinLnBrk="0" hangingPunct="1">
+      <a:defRPr sz="1200" kern="1200">
+        <a:solidFill>
+          <a:schemeClr val="tx1"/>
+        </a:solidFill>
+        <a:latin typeface="+mn-lt"/>
+        <a:ea typeface="+mn-ea"/>
+        <a:cs typeface="+mn-cs"/>
+      </a:defRPr>
+    </a:lvl7pPr>
+    <a:lvl8pPr marL="3200400" algn="l" defTabSz="914400" rtl="0" eaLnBrk="1" latinLnBrk="0" hangingPunct="1">
+      <a:defRPr sz="1200" kern="1200">
+        <a:solidFill>
+          <a:schemeClr val="tx1"/>
+        </a:solidFill>
+        <a:latin typeface="+mn-lt"/>
+        <a:ea typeface="+mn-ea"/>
+        <a:cs typeface="+mn-cs"/>
+      </a:defRPr>
+    </a:lvl8pPr>
+    <a:lvl9pPr marL="3657600" algn="l" defTabSz="914400" rtl="0" eaLnBrk="1" latinLnBrk="0" hangingPunct="1">
+      <a:defRPr sz="1200" kern="1200">
+        <a:solidFill>
+          <a:schemeClr val="tx1"/>
+        </a:solidFill>
+        <a:latin typeface="+mn-lt"/>
+        <a:ea typeface="+mn-ea"/>
+        <a:cs typeface="+mn-cs"/>
+      </a:defRPr>
+    </a:lvl9pPr>
+  </p:notesStyle>
+</p:notesMaster>
+</file>
+
+<file path=ppt/notesSlides/notesSlide1.xml><?xml version="1.0" encoding="utf-8"?>
+<p:notes xmlns:a="http://schemas.openxmlformats.org/drawingml/2006/main" xmlns:r="http://schemas.openxmlformats.org/officeDocument/2006/relationships" xmlns:p="http://schemas.openxmlformats.org/presentationml/2006/main">
+  <p:cSld>
+    <p:spTree>
+      <p:nvGrpSpPr>
+        <p:cNvPr id="1" name=""/>
+        <p:cNvGrpSpPr/>
+        <p:nvPr/>
+      </p:nvGrpSpPr>
+      <p:grpSpPr>
+        <a:xfrm>
+          <a:off x="0" y="0"/>
+          <a:ext cx="0" cy="0"/>
+          <a:chOff x="0" y="0"/>
+          <a:chExt cx="0" cy="0"/>
+        </a:xfrm>
+      </p:grpSpPr>
+      <p:sp>
+        <p:nvSpPr>
+          <p:cNvPr id="2" name="Slide Image Placeholder 1"/>
+          <p:cNvSpPr>
+            <a:spLocks noGrp="1" noRot="1" noChangeAspect="1"/>
+          </p:cNvSpPr>
+          <p:nvPr>
+            <p:ph type="sldImg"/>
+          </p:nvPr>
+        </p:nvSpPr>
+        <p:spPr/>
+      </p:sp>
+      <p:sp>
+        <p:nvSpPr>
+          <p:cNvPr id="3" name="Notes Placeholder 2"/>
+          <p:cNvSpPr>
+            <a:spLocks noGrp="1"/>
+          </p:cNvSpPr>
+          <p:nvPr>
+            <p:ph type="body" idx="1"/>
+          </p:nvPr>
+        </p:nvSpPr>
+        <p:spPr/>
+        <p:txBody>
+          <a:bodyPr/>
+          <a:lstStyle/>
+          <a:p>
+            <a:endParaRPr lang="en-US"/>
+          </a:p>
+        </p:txBody>
+      </p:sp>
+      <p:sp>
+        <p:nvSpPr>
+          <p:cNvPr id="4" name="Slide Number Placeholder 3"/>
+          <p:cNvSpPr>
+            <a:spLocks noGrp="1"/>
+          </p:cNvSpPr>
+          <p:nvPr>
+            <p:ph type="sldNum" sz="quarter" idx="10"/>
+          </p:nvPr>
+        </p:nvSpPr>
+        <p:spPr/>
+        <p:txBody>
+          <a:bodyPr/>
+          <a:lstStyle/>
+          <a:p>
+            <a:fld id="{23158D21-85FA-714E-81BE-3B1F4152D251}" type="slidenum">
+              <a:rPr lang="en-US" smtClean="0"/>
+              <a:t>3</a:t>
+            </a:fld>
+            <a:endParaRPr lang="en-US" dirty="0"/>
+          </a:p>
+        </p:txBody>
+      </p:sp>
+    </p:spTree>
+    <p:extLst>
+      <p:ext uri="{BB962C8B-B14F-4D97-AF65-F5344CB8AC3E}">
+        <p14:creationId xmlns:p14="http://schemas.microsoft.com/office/powerpoint/2010/main" val="2557738951"/>
+      </p:ext>
+    </p:extLst>
+  </p:cSld>
+  <p:clrMapOvr>
+    <a:masterClrMapping/>
+  </p:clrMapOvr>
+</p:notes>
+</file>
+
 <file path=ppt/slideLayouts/slideLayout1.xml><?xml version="1.0" encoding="utf-8"?>
 <p:sldLayout xmlns:a="http://schemas.openxmlformats.org/drawingml/2006/main" xmlns:r="http://schemas.openxmlformats.org/officeDocument/2006/relationships" xmlns:p="http://schemas.openxmlformats.org/presentationml/2006/main" type="title" preserve="1">
   <p:cSld name="Title Slide">
@@ -595,7 +1040,7 @@
           <a:p>
             <a:fld id="{D42A5135-48D3-4D79-94BD-3DE4D0D8DD73}" type="datetimeFigureOut">
               <a:rPr lang="en-US" smtClean="0"/>
-              <a:t>5/8/2020</a:t>
+              <a:t>9/27/2021</a:t>
             </a:fld>
             <a:endParaRPr lang="en-US"/>
           </a:p>
@@ -793,7 +1238,7 @@
           <a:p>
             <a:fld id="{D42A5135-48D3-4D79-94BD-3DE4D0D8DD73}" type="datetimeFigureOut">
               <a:rPr lang="en-US" smtClean="0"/>
-              <a:t>5/8/2020</a:t>
+              <a:t>9/27/2021</a:t>
             </a:fld>
             <a:endParaRPr lang="en-US"/>
           </a:p>
@@ -1001,7 +1446,7 @@
           <a:p>
             <a:fld id="{D42A5135-48D3-4D79-94BD-3DE4D0D8DD73}" type="datetimeFigureOut">
               <a:rPr lang="en-US" smtClean="0"/>
-              <a:t>5/8/2020</a:t>
+              <a:t>9/27/2021</a:t>
             </a:fld>
             <a:endParaRPr lang="en-US"/>
           </a:p>
@@ -1199,7 +1644,7 @@
           <a:p>
             <a:fld id="{D42A5135-48D3-4D79-94BD-3DE4D0D8DD73}" type="datetimeFigureOut">
               <a:rPr lang="en-US" smtClean="0"/>
-              <a:t>5/8/2020</a:t>
+              <a:t>9/27/2021</a:t>
             </a:fld>
             <a:endParaRPr lang="en-US"/>
           </a:p>
@@ -1474,7 +1919,7 @@
           <a:p>
             <a:fld id="{D42A5135-48D3-4D79-94BD-3DE4D0D8DD73}" type="datetimeFigureOut">
               <a:rPr lang="en-US" smtClean="0"/>
-              <a:t>5/8/2020</a:t>
+              <a:t>9/27/2021</a:t>
             </a:fld>
             <a:endParaRPr lang="en-US"/>
           </a:p>
@@ -1739,7 +2184,7 @@
           <a:p>
             <a:fld id="{D42A5135-48D3-4D79-94BD-3DE4D0D8DD73}" type="datetimeFigureOut">
               <a:rPr lang="en-US" smtClean="0"/>
-              <a:t>5/8/2020</a:t>
+              <a:t>9/27/2021</a:t>
             </a:fld>
             <a:endParaRPr lang="en-US"/>
           </a:p>
@@ -2151,7 +2596,7 @@
           <a:p>
             <a:fld id="{D42A5135-48D3-4D79-94BD-3DE4D0D8DD73}" type="datetimeFigureOut">
               <a:rPr lang="en-US" smtClean="0"/>
-              <a:t>5/8/2020</a:t>
+              <a:t>9/27/2021</a:t>
             </a:fld>
             <a:endParaRPr lang="en-US"/>
           </a:p>
@@ -2292,7 +2737,7 @@
           <a:p>
             <a:fld id="{D42A5135-48D3-4D79-94BD-3DE4D0D8DD73}" type="datetimeFigureOut">
               <a:rPr lang="en-US" smtClean="0"/>
-              <a:t>5/8/2020</a:t>
+              <a:t>9/27/2021</a:t>
             </a:fld>
             <a:endParaRPr lang="en-US"/>
           </a:p>
@@ -2405,7 +2850,7 @@
           <a:p>
             <a:fld id="{D42A5135-48D3-4D79-94BD-3DE4D0D8DD73}" type="datetimeFigureOut">
               <a:rPr lang="en-US" smtClean="0"/>
-              <a:t>5/8/2020</a:t>
+              <a:t>9/27/2021</a:t>
             </a:fld>
             <a:endParaRPr lang="en-US"/>
           </a:p>
@@ -2716,7 +3161,7 @@
           <a:p>
             <a:fld id="{D42A5135-48D3-4D79-94BD-3DE4D0D8DD73}" type="datetimeFigureOut">
               <a:rPr lang="en-US" smtClean="0"/>
-              <a:t>5/8/2020</a:t>
+              <a:t>9/27/2021</a:t>
             </a:fld>
             <a:endParaRPr lang="en-US"/>
           </a:p>
@@ -3004,7 +3449,7 @@
           <a:p>
             <a:fld id="{D42A5135-48D3-4D79-94BD-3DE4D0D8DD73}" type="datetimeFigureOut">
               <a:rPr lang="en-US" smtClean="0"/>
-              <a:t>5/8/2020</a:t>
+              <a:t>9/27/2021</a:t>
             </a:fld>
             <a:endParaRPr lang="en-US"/>
           </a:p>
@@ -3245,7 +3690,7 @@
           <a:p>
             <a:fld id="{D42A5135-48D3-4D79-94BD-3DE4D0D8DD73}" type="datetimeFigureOut">
               <a:rPr lang="en-US" smtClean="0"/>
-              <a:t>5/8/2020</a:t>
+              <a:t>9/27/2021</a:t>
             </a:fld>
             <a:endParaRPr lang="en-US"/>
           </a:p>
@@ -3664,6 +4109,5791 @@
       </p:grpSpPr>
       <p:sp>
         <p:nvSpPr>
+          <p:cNvPr id="2" name="Title 1"/>
+          <p:cNvSpPr>
+            <a:spLocks noGrp="1"/>
+          </p:cNvSpPr>
+          <p:nvPr>
+            <p:ph type="title"/>
+          </p:nvPr>
+        </p:nvSpPr>
+        <p:spPr>
+          <a:xfrm>
+            <a:off x="762000" y="381000"/>
+            <a:ext cx="10820400" cy="430887"/>
+          </a:xfrm>
+        </p:spPr>
+        <p:txBody>
+          <a:bodyPr>
+            <a:normAutofit fontScale="90000"/>
+          </a:bodyPr>
+          <a:lstStyle/>
+          <a:p>
+            <a:r>
+              <a:rPr lang="en-US" sz="2800" dirty="0">
+                <a:latin typeface="Arial Black" panose="020B0A04020102020204" pitchFamily="34" charset="0"/>
+              </a:rPr>
+              <a:t>Mom-Baby EHR Data, 2011-2017</a:t>
+            </a:r>
+            <a:endParaRPr lang="en-US" sz="2800" b="1" cap="all" dirty="0">
+              <a:solidFill>
+                <a:schemeClr val="tx1"/>
+              </a:solidFill>
+              <a:latin typeface="Arial Black" panose="020B0A04020102020204" pitchFamily="34" charset="0"/>
+              <a:ea typeface="Museo Slab 900" charset="0"/>
+              <a:cs typeface="Arial Black"/>
+            </a:endParaRPr>
+          </a:p>
+        </p:txBody>
+      </p:sp>
+      <p:sp>
+        <p:nvSpPr>
+          <p:cNvPr id="17" name="Rectangle 16"/>
+          <p:cNvSpPr/>
+          <p:nvPr/>
+        </p:nvSpPr>
+        <p:spPr>
+          <a:xfrm>
+            <a:off x="762000" y="990600"/>
+            <a:ext cx="10591800" cy="45720"/>
+          </a:xfrm>
+          <a:prstGeom prst="rect">
+            <a:avLst/>
+          </a:prstGeom>
+          <a:solidFill>
+            <a:schemeClr val="bg2"/>
+          </a:solidFill>
+          <a:ln>
+            <a:noFill/>
+          </a:ln>
+        </p:spPr>
+        <p:style>
+          <a:lnRef idx="2">
+            <a:schemeClr val="accent1">
+              <a:shade val="50000"/>
+            </a:schemeClr>
+          </a:lnRef>
+          <a:fillRef idx="1">
+            <a:schemeClr val="accent1"/>
+          </a:fillRef>
+          <a:effectRef idx="0">
+            <a:schemeClr val="accent1"/>
+          </a:effectRef>
+          <a:fontRef idx="minor">
+            <a:schemeClr val="lt1"/>
+          </a:fontRef>
+        </p:style>
+        <p:txBody>
+          <a:bodyPr rtlCol="0" anchor="ctr"/>
+          <a:lstStyle/>
+          <a:p>
+            <a:pPr algn="ctr"/>
+            <a:endParaRPr lang="en-US" dirty="0">
+              <a:solidFill>
+                <a:prstClr val="white"/>
+              </a:solidFill>
+              <a:latin typeface="Rockwell"/>
+            </a:endParaRPr>
+          </a:p>
+        </p:txBody>
+      </p:sp>
+      <p:grpSp>
+        <p:nvGrpSpPr>
+          <p:cNvPr id="8" name="Group 7"/>
+          <p:cNvGrpSpPr/>
+          <p:nvPr/>
+        </p:nvGrpSpPr>
+        <p:grpSpPr>
+          <a:xfrm>
+            <a:off x="-469900" y="1479847"/>
+            <a:ext cx="13131800" cy="4381500"/>
+            <a:chOff x="-469900" y="1238250"/>
+            <a:chExt cx="13131800" cy="4381500"/>
+          </a:xfrm>
+        </p:grpSpPr>
+        <p:pic>
+          <p:nvPicPr>
+            <p:cNvPr id="7" name="Picture 6"/>
+            <p:cNvPicPr>
+              <a:picLocks noChangeAspect="1"/>
+            </p:cNvPicPr>
+            <p:nvPr/>
+          </p:nvPicPr>
+          <p:blipFill>
+            <a:blip r:embed="rId2"/>
+            <a:stretch>
+              <a:fillRect/>
+            </a:stretch>
+          </p:blipFill>
+          <p:spPr>
+            <a:xfrm>
+              <a:off x="11722100" y="1238250"/>
+              <a:ext cx="939800" cy="4381500"/>
+            </a:xfrm>
+            <a:prstGeom prst="rect">
+              <a:avLst/>
+            </a:prstGeom>
+          </p:spPr>
+        </p:pic>
+        <p:pic>
+          <p:nvPicPr>
+            <p:cNvPr id="18" name="Picture 17"/>
+            <p:cNvPicPr>
+              <a:picLocks noChangeAspect="1"/>
+            </p:cNvPicPr>
+            <p:nvPr/>
+          </p:nvPicPr>
+          <p:blipFill>
+            <a:blip r:embed="rId2"/>
+            <a:stretch>
+              <a:fillRect/>
+            </a:stretch>
+          </p:blipFill>
+          <p:spPr>
+            <a:xfrm rot="10800000">
+              <a:off x="-469900" y="1238250"/>
+              <a:ext cx="939800" cy="4381500"/>
+            </a:xfrm>
+            <a:prstGeom prst="rect">
+              <a:avLst/>
+            </a:prstGeom>
+          </p:spPr>
+        </p:pic>
+      </p:grpSp>
+      <p:graphicFrame>
+        <p:nvGraphicFramePr>
+          <p:cNvPr id="15" name="Table 14"/>
+          <p:cNvGraphicFramePr>
+            <a:graphicFrameLocks noGrp="1"/>
+          </p:cNvGraphicFramePr>
+          <p:nvPr>
+            <p:extLst/>
+          </p:nvPr>
+        </p:nvGraphicFramePr>
+        <p:xfrm>
+          <a:off x="381000" y="1219200"/>
+          <a:ext cx="11341100" cy="3099522"/>
+        </p:xfrm>
+        <a:graphic>
+          <a:graphicData uri="http://schemas.openxmlformats.org/drawingml/2006/table">
+            <a:tbl>
+              <a:tblPr firstRow="1" firstCol="1" bandRow="1">
+                <a:tableStyleId>{B301B821-A1FF-4177-AEE7-76D212191A09}</a:tableStyleId>
+              </a:tblPr>
+              <a:tblGrid>
+                <a:gridCol w="3757108">
+                  <a:extLst>
+                    <a:ext uri="{9D8B030D-6E8A-4147-A177-3AD203B41FA5}">
+                      <a16:colId xmlns:a16="http://schemas.microsoft.com/office/drawing/2014/main" val="2477950732"/>
+                    </a:ext>
+                  </a:extLst>
+                </a:gridCol>
+                <a:gridCol w="3228352">
+                  <a:extLst>
+                    <a:ext uri="{9D8B030D-6E8A-4147-A177-3AD203B41FA5}">
+                      <a16:colId xmlns:a16="http://schemas.microsoft.com/office/drawing/2014/main" val="3338239987"/>
+                    </a:ext>
+                  </a:extLst>
+                </a:gridCol>
+                <a:gridCol w="4355640">
+                  <a:extLst>
+                    <a:ext uri="{9D8B030D-6E8A-4147-A177-3AD203B41FA5}">
+                      <a16:colId xmlns:a16="http://schemas.microsoft.com/office/drawing/2014/main" val="857455000"/>
+                    </a:ext>
+                  </a:extLst>
+                </a:gridCol>
+              </a:tblGrid>
+              <a:tr h="779867">
+                <a:tc>
+                  <a:txBody>
+                    <a:bodyPr/>
+                    <a:lstStyle/>
+                    <a:p>
+                      <a:pPr marL="0" marR="0" algn="ctr">
+                        <a:lnSpc>
+                          <a:spcPct val="107000"/>
+                        </a:lnSpc>
+                        <a:spcBef>
+                          <a:spcPts val="0"/>
+                        </a:spcBef>
+                        <a:spcAft>
+                          <a:spcPts val="0"/>
+                        </a:spcAft>
+                      </a:pPr>
+                      <a:r>
+                        <a:rPr lang="en-US" sz="2400" dirty="0">
+                          <a:effectLst/>
+                          <a:latin typeface="Arial" panose="020B0604020202020204" pitchFamily="34" charset="0"/>
+                          <a:cs typeface="Arial" panose="020B0604020202020204" pitchFamily="34" charset="0"/>
+                        </a:rPr>
+                        <a:t>Prenatal Wellness</a:t>
+                      </a:r>
+                      <a:endParaRPr lang="en-US" sz="3200" dirty="0">
+                        <a:effectLst/>
+                        <a:latin typeface="Arial" panose="020B0604020202020204" pitchFamily="34" charset="0"/>
+                        <a:cs typeface="Arial" panose="020B0604020202020204" pitchFamily="34" charset="0"/>
+                      </a:endParaRPr>
+                    </a:p>
+                    <a:p>
+                      <a:pPr marL="0" marR="0" algn="ctr">
+                        <a:lnSpc>
+                          <a:spcPct val="107000"/>
+                        </a:lnSpc>
+                        <a:spcBef>
+                          <a:spcPts val="0"/>
+                        </a:spcBef>
+                        <a:spcAft>
+                          <a:spcPts val="0"/>
+                        </a:spcAft>
+                      </a:pPr>
+                      <a:r>
+                        <a:rPr lang="en-US" sz="2400" dirty="0">
+                          <a:effectLst/>
+                          <a:latin typeface="Arial" panose="020B0604020202020204" pitchFamily="34" charset="0"/>
+                          <a:cs typeface="Arial" panose="020B0604020202020204" pitchFamily="34" charset="0"/>
+                        </a:rPr>
+                        <a:t>(Maternal)</a:t>
+                      </a:r>
+                      <a:endParaRPr lang="en-US" sz="3200" dirty="0">
+                        <a:effectLst/>
+                        <a:latin typeface="Arial" panose="020B0604020202020204" pitchFamily="34" charset="0"/>
+                        <a:ea typeface="Calibri" panose="020F0502020204030204" pitchFamily="34" charset="0"/>
+                        <a:cs typeface="Arial" panose="020B0604020202020204" pitchFamily="34" charset="0"/>
+                      </a:endParaRPr>
+                    </a:p>
+                  </a:txBody>
+                  <a:tcPr marL="68580" marR="68580" marT="0" marB="0"/>
+                </a:tc>
+                <a:tc>
+                  <a:txBody>
+                    <a:bodyPr/>
+                    <a:lstStyle/>
+                    <a:p>
+                      <a:pPr marL="0" marR="0" algn="ctr">
+                        <a:lnSpc>
+                          <a:spcPct val="107000"/>
+                        </a:lnSpc>
+                        <a:spcBef>
+                          <a:spcPts val="0"/>
+                        </a:spcBef>
+                        <a:spcAft>
+                          <a:spcPts val="0"/>
+                        </a:spcAft>
+                      </a:pPr>
+                      <a:r>
+                        <a:rPr lang="en-US" sz="2400" dirty="0">
+                          <a:effectLst/>
+                          <a:latin typeface="Arial" panose="020B0604020202020204" pitchFamily="34" charset="0"/>
+                          <a:cs typeface="Arial" panose="020B0604020202020204" pitchFamily="34" charset="0"/>
+                        </a:rPr>
+                        <a:t>Delivery</a:t>
+                      </a:r>
+                      <a:endParaRPr lang="en-US" sz="3200" dirty="0">
+                        <a:effectLst/>
+                        <a:latin typeface="Arial" panose="020B0604020202020204" pitchFamily="34" charset="0"/>
+                        <a:cs typeface="Arial" panose="020B0604020202020204" pitchFamily="34" charset="0"/>
+                      </a:endParaRPr>
+                    </a:p>
+                    <a:p>
+                      <a:pPr marL="0" marR="0" algn="ctr">
+                        <a:lnSpc>
+                          <a:spcPct val="107000"/>
+                        </a:lnSpc>
+                        <a:spcBef>
+                          <a:spcPts val="0"/>
+                        </a:spcBef>
+                        <a:spcAft>
+                          <a:spcPts val="0"/>
+                        </a:spcAft>
+                      </a:pPr>
+                      <a:r>
+                        <a:rPr lang="en-US" sz="2400" dirty="0">
+                          <a:effectLst/>
+                          <a:latin typeface="Arial" panose="020B0604020202020204" pitchFamily="34" charset="0"/>
+                          <a:cs typeface="Arial" panose="020B0604020202020204" pitchFamily="34" charset="0"/>
+                        </a:rPr>
+                        <a:t>(Maternal/Infant)</a:t>
+                      </a:r>
+                      <a:endParaRPr lang="en-US" sz="3200" dirty="0">
+                        <a:effectLst/>
+                        <a:latin typeface="Arial" panose="020B0604020202020204" pitchFamily="34" charset="0"/>
+                        <a:ea typeface="Calibri" panose="020F0502020204030204" pitchFamily="34" charset="0"/>
+                        <a:cs typeface="Arial" panose="020B0604020202020204" pitchFamily="34" charset="0"/>
+                      </a:endParaRPr>
+                    </a:p>
+                  </a:txBody>
+                  <a:tcPr marL="68580" marR="68580" marT="0" marB="0"/>
+                </a:tc>
+                <a:tc>
+                  <a:txBody>
+                    <a:bodyPr/>
+                    <a:lstStyle/>
+                    <a:p>
+                      <a:pPr marL="0" marR="0" algn="ctr">
+                        <a:lnSpc>
+                          <a:spcPct val="107000"/>
+                        </a:lnSpc>
+                        <a:spcBef>
+                          <a:spcPts val="0"/>
+                        </a:spcBef>
+                        <a:spcAft>
+                          <a:spcPts val="0"/>
+                        </a:spcAft>
+                      </a:pPr>
+                      <a:r>
+                        <a:rPr lang="en-US" sz="2400">
+                          <a:effectLst/>
+                          <a:latin typeface="Arial" panose="020B0604020202020204" pitchFamily="34" charset="0"/>
+                          <a:cs typeface="Arial" panose="020B0604020202020204" pitchFamily="34" charset="0"/>
+                        </a:rPr>
+                        <a:t>Postnatal Wellness</a:t>
+                      </a:r>
+                      <a:endParaRPr lang="en-US" sz="3200">
+                        <a:effectLst/>
+                        <a:latin typeface="Arial" panose="020B0604020202020204" pitchFamily="34" charset="0"/>
+                        <a:cs typeface="Arial" panose="020B0604020202020204" pitchFamily="34" charset="0"/>
+                      </a:endParaRPr>
+                    </a:p>
+                    <a:p>
+                      <a:pPr marL="0" marR="0" algn="ctr">
+                        <a:lnSpc>
+                          <a:spcPct val="107000"/>
+                        </a:lnSpc>
+                        <a:spcBef>
+                          <a:spcPts val="0"/>
+                        </a:spcBef>
+                        <a:spcAft>
+                          <a:spcPts val="0"/>
+                        </a:spcAft>
+                      </a:pPr>
+                      <a:r>
+                        <a:rPr lang="en-US" sz="2400">
+                          <a:effectLst/>
+                          <a:latin typeface="Arial" panose="020B0604020202020204" pitchFamily="34" charset="0"/>
+                          <a:cs typeface="Arial" panose="020B0604020202020204" pitchFamily="34" charset="0"/>
+                        </a:rPr>
+                        <a:t>(Infant)</a:t>
+                      </a:r>
+                      <a:endParaRPr lang="en-US" sz="3200">
+                        <a:effectLst/>
+                        <a:latin typeface="Arial" panose="020B0604020202020204" pitchFamily="34" charset="0"/>
+                        <a:ea typeface="Calibri" panose="020F0502020204030204" pitchFamily="34" charset="0"/>
+                        <a:cs typeface="Arial" panose="020B0604020202020204" pitchFamily="34" charset="0"/>
+                      </a:endParaRPr>
+                    </a:p>
+                  </a:txBody>
+                  <a:tcPr marL="68580" marR="68580" marT="0" marB="0"/>
+                </a:tc>
+                <a:extLst>
+                  <a:ext uri="{0D108BD9-81ED-4DB2-BD59-A6C34878D82A}">
+                    <a16:rowId xmlns:a16="http://schemas.microsoft.com/office/drawing/2014/main" val="3597821429"/>
+                  </a:ext>
+                </a:extLst>
+              </a:tr>
+              <a:tr h="1993790">
+                <a:tc>
+                  <a:txBody>
+                    <a:bodyPr/>
+                    <a:lstStyle/>
+                    <a:p>
+                      <a:pPr marL="342900" marR="0" lvl="0" indent="-342900" algn="just">
+                        <a:lnSpc>
+                          <a:spcPct val="107000"/>
+                        </a:lnSpc>
+                        <a:spcBef>
+                          <a:spcPts val="0"/>
+                        </a:spcBef>
+                        <a:spcAft>
+                          <a:spcPts val="0"/>
+                        </a:spcAft>
+                        <a:buFont typeface="Symbol" panose="05050102010706020507" pitchFamily="18" charset="2"/>
+                        <a:buChar char=""/>
+                      </a:pPr>
+                      <a:r>
+                        <a:rPr lang="en-US" sz="2400" b="0" dirty="0">
+                          <a:effectLst/>
+                          <a:latin typeface="Arial" panose="020B0604020202020204" pitchFamily="34" charset="0"/>
+                          <a:cs typeface="Arial" panose="020B0604020202020204" pitchFamily="34" charset="0"/>
+                        </a:rPr>
+                        <a:t>Height/weight</a:t>
+                      </a:r>
+                      <a:endParaRPr lang="en-US" sz="3200" b="0" dirty="0">
+                        <a:effectLst/>
+                        <a:latin typeface="Arial" panose="020B0604020202020204" pitchFamily="34" charset="0"/>
+                        <a:cs typeface="Arial" panose="020B0604020202020204" pitchFamily="34" charset="0"/>
+                      </a:endParaRPr>
+                    </a:p>
+                    <a:p>
+                      <a:pPr marL="342900" marR="0" lvl="0" indent="-342900" algn="just">
+                        <a:lnSpc>
+                          <a:spcPct val="107000"/>
+                        </a:lnSpc>
+                        <a:spcBef>
+                          <a:spcPts val="0"/>
+                        </a:spcBef>
+                        <a:spcAft>
+                          <a:spcPts val="0"/>
+                        </a:spcAft>
+                        <a:buFont typeface="Symbol" panose="05050102010706020507" pitchFamily="18" charset="2"/>
+                        <a:buChar char=""/>
+                      </a:pPr>
+                      <a:r>
+                        <a:rPr lang="en-US" sz="2400" b="0" dirty="0">
+                          <a:effectLst/>
+                          <a:latin typeface="Arial" panose="020B0604020202020204" pitchFamily="34" charset="0"/>
+                          <a:cs typeface="Arial" panose="020B0604020202020204" pitchFamily="34" charset="0"/>
+                        </a:rPr>
+                        <a:t>Medications</a:t>
+                      </a:r>
+                      <a:endParaRPr lang="en-US" sz="3200" b="0" dirty="0">
+                        <a:effectLst/>
+                        <a:latin typeface="Arial" panose="020B0604020202020204" pitchFamily="34" charset="0"/>
+                        <a:cs typeface="Arial" panose="020B0604020202020204" pitchFamily="34" charset="0"/>
+                      </a:endParaRPr>
+                    </a:p>
+                    <a:p>
+                      <a:pPr marL="342900" marR="0" lvl="0" indent="-342900" algn="just">
+                        <a:lnSpc>
+                          <a:spcPct val="107000"/>
+                        </a:lnSpc>
+                        <a:spcBef>
+                          <a:spcPts val="0"/>
+                        </a:spcBef>
+                        <a:spcAft>
+                          <a:spcPts val="0"/>
+                        </a:spcAft>
+                        <a:buFont typeface="Symbol" panose="05050102010706020507" pitchFamily="18" charset="2"/>
+                        <a:buChar char=""/>
+                      </a:pPr>
+                      <a:r>
+                        <a:rPr lang="en-US" sz="2400" b="0" dirty="0">
+                          <a:effectLst/>
+                          <a:latin typeface="Arial" panose="020B0604020202020204" pitchFamily="34" charset="0"/>
+                          <a:cs typeface="Arial" panose="020B0604020202020204" pitchFamily="34" charset="0"/>
+                        </a:rPr>
+                        <a:t>Vaccines</a:t>
+                      </a:r>
+                      <a:endParaRPr lang="en-US" sz="3200" b="0" dirty="0">
+                        <a:effectLst/>
+                        <a:latin typeface="Arial" panose="020B0604020202020204" pitchFamily="34" charset="0"/>
+                        <a:ea typeface="Calibri" panose="020F0502020204030204" pitchFamily="34" charset="0"/>
+                        <a:cs typeface="Arial" panose="020B0604020202020204" pitchFamily="34" charset="0"/>
+                      </a:endParaRPr>
+                    </a:p>
+                  </a:txBody>
+                  <a:tcPr marL="68580" marR="68580" marT="0" marB="0"/>
+                </a:tc>
+                <a:tc>
+                  <a:txBody>
+                    <a:bodyPr/>
+                    <a:lstStyle/>
+                    <a:p>
+                      <a:pPr marL="342900" marR="0" lvl="0" indent="-342900" algn="just">
+                        <a:lnSpc>
+                          <a:spcPct val="107000"/>
+                        </a:lnSpc>
+                        <a:spcBef>
+                          <a:spcPts val="0"/>
+                        </a:spcBef>
+                        <a:spcAft>
+                          <a:spcPts val="0"/>
+                        </a:spcAft>
+                        <a:buFont typeface="Symbol" panose="05050102010706020507" pitchFamily="18" charset="2"/>
+                        <a:buChar char=""/>
+                      </a:pPr>
+                      <a:r>
+                        <a:rPr lang="en-US" sz="2400" dirty="0">
+                          <a:effectLst/>
+                          <a:latin typeface="Arial" panose="020B0604020202020204" pitchFamily="34" charset="0"/>
+                          <a:cs typeface="Arial" panose="020B0604020202020204" pitchFamily="34" charset="0"/>
+                        </a:rPr>
+                        <a:t>Demographics</a:t>
+                      </a:r>
+                      <a:endParaRPr lang="en-US" sz="3200" dirty="0">
+                        <a:effectLst/>
+                        <a:latin typeface="Arial" panose="020B0604020202020204" pitchFamily="34" charset="0"/>
+                        <a:cs typeface="Arial" panose="020B0604020202020204" pitchFamily="34" charset="0"/>
+                      </a:endParaRPr>
+                    </a:p>
+                    <a:p>
+                      <a:pPr marL="342900" marR="0" lvl="0" indent="-342900" algn="just">
+                        <a:lnSpc>
+                          <a:spcPct val="107000"/>
+                        </a:lnSpc>
+                        <a:spcBef>
+                          <a:spcPts val="0"/>
+                        </a:spcBef>
+                        <a:spcAft>
+                          <a:spcPts val="0"/>
+                        </a:spcAft>
+                        <a:buFont typeface="Symbol" panose="05050102010706020507" pitchFamily="18" charset="2"/>
+                        <a:buChar char=""/>
+                      </a:pPr>
+                      <a:r>
+                        <a:rPr lang="en-US" sz="2400" dirty="0">
+                          <a:effectLst/>
+                          <a:latin typeface="Arial" panose="020B0604020202020204" pitchFamily="34" charset="0"/>
+                          <a:cs typeface="Arial" panose="020B0604020202020204" pitchFamily="34" charset="0"/>
+                        </a:rPr>
+                        <a:t>Height/weight</a:t>
+                      </a:r>
+                      <a:endParaRPr lang="en-US" sz="3200" dirty="0">
+                        <a:effectLst/>
+                        <a:latin typeface="Arial" panose="020B0604020202020204" pitchFamily="34" charset="0"/>
+                        <a:cs typeface="Arial" panose="020B0604020202020204" pitchFamily="34" charset="0"/>
+                      </a:endParaRPr>
+                    </a:p>
+                    <a:p>
+                      <a:pPr marL="342900" marR="0" lvl="0" indent="-342900" algn="just">
+                        <a:lnSpc>
+                          <a:spcPct val="107000"/>
+                        </a:lnSpc>
+                        <a:spcBef>
+                          <a:spcPts val="0"/>
+                        </a:spcBef>
+                        <a:spcAft>
+                          <a:spcPts val="0"/>
+                        </a:spcAft>
+                        <a:buFont typeface="Symbol" panose="05050102010706020507" pitchFamily="18" charset="2"/>
+                        <a:buChar char=""/>
+                      </a:pPr>
+                      <a:r>
+                        <a:rPr lang="en-US" sz="2400" dirty="0">
+                          <a:effectLst/>
+                          <a:latin typeface="Arial" panose="020B0604020202020204" pitchFamily="34" charset="0"/>
+                          <a:cs typeface="Arial" panose="020B0604020202020204" pitchFamily="34" charset="0"/>
+                        </a:rPr>
+                        <a:t>Medications</a:t>
+                      </a:r>
+                      <a:endParaRPr lang="en-US" sz="3200" dirty="0">
+                        <a:effectLst/>
+                        <a:latin typeface="Arial" panose="020B0604020202020204" pitchFamily="34" charset="0"/>
+                        <a:cs typeface="Arial" panose="020B0604020202020204" pitchFamily="34" charset="0"/>
+                      </a:endParaRPr>
+                    </a:p>
+                    <a:p>
+                      <a:pPr marL="342900" marR="0" lvl="0" indent="-342900" algn="just">
+                        <a:lnSpc>
+                          <a:spcPct val="107000"/>
+                        </a:lnSpc>
+                        <a:spcBef>
+                          <a:spcPts val="0"/>
+                        </a:spcBef>
+                        <a:spcAft>
+                          <a:spcPts val="0"/>
+                        </a:spcAft>
+                        <a:buFont typeface="Symbol" panose="05050102010706020507" pitchFamily="18" charset="2"/>
+                        <a:buChar char=""/>
+                      </a:pPr>
+                      <a:r>
+                        <a:rPr lang="en-US" sz="2400" dirty="0">
+                          <a:effectLst/>
+                          <a:latin typeface="Arial" panose="020B0604020202020204" pitchFamily="34" charset="0"/>
+                          <a:cs typeface="Arial" panose="020B0604020202020204" pitchFamily="34" charset="0"/>
+                        </a:rPr>
+                        <a:t>Vaccines</a:t>
+                      </a:r>
+                    </a:p>
+                    <a:p>
+                      <a:pPr marL="342900" marR="0" lvl="0" indent="-342900" algn="just">
+                        <a:lnSpc>
+                          <a:spcPct val="107000"/>
+                        </a:lnSpc>
+                        <a:spcBef>
+                          <a:spcPts val="0"/>
+                        </a:spcBef>
+                        <a:spcAft>
+                          <a:spcPts val="0"/>
+                        </a:spcAft>
+                        <a:buFont typeface="Symbol" panose="05050102010706020507" pitchFamily="18" charset="2"/>
+                        <a:buChar char=""/>
+                      </a:pPr>
+                      <a:r>
+                        <a:rPr lang="en-US" sz="2400" dirty="0">
+                          <a:effectLst/>
+                          <a:latin typeface="Arial" panose="020B0604020202020204" pitchFamily="34" charset="0"/>
+                          <a:ea typeface="Calibri" panose="020F0502020204030204" pitchFamily="34" charset="0"/>
+                          <a:cs typeface="Arial" panose="020B0604020202020204" pitchFamily="34" charset="0"/>
+                        </a:rPr>
+                        <a:t>Clinical Notes</a:t>
+                      </a:r>
+                    </a:p>
+                    <a:p>
+                      <a:pPr marL="342900" marR="0" lvl="0" indent="-342900" algn="just">
+                        <a:lnSpc>
+                          <a:spcPct val="107000"/>
+                        </a:lnSpc>
+                        <a:spcBef>
+                          <a:spcPts val="0"/>
+                        </a:spcBef>
+                        <a:spcAft>
+                          <a:spcPts val="0"/>
+                        </a:spcAft>
+                        <a:buFont typeface="Symbol" panose="05050102010706020507" pitchFamily="18" charset="2"/>
+                        <a:buChar char=""/>
+                      </a:pPr>
+                      <a:r>
+                        <a:rPr lang="en-US" sz="2400" dirty="0">
+                          <a:effectLst/>
+                          <a:latin typeface="Arial" panose="020B0604020202020204" pitchFamily="34" charset="0"/>
+                          <a:ea typeface="Calibri" panose="020F0502020204030204" pitchFamily="34" charset="0"/>
+                          <a:cs typeface="Arial" panose="020B0604020202020204" pitchFamily="34" charset="0"/>
+                        </a:rPr>
+                        <a:t>Zip codes</a:t>
+                      </a:r>
+                      <a:endParaRPr lang="en-US" sz="3200" dirty="0">
+                        <a:effectLst/>
+                        <a:latin typeface="Arial" panose="020B0604020202020204" pitchFamily="34" charset="0"/>
+                        <a:ea typeface="Calibri" panose="020F0502020204030204" pitchFamily="34" charset="0"/>
+                        <a:cs typeface="Arial" panose="020B0604020202020204" pitchFamily="34" charset="0"/>
+                      </a:endParaRPr>
+                    </a:p>
+                  </a:txBody>
+                  <a:tcPr marL="68580" marR="68580" marT="0" marB="0"/>
+                </a:tc>
+                <a:tc>
+                  <a:txBody>
+                    <a:bodyPr/>
+                    <a:lstStyle/>
+                    <a:p>
+                      <a:pPr marL="342900" marR="0" lvl="0" indent="-342900" algn="just">
+                        <a:lnSpc>
+                          <a:spcPct val="107000"/>
+                        </a:lnSpc>
+                        <a:spcBef>
+                          <a:spcPts val="0"/>
+                        </a:spcBef>
+                        <a:spcAft>
+                          <a:spcPts val="0"/>
+                        </a:spcAft>
+                        <a:buFont typeface="Symbol" panose="05050102010706020507" pitchFamily="18" charset="2"/>
+                        <a:buChar char=""/>
+                      </a:pPr>
+                      <a:r>
+                        <a:rPr lang="en-US" sz="2400" dirty="0">
+                          <a:effectLst/>
+                          <a:latin typeface="Arial" panose="020B0604020202020204" pitchFamily="34" charset="0"/>
+                          <a:cs typeface="Arial" panose="020B0604020202020204" pitchFamily="34" charset="0"/>
+                        </a:rPr>
+                        <a:t>Height/weight</a:t>
+                      </a:r>
+                      <a:endParaRPr lang="en-US" sz="3200" dirty="0">
+                        <a:effectLst/>
+                        <a:latin typeface="Arial" panose="020B0604020202020204" pitchFamily="34" charset="0"/>
+                        <a:cs typeface="Arial" panose="020B0604020202020204" pitchFamily="34" charset="0"/>
+                      </a:endParaRPr>
+                    </a:p>
+                    <a:p>
+                      <a:pPr marL="342900" marR="0" lvl="0" indent="-342900" algn="just">
+                        <a:lnSpc>
+                          <a:spcPct val="107000"/>
+                        </a:lnSpc>
+                        <a:spcBef>
+                          <a:spcPts val="0"/>
+                        </a:spcBef>
+                        <a:spcAft>
+                          <a:spcPts val="0"/>
+                        </a:spcAft>
+                        <a:buFont typeface="Symbol" panose="05050102010706020507" pitchFamily="18" charset="2"/>
+                        <a:buChar char=""/>
+                      </a:pPr>
+                      <a:r>
+                        <a:rPr lang="en-US" sz="2400" dirty="0">
+                          <a:effectLst/>
+                          <a:latin typeface="Arial" panose="020B0604020202020204" pitchFamily="34" charset="0"/>
+                          <a:cs typeface="Arial" panose="020B0604020202020204" pitchFamily="34" charset="0"/>
+                        </a:rPr>
+                        <a:t>Medications</a:t>
+                      </a:r>
+                      <a:endParaRPr lang="en-US" sz="3200" dirty="0">
+                        <a:effectLst/>
+                        <a:latin typeface="Arial" panose="020B0604020202020204" pitchFamily="34" charset="0"/>
+                        <a:cs typeface="Arial" panose="020B0604020202020204" pitchFamily="34" charset="0"/>
+                      </a:endParaRPr>
+                    </a:p>
+                    <a:p>
+                      <a:pPr marL="342900" marR="0" lvl="0" indent="-342900" algn="just">
+                        <a:lnSpc>
+                          <a:spcPct val="107000"/>
+                        </a:lnSpc>
+                        <a:spcBef>
+                          <a:spcPts val="0"/>
+                        </a:spcBef>
+                        <a:spcAft>
+                          <a:spcPts val="0"/>
+                        </a:spcAft>
+                        <a:buFont typeface="Symbol" panose="05050102010706020507" pitchFamily="18" charset="2"/>
+                        <a:buChar char=""/>
+                      </a:pPr>
+                      <a:r>
+                        <a:rPr lang="en-US" sz="2400" dirty="0">
+                          <a:effectLst/>
+                          <a:latin typeface="Arial" panose="020B0604020202020204" pitchFamily="34" charset="0"/>
+                          <a:cs typeface="Arial" panose="020B0604020202020204" pitchFamily="34" charset="0"/>
+                        </a:rPr>
+                        <a:t>Vaccines</a:t>
+                      </a:r>
+                      <a:endParaRPr lang="en-US" sz="3200" dirty="0">
+                        <a:effectLst/>
+                        <a:latin typeface="Arial" panose="020B0604020202020204" pitchFamily="34" charset="0"/>
+                        <a:cs typeface="Arial" panose="020B0604020202020204" pitchFamily="34" charset="0"/>
+                      </a:endParaRPr>
+                    </a:p>
+                    <a:p>
+                      <a:pPr marL="342900" marR="0" lvl="0" indent="-342900" algn="just">
+                        <a:lnSpc>
+                          <a:spcPct val="107000"/>
+                        </a:lnSpc>
+                        <a:spcBef>
+                          <a:spcPts val="0"/>
+                        </a:spcBef>
+                        <a:spcAft>
+                          <a:spcPts val="0"/>
+                        </a:spcAft>
+                        <a:buFont typeface="Symbol" panose="05050102010706020507" pitchFamily="18" charset="2"/>
+                        <a:buChar char=""/>
+                      </a:pPr>
+                      <a:r>
+                        <a:rPr lang="en-US" sz="2400" dirty="0">
+                          <a:effectLst/>
+                          <a:latin typeface="Arial" panose="020B0604020202020204" pitchFamily="34" charset="0"/>
+                          <a:cs typeface="Arial" panose="020B0604020202020204" pitchFamily="34" charset="0"/>
+                        </a:rPr>
+                        <a:t>ICD9/10</a:t>
+                      </a:r>
+                      <a:endParaRPr lang="en-US" sz="3200" dirty="0">
+                        <a:effectLst/>
+                        <a:latin typeface="Arial" panose="020B0604020202020204" pitchFamily="34" charset="0"/>
+                        <a:ea typeface="Calibri" panose="020F0502020204030204" pitchFamily="34" charset="0"/>
+                        <a:cs typeface="Arial" panose="020B0604020202020204" pitchFamily="34" charset="0"/>
+                      </a:endParaRPr>
+                    </a:p>
+                  </a:txBody>
+                  <a:tcPr marL="68580" marR="68580" marT="0" marB="0"/>
+                </a:tc>
+                <a:extLst>
+                  <a:ext uri="{0D108BD9-81ED-4DB2-BD59-A6C34878D82A}">
+                    <a16:rowId xmlns:a16="http://schemas.microsoft.com/office/drawing/2014/main" val="250067142"/>
+                  </a:ext>
+                </a:extLst>
+              </a:tr>
+            </a:tbl>
+          </a:graphicData>
+        </a:graphic>
+      </p:graphicFrame>
+      <p:pic>
+        <p:nvPicPr>
+          <p:cNvPr id="19" name="Picture 18" descr="Text&#10;&#10;Description automatically generated">
+            <a:extLst>
+              <a:ext uri="{FF2B5EF4-FFF2-40B4-BE49-F238E27FC236}">
+                <a16:creationId xmlns:a16="http://schemas.microsoft.com/office/drawing/2014/main" id="{5797ADB1-F2B0-4E2F-9BD1-53936E00DDA6}"/>
+              </a:ext>
+            </a:extLst>
+          </p:cNvPr>
+          <p:cNvPicPr>
+            <a:picLocks noChangeAspect="1"/>
+          </p:cNvPicPr>
+          <p:nvPr/>
+        </p:nvPicPr>
+        <p:blipFill>
+          <a:blip r:embed="rId3">
+            <a:extLst>
+              <a:ext uri="{28A0092B-C50C-407E-A947-70E740481C1C}">
+                <a14:useLocalDpi xmlns:a14="http://schemas.microsoft.com/office/drawing/2010/main" val="0"/>
+              </a:ext>
+            </a:extLst>
+          </a:blip>
+          <a:stretch>
+            <a:fillRect/>
+          </a:stretch>
+        </p:blipFill>
+        <p:spPr>
+          <a:xfrm>
+            <a:off x="572602" y="4495800"/>
+            <a:ext cx="2830484" cy="2312227"/>
+          </a:xfrm>
+          <a:prstGeom prst="rect">
+            <a:avLst/>
+          </a:prstGeom>
+        </p:spPr>
+      </p:pic>
+      <p:sp>
+        <p:nvSpPr>
+          <p:cNvPr id="20" name="Rectangle 19">
+            <a:extLst>
+              <a:ext uri="{FF2B5EF4-FFF2-40B4-BE49-F238E27FC236}">
+                <a16:creationId xmlns:a16="http://schemas.microsoft.com/office/drawing/2014/main" id="{EC9E1A41-30A4-41D1-9E70-3CAD84ABC0FE}"/>
+              </a:ext>
+            </a:extLst>
+          </p:cNvPr>
+          <p:cNvSpPr/>
+          <p:nvPr/>
+        </p:nvSpPr>
+        <p:spPr>
+          <a:xfrm>
+            <a:off x="533400" y="4448558"/>
+            <a:ext cx="2901641" cy="2333242"/>
+          </a:xfrm>
+          <a:prstGeom prst="rect">
+            <a:avLst/>
+          </a:prstGeom>
+          <a:noFill/>
+        </p:spPr>
+        <p:style>
+          <a:lnRef idx="2">
+            <a:schemeClr val="accent1">
+              <a:shade val="50000"/>
+            </a:schemeClr>
+          </a:lnRef>
+          <a:fillRef idx="1">
+            <a:schemeClr val="accent1"/>
+          </a:fillRef>
+          <a:effectRef idx="0">
+            <a:schemeClr val="accent1"/>
+          </a:effectRef>
+          <a:fontRef idx="minor">
+            <a:schemeClr val="lt1"/>
+          </a:fontRef>
+        </p:style>
+        <p:txBody>
+          <a:bodyPr rtlCol="0" anchor="ctr"/>
+          <a:lstStyle/>
+          <a:p>
+            <a:pPr algn="ctr"/>
+            <a:endParaRPr lang="en-US"/>
+          </a:p>
+        </p:txBody>
+      </p:sp>
+      <p:sp>
+        <p:nvSpPr>
+          <p:cNvPr id="21" name="Rectangle 20">
+            <a:extLst>
+              <a:ext uri="{FF2B5EF4-FFF2-40B4-BE49-F238E27FC236}">
+                <a16:creationId xmlns:a16="http://schemas.microsoft.com/office/drawing/2014/main" id="{BEC07CA2-AA82-408F-9EE1-1C9409C7B58D}"/>
+              </a:ext>
+            </a:extLst>
+          </p:cNvPr>
+          <p:cNvSpPr/>
+          <p:nvPr/>
+        </p:nvSpPr>
+        <p:spPr>
+          <a:xfrm>
+            <a:off x="668768" y="5370331"/>
+            <a:ext cx="2563956" cy="235346"/>
+          </a:xfrm>
+          <a:prstGeom prst="rect">
+            <a:avLst/>
+          </a:prstGeom>
+          <a:solidFill>
+            <a:srgbClr val="EDF068">
+              <a:alpha val="20000"/>
+            </a:srgbClr>
+          </a:solidFill>
+          <a:ln>
+            <a:noFill/>
+          </a:ln>
+        </p:spPr>
+        <p:style>
+          <a:lnRef idx="2">
+            <a:schemeClr val="accent1">
+              <a:shade val="50000"/>
+            </a:schemeClr>
+          </a:lnRef>
+          <a:fillRef idx="1">
+            <a:schemeClr val="accent1"/>
+          </a:fillRef>
+          <a:effectRef idx="0">
+            <a:schemeClr val="accent1"/>
+          </a:effectRef>
+          <a:fontRef idx="minor">
+            <a:schemeClr val="lt1"/>
+          </a:fontRef>
+        </p:style>
+        <p:txBody>
+          <a:bodyPr rtlCol="0" anchor="ctr"/>
+          <a:lstStyle/>
+          <a:p>
+            <a:pPr algn="ctr"/>
+            <a:endParaRPr lang="en-US"/>
+          </a:p>
+        </p:txBody>
+      </p:sp>
+      <p:sp>
+        <p:nvSpPr>
+          <p:cNvPr id="22" name="TextBox 21"/>
+          <p:cNvSpPr txBox="1"/>
+          <p:nvPr/>
+        </p:nvSpPr>
+        <p:spPr>
+          <a:xfrm>
+            <a:off x="3733800" y="4672396"/>
+            <a:ext cx="8928100" cy="1631216"/>
+          </a:xfrm>
+          <a:prstGeom prst="rect">
+            <a:avLst/>
+          </a:prstGeom>
+          <a:noFill/>
+        </p:spPr>
+        <p:txBody>
+          <a:bodyPr wrap="square" rtlCol="0">
+            <a:spAutoFit/>
+          </a:bodyPr>
+          <a:lstStyle/>
+          <a:p>
+            <a:r>
+              <a:rPr lang="en-US" sz="2800" b="1" dirty="0">
+                <a:latin typeface="Arial" panose="020B0604020202020204" pitchFamily="34" charset="0"/>
+                <a:cs typeface="Arial" panose="020B0604020202020204" pitchFamily="34" charset="0"/>
+              </a:rPr>
+              <a:t>Eligible Cohort- regularly visit </a:t>
+            </a:r>
+            <a:r>
+              <a:rPr lang="en-US" sz="2800" b="1" dirty="0" err="1">
+                <a:latin typeface="Arial" panose="020B0604020202020204" pitchFamily="34" charset="0"/>
+                <a:cs typeface="Arial" panose="020B0604020202020204" pitchFamily="34" charset="0"/>
+              </a:rPr>
+              <a:t>UFHealth</a:t>
+            </a:r>
+            <a:endParaRPr lang="en-US" sz="2800" b="1" dirty="0">
+              <a:latin typeface="Arial" panose="020B0604020202020204" pitchFamily="34" charset="0"/>
+              <a:cs typeface="Arial" panose="020B0604020202020204" pitchFamily="34" charset="0"/>
+            </a:endParaRPr>
+          </a:p>
+          <a:p>
+            <a:pPr marL="285750" indent="-285750">
+              <a:buFont typeface="Arial" panose="020B0604020202020204" pitchFamily="34" charset="0"/>
+              <a:buChar char="•"/>
+            </a:pPr>
+            <a:r>
+              <a:rPr lang="en-US" sz="2400" dirty="0">
+                <a:latin typeface="Arial" panose="020B0604020202020204" pitchFamily="34" charset="0"/>
+                <a:cs typeface="Arial" panose="020B0604020202020204" pitchFamily="34" charset="0"/>
+              </a:rPr>
+              <a:t>Delivered at </a:t>
+            </a:r>
+            <a:r>
+              <a:rPr lang="en-US" sz="2400" dirty="0" err="1">
+                <a:latin typeface="Arial" panose="020B0604020202020204" pitchFamily="34" charset="0"/>
+                <a:cs typeface="Arial" panose="020B0604020202020204" pitchFamily="34" charset="0"/>
+              </a:rPr>
+              <a:t>Shands</a:t>
+            </a:r>
+            <a:endParaRPr lang="en-US" sz="2400" dirty="0">
+              <a:latin typeface="Arial" panose="020B0604020202020204" pitchFamily="34" charset="0"/>
+              <a:cs typeface="Arial" panose="020B0604020202020204" pitchFamily="34" charset="0"/>
+            </a:endParaRPr>
+          </a:p>
+          <a:p>
+            <a:pPr marL="285750" indent="-285750">
+              <a:buFont typeface="Arial" panose="020B0604020202020204" pitchFamily="34" charset="0"/>
+              <a:buChar char="•"/>
+            </a:pPr>
+            <a:r>
+              <a:rPr lang="en-US" sz="2400" dirty="0">
+                <a:latin typeface="Arial" panose="020B0604020202020204" pitchFamily="34" charset="0"/>
+                <a:cs typeface="Arial" panose="020B0604020202020204" pitchFamily="34" charset="0"/>
+              </a:rPr>
+              <a:t>&gt;1 prenatal visit</a:t>
+            </a:r>
+          </a:p>
+          <a:p>
+            <a:pPr marL="285750" indent="-285750">
+              <a:buFont typeface="Arial" panose="020B0604020202020204" pitchFamily="34" charset="0"/>
+              <a:buChar char="•"/>
+            </a:pPr>
+            <a:r>
+              <a:rPr lang="en-US" sz="2400" dirty="0">
+                <a:latin typeface="Arial" panose="020B0604020202020204" pitchFamily="34" charset="0"/>
+                <a:cs typeface="Arial" panose="020B0604020202020204" pitchFamily="34" charset="0"/>
+              </a:rPr>
+              <a:t>&gt;1 postnatal visit</a:t>
+            </a:r>
+          </a:p>
+        </p:txBody>
+      </p:sp>
+      <p:sp>
+        <p:nvSpPr>
+          <p:cNvPr id="3" name="Rectangle 2"/>
+          <p:cNvSpPr/>
+          <p:nvPr/>
+        </p:nvSpPr>
+        <p:spPr>
+          <a:xfrm>
+            <a:off x="668768" y="4495800"/>
+            <a:ext cx="2607832" cy="381000"/>
+          </a:xfrm>
+          <a:prstGeom prst="rect">
+            <a:avLst/>
+          </a:prstGeom>
+          <a:solidFill>
+            <a:schemeClr val="bg1"/>
+          </a:solidFill>
+          <a:ln>
+            <a:solidFill>
+              <a:schemeClr val="bg1"/>
+            </a:solidFill>
+          </a:ln>
+        </p:spPr>
+        <p:style>
+          <a:lnRef idx="2">
+            <a:schemeClr val="accent1">
+              <a:shade val="50000"/>
+            </a:schemeClr>
+          </a:lnRef>
+          <a:fillRef idx="1">
+            <a:schemeClr val="accent1"/>
+          </a:fillRef>
+          <a:effectRef idx="0">
+            <a:schemeClr val="accent1"/>
+          </a:effectRef>
+          <a:fontRef idx="minor">
+            <a:schemeClr val="lt1"/>
+          </a:fontRef>
+        </p:style>
+        <p:txBody>
+          <a:bodyPr rtlCol="0" anchor="ctr"/>
+          <a:lstStyle/>
+          <a:p>
+            <a:pPr algn="ctr"/>
+            <a:endParaRPr lang="en-US"/>
+          </a:p>
+        </p:txBody>
+      </p:sp>
+      <p:sp>
+        <p:nvSpPr>
+          <p:cNvPr id="4" name="TextBox 3"/>
+          <p:cNvSpPr txBox="1"/>
+          <p:nvPr/>
+        </p:nvSpPr>
+        <p:spPr>
+          <a:xfrm>
+            <a:off x="622958" y="4545932"/>
+            <a:ext cx="2780128" cy="307777"/>
+          </a:xfrm>
+          <a:prstGeom prst="rect">
+            <a:avLst/>
+          </a:prstGeom>
+          <a:noFill/>
+        </p:spPr>
+        <p:txBody>
+          <a:bodyPr wrap="square" rtlCol="0">
+            <a:spAutoFit/>
+          </a:bodyPr>
+          <a:lstStyle/>
+          <a:p>
+            <a:r>
+              <a:rPr lang="en-US" sz="1400" b="1" dirty="0">
+                <a:latin typeface="Arial" panose="020B0604020202020204" pitchFamily="34" charset="0"/>
+                <a:cs typeface="Arial" panose="020B0604020202020204" pitchFamily="34" charset="0"/>
+              </a:rPr>
+              <a:t>Table 1. State Residence</a:t>
+            </a:r>
+          </a:p>
+        </p:txBody>
+      </p:sp>
+    </p:spTree>
+    <p:extLst>
+      <p:ext uri="{BB962C8B-B14F-4D97-AF65-F5344CB8AC3E}">
+        <p14:creationId xmlns:p14="http://schemas.microsoft.com/office/powerpoint/2010/main" val="4083217759"/>
+      </p:ext>
+    </p:extLst>
+  </p:cSld>
+  <p:clrMapOvr>
+    <a:masterClrMapping/>
+  </p:clrMapOvr>
+  <mc:AlternateContent xmlns:mc="http://schemas.openxmlformats.org/markup-compatibility/2006">
+    <mc:Choice xmlns:p14="http://schemas.microsoft.com/office/powerpoint/2010/main" Requires="p14">
+      <p:transition spd="slow" p14:dur="2000"/>
+    </mc:Choice>
+    <mc:Fallback>
+      <p:transition spd="slow"/>
+    </mc:Fallback>
+  </mc:AlternateContent>
+</p:sld>
+</file>
+
+<file path=ppt/slides/slide10.xml><?xml version="1.0" encoding="utf-8"?>
+<p:sld xmlns:a="http://schemas.openxmlformats.org/drawingml/2006/main" xmlns:r="http://schemas.openxmlformats.org/officeDocument/2006/relationships" xmlns:p="http://schemas.openxmlformats.org/presentationml/2006/main">
+  <p:cSld>
+    <p:spTree>
+      <p:nvGrpSpPr>
+        <p:cNvPr id="1" name=""/>
+        <p:cNvGrpSpPr/>
+        <p:nvPr/>
+      </p:nvGrpSpPr>
+      <p:grpSpPr>
+        <a:xfrm>
+          <a:off x="0" y="0"/>
+          <a:ext cx="0" cy="0"/>
+          <a:chOff x="0" y="0"/>
+          <a:chExt cx="0" cy="0"/>
+        </a:xfrm>
+      </p:grpSpPr>
+      <p:sp>
+        <p:nvSpPr>
+          <p:cNvPr id="2" name="Title 1">
+            <a:extLst>
+              <a:ext uri="{FF2B5EF4-FFF2-40B4-BE49-F238E27FC236}">
+                <a16:creationId xmlns:a16="http://schemas.microsoft.com/office/drawing/2014/main" id="{AC4295F5-96B0-4534-A7C1-DF9F2728E176}"/>
+              </a:ext>
+            </a:extLst>
+          </p:cNvPr>
+          <p:cNvSpPr>
+            <a:spLocks noGrp="1"/>
+          </p:cNvSpPr>
+          <p:nvPr>
+            <p:ph type="title"/>
+          </p:nvPr>
+        </p:nvSpPr>
+        <p:spPr>
+          <a:xfrm>
+            <a:off x="838200" y="-14415"/>
+            <a:ext cx="10515600" cy="1325563"/>
+          </a:xfrm>
+        </p:spPr>
+        <p:txBody>
+          <a:bodyPr/>
+          <a:lstStyle/>
+          <a:p>
+            <a:r>
+              <a:rPr lang="en-US" dirty="0"/>
+              <a:t>Analysis Cohort</a:t>
+            </a:r>
+          </a:p>
+        </p:txBody>
+      </p:sp>
+      <p:sp>
+        <p:nvSpPr>
+          <p:cNvPr id="3" name="Content Placeholder 2">
+            <a:extLst>
+              <a:ext uri="{FF2B5EF4-FFF2-40B4-BE49-F238E27FC236}">
+                <a16:creationId xmlns:a16="http://schemas.microsoft.com/office/drawing/2014/main" id="{DC95A75C-26C0-4E12-9511-7AC606F04AEA}"/>
+              </a:ext>
+            </a:extLst>
+          </p:cNvPr>
+          <p:cNvSpPr>
+            <a:spLocks noGrp="1"/>
+          </p:cNvSpPr>
+          <p:nvPr>
+            <p:ph idx="1"/>
+          </p:nvPr>
+        </p:nvSpPr>
+        <p:spPr>
+          <a:xfrm>
+            <a:off x="625763" y="1163415"/>
+            <a:ext cx="10515600" cy="4351338"/>
+          </a:xfrm>
+        </p:spPr>
+        <p:txBody>
+          <a:bodyPr/>
+          <a:lstStyle/>
+          <a:p>
+            <a:r>
+              <a:rPr lang="en-US" dirty="0"/>
+              <a:t>NLP project. </a:t>
+            </a:r>
+          </a:p>
+          <a:p>
+            <a:pPr lvl="1"/>
+            <a:r>
+              <a:rPr lang="en-US" dirty="0"/>
+              <a:t>outline figure to help navigate process of moving forward. </a:t>
+            </a:r>
+          </a:p>
+          <a:p>
+            <a:pPr lvl="1"/>
+            <a:r>
+              <a:rPr lang="en-US" dirty="0"/>
+              <a:t>Run code on super computer using </a:t>
+            </a:r>
+            <a:r>
+              <a:rPr lang="en-US" dirty="0" err="1"/>
+              <a:t>sbatch</a:t>
+            </a:r>
+            <a:endParaRPr lang="en-US" dirty="0"/>
+          </a:p>
+          <a:p>
+            <a:pPr lvl="1"/>
+            <a:r>
+              <a:rPr lang="en-US" dirty="0"/>
+              <a:t>Report preliminary results</a:t>
+            </a:r>
+          </a:p>
+          <a:p>
+            <a:endParaRPr lang="en-US" dirty="0"/>
+          </a:p>
+          <a:p>
+            <a:r>
+              <a:rPr lang="en-US" dirty="0"/>
+              <a:t>Maternal medications</a:t>
+            </a:r>
+          </a:p>
+          <a:p>
+            <a:pPr lvl="1"/>
+            <a:r>
+              <a:rPr lang="en-US" dirty="0"/>
+              <a:t>Create table with counts according to </a:t>
+            </a:r>
+            <a:r>
+              <a:rPr lang="en-US" dirty="0" err="1"/>
+              <a:t>zipcode</a:t>
+            </a:r>
+            <a:endParaRPr lang="en-US" dirty="0"/>
+          </a:p>
+          <a:p>
+            <a:pPr lvl="1"/>
+            <a:r>
+              <a:rPr lang="en-US" dirty="0"/>
+              <a:t>Plot counts as maps to see variation (Alachua county). </a:t>
+            </a:r>
+          </a:p>
+          <a:p>
+            <a:endParaRPr lang="en-US" dirty="0"/>
+          </a:p>
+        </p:txBody>
+      </p:sp>
+      <p:graphicFrame>
+        <p:nvGraphicFramePr>
+          <p:cNvPr id="4" name="Table 4">
+            <a:extLst>
+              <a:ext uri="{FF2B5EF4-FFF2-40B4-BE49-F238E27FC236}">
+                <a16:creationId xmlns:a16="http://schemas.microsoft.com/office/drawing/2014/main" id="{A93E0570-D1FA-4DD1-B3BD-2B7CFB871850}"/>
+              </a:ext>
+            </a:extLst>
+          </p:cNvPr>
+          <p:cNvGraphicFramePr>
+            <a:graphicFrameLocks noGrp="1"/>
+          </p:cNvGraphicFramePr>
+          <p:nvPr>
+            <p:extLst>
+              <p:ext uri="{D42A27DB-BD31-4B8C-83A1-F6EECF244321}">
+                <p14:modId xmlns:p14="http://schemas.microsoft.com/office/powerpoint/2010/main" val="1729556570"/>
+              </p:ext>
+            </p:extLst>
+          </p:nvPr>
+        </p:nvGraphicFramePr>
+        <p:xfrm>
+          <a:off x="838200" y="5051965"/>
+          <a:ext cx="9254836" cy="1285240"/>
+        </p:xfrm>
+        <a:graphic>
+          <a:graphicData uri="http://schemas.openxmlformats.org/drawingml/2006/table">
+            <a:tbl>
+              <a:tblPr firstRow="1" bandRow="1">
+                <a:tableStyleId>{5C22544A-7EE6-4342-B048-85BDC9FD1C3A}</a:tableStyleId>
+              </a:tblPr>
+              <a:tblGrid>
+                <a:gridCol w="1108364">
+                  <a:extLst>
+                    <a:ext uri="{9D8B030D-6E8A-4147-A177-3AD203B41FA5}">
+                      <a16:colId xmlns:a16="http://schemas.microsoft.com/office/drawing/2014/main" val="1067777719"/>
+                    </a:ext>
+                  </a:extLst>
+                </a:gridCol>
+                <a:gridCol w="3519054">
+                  <a:extLst>
+                    <a:ext uri="{9D8B030D-6E8A-4147-A177-3AD203B41FA5}">
+                      <a16:colId xmlns:a16="http://schemas.microsoft.com/office/drawing/2014/main" val="664841667"/>
+                    </a:ext>
+                  </a:extLst>
+                </a:gridCol>
+                <a:gridCol w="2313709">
+                  <a:extLst>
+                    <a:ext uri="{9D8B030D-6E8A-4147-A177-3AD203B41FA5}">
+                      <a16:colId xmlns:a16="http://schemas.microsoft.com/office/drawing/2014/main" val="4256003243"/>
+                    </a:ext>
+                  </a:extLst>
+                </a:gridCol>
+                <a:gridCol w="2313709">
+                  <a:extLst>
+                    <a:ext uri="{9D8B030D-6E8A-4147-A177-3AD203B41FA5}">
+                      <a16:colId xmlns:a16="http://schemas.microsoft.com/office/drawing/2014/main" val="2173651226"/>
+                    </a:ext>
+                  </a:extLst>
+                </a:gridCol>
+              </a:tblGrid>
+              <a:tr h="370840">
+                <a:tc>
+                  <a:txBody>
+                    <a:bodyPr/>
+                    <a:lstStyle/>
+                    <a:p>
+                      <a:r>
+                        <a:rPr lang="en-US" dirty="0"/>
+                        <a:t>Zip code</a:t>
+                      </a:r>
+                    </a:p>
+                  </a:txBody>
+                  <a:tcPr/>
+                </a:tc>
+                <a:tc>
+                  <a:txBody>
+                    <a:bodyPr/>
+                    <a:lstStyle/>
+                    <a:p>
+                      <a:r>
+                        <a:rPr lang="en-US" dirty="0"/>
+                        <a:t>Mom with at least 1+ medication (any)</a:t>
+                      </a:r>
+                    </a:p>
+                  </a:txBody>
+                  <a:tcPr/>
+                </a:tc>
+                <a:tc>
+                  <a:txBody>
+                    <a:bodyPr/>
+                    <a:lstStyle/>
+                    <a:p>
+                      <a:r>
+                        <a:rPr lang="en-US" dirty="0"/>
+                        <a:t>Mom with at least 1+ antibiotic (any)</a:t>
+                      </a:r>
+                    </a:p>
+                  </a:txBody>
+                  <a:tcPr/>
+                </a:tc>
+                <a:tc>
+                  <a:txBody>
+                    <a:bodyPr/>
+                    <a:lstStyle/>
+                    <a:p>
+                      <a:pPr marL="0" marR="0" lvl="0" indent="0" algn="l" defTabSz="914400" rtl="0" eaLnBrk="1" fontAlgn="auto" latinLnBrk="0" hangingPunct="1">
+                        <a:lnSpc>
+                          <a:spcPct val="100000"/>
+                        </a:lnSpc>
+                        <a:spcBef>
+                          <a:spcPts val="0"/>
+                        </a:spcBef>
+                        <a:spcAft>
+                          <a:spcPts val="0"/>
+                        </a:spcAft>
+                        <a:buClrTx/>
+                        <a:buSzTx/>
+                        <a:buFontTx/>
+                        <a:buNone/>
+                        <a:tabLst/>
+                        <a:defRPr/>
+                      </a:pPr>
+                      <a:r>
+                        <a:rPr lang="en-US" dirty="0"/>
+                        <a:t>Mom with at least 1+ opioid (any)</a:t>
+                      </a:r>
+                    </a:p>
+                    <a:p>
+                      <a:endParaRPr lang="en-US" dirty="0"/>
+                    </a:p>
+                  </a:txBody>
+                  <a:tcPr/>
+                </a:tc>
+                <a:extLst>
+                  <a:ext uri="{0D108BD9-81ED-4DB2-BD59-A6C34878D82A}">
+                    <a16:rowId xmlns:a16="http://schemas.microsoft.com/office/drawing/2014/main" val="1739508681"/>
+                  </a:ext>
+                </a:extLst>
+              </a:tr>
+              <a:tr h="370840">
+                <a:tc>
+                  <a:txBody>
+                    <a:bodyPr/>
+                    <a:lstStyle/>
+                    <a:p>
+                      <a:endParaRPr lang="en-US"/>
+                    </a:p>
+                  </a:txBody>
+                  <a:tcPr/>
+                </a:tc>
+                <a:tc>
+                  <a:txBody>
+                    <a:bodyPr/>
+                    <a:lstStyle/>
+                    <a:p>
+                      <a:endParaRPr lang="en-US"/>
+                    </a:p>
+                  </a:txBody>
+                  <a:tcPr/>
+                </a:tc>
+                <a:tc>
+                  <a:txBody>
+                    <a:bodyPr/>
+                    <a:lstStyle/>
+                    <a:p>
+                      <a:endParaRPr lang="en-US"/>
+                    </a:p>
+                  </a:txBody>
+                  <a:tcPr/>
+                </a:tc>
+                <a:tc>
+                  <a:txBody>
+                    <a:bodyPr/>
+                    <a:lstStyle/>
+                    <a:p>
+                      <a:endParaRPr lang="en-US" dirty="0"/>
+                    </a:p>
+                  </a:txBody>
+                  <a:tcPr/>
+                </a:tc>
+                <a:extLst>
+                  <a:ext uri="{0D108BD9-81ED-4DB2-BD59-A6C34878D82A}">
+                    <a16:rowId xmlns:a16="http://schemas.microsoft.com/office/drawing/2014/main" val="1550199476"/>
+                  </a:ext>
+                </a:extLst>
+              </a:tr>
+            </a:tbl>
+          </a:graphicData>
+        </a:graphic>
+      </p:graphicFrame>
+      <p:sp>
+        <p:nvSpPr>
+          <p:cNvPr id="6" name="Rectangle 5">
+            <a:extLst>
+              <a:ext uri="{FF2B5EF4-FFF2-40B4-BE49-F238E27FC236}">
+                <a16:creationId xmlns:a16="http://schemas.microsoft.com/office/drawing/2014/main" id="{0493134F-B7B0-4042-AA22-B5E6975E41EA}"/>
+              </a:ext>
+            </a:extLst>
+          </p:cNvPr>
+          <p:cNvSpPr/>
+          <p:nvPr/>
+        </p:nvSpPr>
+        <p:spPr>
+          <a:xfrm>
+            <a:off x="6807200" y="3105834"/>
+            <a:ext cx="6096000" cy="646331"/>
+          </a:xfrm>
+          <a:prstGeom prst="rect">
+            <a:avLst/>
+          </a:prstGeom>
+        </p:spPr>
+        <p:txBody>
+          <a:bodyPr>
+            <a:spAutoFit/>
+          </a:bodyPr>
+          <a:lstStyle/>
+          <a:p>
+            <a:r>
+              <a:rPr lang="en-US" dirty="0">
+                <a:hlinkClick r:id="rId2"/>
+              </a:rPr>
+              <a:t>https://www.r-bloggers.com/drawing-beautiful-maps-programmatically-with-r-sf-and-ggplot2-part-2-layers/</a:t>
+            </a:r>
+            <a:endParaRPr lang="en-US" dirty="0"/>
+          </a:p>
+        </p:txBody>
+      </p:sp>
+    </p:spTree>
+    <p:extLst>
+      <p:ext uri="{BB962C8B-B14F-4D97-AF65-F5344CB8AC3E}">
+        <p14:creationId xmlns:p14="http://schemas.microsoft.com/office/powerpoint/2010/main" val="450799333"/>
+      </p:ext>
+    </p:extLst>
+  </p:cSld>
+  <p:clrMapOvr>
+    <a:masterClrMapping/>
+  </p:clrMapOvr>
+</p:sld>
+</file>
+
+<file path=ppt/slides/slide2.xml><?xml version="1.0" encoding="utf-8"?>
+<p:sld xmlns:a="http://schemas.openxmlformats.org/drawingml/2006/main" xmlns:r="http://schemas.openxmlformats.org/officeDocument/2006/relationships" xmlns:p="http://schemas.openxmlformats.org/presentationml/2006/main">
+  <p:cSld>
+    <p:spTree>
+      <p:nvGrpSpPr>
+        <p:cNvPr id="1" name=""/>
+        <p:cNvGrpSpPr/>
+        <p:nvPr/>
+      </p:nvGrpSpPr>
+      <p:grpSpPr>
+        <a:xfrm>
+          <a:off x="0" y="0"/>
+          <a:ext cx="0" cy="0"/>
+          <a:chOff x="0" y="0"/>
+          <a:chExt cx="0" cy="0"/>
+        </a:xfrm>
+      </p:grpSpPr>
+      <p:sp>
+        <p:nvSpPr>
+          <p:cNvPr id="4" name="TextBox 3"/>
+          <p:cNvSpPr txBox="1"/>
+          <p:nvPr/>
+        </p:nvSpPr>
+        <p:spPr>
+          <a:xfrm>
+            <a:off x="6592701" y="736405"/>
+            <a:ext cx="1353786" cy="1615827"/>
+          </a:xfrm>
+          <a:prstGeom prst="rect">
+            <a:avLst/>
+          </a:prstGeom>
+          <a:solidFill>
+            <a:schemeClr val="accent3"/>
+          </a:solidFill>
+        </p:spPr>
+        <p:txBody>
+          <a:bodyPr wrap="square" rtlCol="0">
+            <a:spAutoFit/>
+          </a:bodyPr>
+          <a:lstStyle/>
+          <a:p>
+            <a:r>
+              <a:rPr lang="en-US" sz="1100" b="1" dirty="0">
+                <a:latin typeface="Calibri" panose="020F0502020204030204" pitchFamily="34" charset="0"/>
+                <a:cs typeface="Calibri" panose="020F0502020204030204" pitchFamily="34" charset="0"/>
+              </a:rPr>
+              <a:t>PEDIATRIC DEMO</a:t>
+            </a:r>
+          </a:p>
+          <a:p>
+            <a:r>
+              <a:rPr lang="en-US" sz="1100" dirty="0">
+                <a:latin typeface="Calibri" panose="020F0502020204030204" pitchFamily="34" charset="0"/>
+                <a:cs typeface="Calibri" panose="020F0502020204030204" pitchFamily="34" charset="0"/>
+              </a:rPr>
+              <a:t>-ID</a:t>
+            </a:r>
+          </a:p>
+          <a:p>
+            <a:r>
+              <a:rPr lang="en-US" sz="1100" dirty="0">
+                <a:latin typeface="Calibri" panose="020F0502020204030204" pitchFamily="34" charset="0"/>
+                <a:cs typeface="Calibri" panose="020F0502020204030204" pitchFamily="34" charset="0"/>
+              </a:rPr>
+              <a:t>-RACE</a:t>
+            </a:r>
+          </a:p>
+          <a:p>
+            <a:r>
+              <a:rPr lang="en-US" sz="1100" dirty="0">
+                <a:latin typeface="Calibri" panose="020F0502020204030204" pitchFamily="34" charset="0"/>
+                <a:cs typeface="Calibri" panose="020F0502020204030204" pitchFamily="34" charset="0"/>
+              </a:rPr>
+              <a:t>-ETHNICITY</a:t>
+            </a:r>
+          </a:p>
+          <a:p>
+            <a:r>
+              <a:rPr lang="en-US" sz="1100" dirty="0">
+                <a:latin typeface="Calibri" panose="020F0502020204030204" pitchFamily="34" charset="0"/>
+                <a:cs typeface="Calibri" panose="020F0502020204030204" pitchFamily="34" charset="0"/>
+              </a:rPr>
+              <a:t>-DOB</a:t>
+            </a:r>
+          </a:p>
+          <a:p>
+            <a:r>
+              <a:rPr lang="en-US" sz="1100" dirty="0">
+                <a:latin typeface="Calibri" panose="020F0502020204030204" pitchFamily="34" charset="0"/>
+                <a:cs typeface="Calibri" panose="020F0502020204030204" pitchFamily="34" charset="0"/>
+              </a:rPr>
+              <a:t>-GENDER</a:t>
+            </a:r>
+          </a:p>
+          <a:p>
+            <a:r>
+              <a:rPr lang="en-US" sz="1100" dirty="0">
+                <a:latin typeface="Calibri" panose="020F0502020204030204" pitchFamily="34" charset="0"/>
+                <a:cs typeface="Calibri" panose="020F0502020204030204" pitchFamily="34" charset="0"/>
+              </a:rPr>
+              <a:t>-ZIP5</a:t>
+            </a:r>
+          </a:p>
+          <a:p>
+            <a:r>
+              <a:rPr lang="en-US" sz="1100" dirty="0">
+                <a:latin typeface="Calibri" panose="020F0502020204030204" pitchFamily="34" charset="0"/>
+                <a:cs typeface="Calibri" panose="020F0502020204030204" pitchFamily="34" charset="0"/>
+              </a:rPr>
+              <a:t>-ZIP9</a:t>
+            </a:r>
+          </a:p>
+          <a:p>
+            <a:r>
+              <a:rPr lang="en-US" sz="1100" dirty="0">
+                <a:latin typeface="Calibri" panose="020F0502020204030204" pitchFamily="34" charset="0"/>
+                <a:cs typeface="Calibri" panose="020F0502020204030204" pitchFamily="34" charset="0"/>
+              </a:rPr>
+              <a:t>-CONSENT2SHARE</a:t>
+            </a:r>
+          </a:p>
+        </p:txBody>
+      </p:sp>
+      <p:sp>
+        <p:nvSpPr>
+          <p:cNvPr id="5" name="TextBox 4"/>
+          <p:cNvSpPr txBox="1"/>
+          <p:nvPr/>
+        </p:nvSpPr>
+        <p:spPr>
+          <a:xfrm>
+            <a:off x="3633768" y="736405"/>
+            <a:ext cx="1353786" cy="1615827"/>
+          </a:xfrm>
+          <a:prstGeom prst="rect">
+            <a:avLst/>
+          </a:prstGeom>
+          <a:solidFill>
+            <a:schemeClr val="accent3"/>
+          </a:solidFill>
+        </p:spPr>
+        <p:txBody>
+          <a:bodyPr wrap="square" rtlCol="0">
+            <a:spAutoFit/>
+          </a:bodyPr>
+          <a:lstStyle/>
+          <a:p>
+            <a:r>
+              <a:rPr lang="en-US" sz="1100" b="1" dirty="0">
+                <a:latin typeface="Calibri" panose="020F0502020204030204" pitchFamily="34" charset="0"/>
+                <a:cs typeface="Calibri" panose="020F0502020204030204" pitchFamily="34" charset="0"/>
+              </a:rPr>
+              <a:t>MATERNAL DEMO</a:t>
+            </a:r>
+          </a:p>
+          <a:p>
+            <a:r>
+              <a:rPr lang="en-US" sz="1100" dirty="0">
+                <a:latin typeface="Calibri" panose="020F0502020204030204" pitchFamily="34" charset="0"/>
+                <a:cs typeface="Calibri" panose="020F0502020204030204" pitchFamily="34" charset="0"/>
+              </a:rPr>
+              <a:t>-ID</a:t>
+            </a:r>
+          </a:p>
+          <a:p>
+            <a:r>
+              <a:rPr lang="en-US" sz="1100" dirty="0">
+                <a:latin typeface="Calibri" panose="020F0502020204030204" pitchFamily="34" charset="0"/>
+                <a:cs typeface="Calibri" panose="020F0502020204030204" pitchFamily="34" charset="0"/>
+              </a:rPr>
+              <a:t>-RACE</a:t>
+            </a:r>
+          </a:p>
+          <a:p>
+            <a:r>
+              <a:rPr lang="en-US" sz="1100" dirty="0">
+                <a:latin typeface="Calibri" panose="020F0502020204030204" pitchFamily="34" charset="0"/>
+                <a:cs typeface="Calibri" panose="020F0502020204030204" pitchFamily="34" charset="0"/>
+              </a:rPr>
+              <a:t>-ETHNICITY</a:t>
+            </a:r>
+          </a:p>
+          <a:p>
+            <a:r>
+              <a:rPr lang="en-US" sz="1100" dirty="0">
+                <a:latin typeface="Calibri" panose="020F0502020204030204" pitchFamily="34" charset="0"/>
+                <a:cs typeface="Calibri" panose="020F0502020204030204" pitchFamily="34" charset="0"/>
+              </a:rPr>
+              <a:t>-AGE</a:t>
+            </a:r>
+          </a:p>
+          <a:p>
+            <a:r>
+              <a:rPr lang="en-US" sz="1100" dirty="0">
+                <a:latin typeface="Calibri" panose="020F0502020204030204" pitchFamily="34" charset="0"/>
+                <a:cs typeface="Calibri" panose="020F0502020204030204" pitchFamily="34" charset="0"/>
+              </a:rPr>
+              <a:t>-GENDER</a:t>
+            </a:r>
+          </a:p>
+          <a:p>
+            <a:r>
+              <a:rPr lang="en-US" sz="1100" dirty="0">
+                <a:latin typeface="Calibri" panose="020F0502020204030204" pitchFamily="34" charset="0"/>
+                <a:cs typeface="Calibri" panose="020F0502020204030204" pitchFamily="34" charset="0"/>
+              </a:rPr>
+              <a:t>-ZIP5</a:t>
+            </a:r>
+          </a:p>
+          <a:p>
+            <a:r>
+              <a:rPr lang="en-US" sz="1100" dirty="0">
+                <a:latin typeface="Calibri" panose="020F0502020204030204" pitchFamily="34" charset="0"/>
+                <a:cs typeface="Calibri" panose="020F0502020204030204" pitchFamily="34" charset="0"/>
+              </a:rPr>
+              <a:t>-ZIP9</a:t>
+            </a:r>
+          </a:p>
+          <a:p>
+            <a:r>
+              <a:rPr lang="en-US" sz="1100" dirty="0">
+                <a:latin typeface="Calibri" panose="020F0502020204030204" pitchFamily="34" charset="0"/>
+                <a:cs typeface="Calibri" panose="020F0502020204030204" pitchFamily="34" charset="0"/>
+              </a:rPr>
+              <a:t>-CONSENT2SHARE*</a:t>
+            </a:r>
+          </a:p>
+        </p:txBody>
+      </p:sp>
+      <p:sp>
+        <p:nvSpPr>
+          <p:cNvPr id="6" name="TextBox 5"/>
+          <p:cNvSpPr txBox="1"/>
+          <p:nvPr/>
+        </p:nvSpPr>
+        <p:spPr>
+          <a:xfrm>
+            <a:off x="5101361" y="736405"/>
+            <a:ext cx="1420090" cy="600164"/>
+          </a:xfrm>
+          <a:prstGeom prst="rect">
+            <a:avLst/>
+          </a:prstGeom>
+          <a:solidFill>
+            <a:srgbClr val="FFFF00"/>
+          </a:solidFill>
+        </p:spPr>
+        <p:txBody>
+          <a:bodyPr wrap="square" rtlCol="0">
+            <a:spAutoFit/>
+          </a:bodyPr>
+          <a:lstStyle/>
+          <a:p>
+            <a:r>
+              <a:rPr lang="en-US" sz="1100" b="1" dirty="0">
+                <a:latin typeface="Calibri" panose="020F0502020204030204" pitchFamily="34" charset="0"/>
+                <a:cs typeface="Calibri" panose="020F0502020204030204" pitchFamily="34" charset="0"/>
+              </a:rPr>
+              <a:t>LINK</a:t>
+            </a:r>
+          </a:p>
+          <a:p>
+            <a:r>
+              <a:rPr lang="en-US" sz="1100" dirty="0">
+                <a:latin typeface="Calibri" panose="020F0502020204030204" pitchFamily="34" charset="0"/>
+                <a:cs typeface="Calibri" panose="020F0502020204030204" pitchFamily="34" charset="0"/>
+              </a:rPr>
+              <a:t>-ID (MOM)</a:t>
+            </a:r>
+          </a:p>
+          <a:p>
+            <a:r>
+              <a:rPr lang="en-US" sz="1100" dirty="0">
+                <a:latin typeface="Calibri" panose="020F0502020204030204" pitchFamily="34" charset="0"/>
+                <a:cs typeface="Calibri" panose="020F0502020204030204" pitchFamily="34" charset="0"/>
+              </a:rPr>
+              <a:t>-ID (BABY)</a:t>
+            </a:r>
+          </a:p>
+        </p:txBody>
+      </p:sp>
+      <p:sp>
+        <p:nvSpPr>
+          <p:cNvPr id="7" name="TextBox 6"/>
+          <p:cNvSpPr txBox="1"/>
+          <p:nvPr/>
+        </p:nvSpPr>
+        <p:spPr>
+          <a:xfrm>
+            <a:off x="3654795" y="2499567"/>
+            <a:ext cx="2358732" cy="1785104"/>
+          </a:xfrm>
+          <a:prstGeom prst="rect">
+            <a:avLst/>
+          </a:prstGeom>
+          <a:solidFill>
+            <a:srgbClr val="90E6E8"/>
+          </a:solidFill>
+        </p:spPr>
+        <p:txBody>
+          <a:bodyPr wrap="square" rtlCol="0">
+            <a:spAutoFit/>
+          </a:bodyPr>
+          <a:lstStyle/>
+          <a:p>
+            <a:r>
+              <a:rPr lang="en-US" sz="1100" b="1" dirty="0">
+                <a:latin typeface="Calibri" panose="020F0502020204030204" pitchFamily="34" charset="0"/>
+                <a:cs typeface="Calibri" panose="020F0502020204030204" pitchFamily="34" charset="0"/>
+              </a:rPr>
+              <a:t>DELIVERY</a:t>
+            </a:r>
+          </a:p>
+          <a:p>
+            <a:r>
+              <a:rPr lang="en-US" sz="1100" dirty="0">
+                <a:latin typeface="Calibri" panose="020F0502020204030204" pitchFamily="34" charset="0"/>
+                <a:cs typeface="Calibri" panose="020F0502020204030204" pitchFamily="34" charset="0"/>
+              </a:rPr>
+              <a:t>-ID</a:t>
+            </a:r>
+          </a:p>
+          <a:p>
+            <a:r>
+              <a:rPr lang="en-US" sz="1100" dirty="0">
+                <a:latin typeface="Calibri" panose="020F0502020204030204" pitchFamily="34" charset="0"/>
+                <a:cs typeface="Calibri" panose="020F0502020204030204" pitchFamily="34" charset="0"/>
+              </a:rPr>
+              <a:t>-BIRTH_WEIGHT</a:t>
+            </a:r>
+          </a:p>
+          <a:p>
+            <a:r>
+              <a:rPr lang="en-US" sz="1100" dirty="0">
+                <a:latin typeface="Calibri" panose="020F0502020204030204" pitchFamily="34" charset="0"/>
+                <a:cs typeface="Calibri" panose="020F0502020204030204" pitchFamily="34" charset="0"/>
+              </a:rPr>
+              <a:t>-MODE OF DELIVERY</a:t>
+            </a:r>
+          </a:p>
+          <a:p>
+            <a:r>
+              <a:rPr lang="en-US" sz="1100" dirty="0">
+                <a:latin typeface="Calibri" panose="020F0502020204030204" pitchFamily="34" charset="0"/>
+                <a:cs typeface="Calibri" panose="020F0502020204030204" pitchFamily="34" charset="0"/>
+              </a:rPr>
+              <a:t>-ADMIT DATE</a:t>
+            </a:r>
+          </a:p>
+          <a:p>
+            <a:r>
+              <a:rPr lang="en-US" sz="1100" dirty="0">
+                <a:latin typeface="Calibri" panose="020F0502020204030204" pitchFamily="34" charset="0"/>
+                <a:cs typeface="Calibri" panose="020F0502020204030204" pitchFamily="34" charset="0"/>
+              </a:rPr>
+              <a:t>-GESTATIONAL AGE</a:t>
+            </a:r>
+          </a:p>
+          <a:p>
+            <a:r>
+              <a:rPr lang="en-US" sz="1100" dirty="0">
+                <a:latin typeface="Calibri" panose="020F0502020204030204" pitchFamily="34" charset="0"/>
+                <a:cs typeface="Calibri" panose="020F0502020204030204" pitchFamily="34" charset="0"/>
+              </a:rPr>
+              <a:t>-NICU LENGTH OF STAY</a:t>
+            </a:r>
+          </a:p>
+          <a:p>
+            <a:r>
+              <a:rPr lang="en-US" sz="1100" dirty="0">
+                <a:latin typeface="Calibri" panose="020F0502020204030204" pitchFamily="34" charset="0"/>
+                <a:cs typeface="Calibri" panose="020F0502020204030204" pitchFamily="34" charset="0"/>
+              </a:rPr>
+              <a:t>-INSURANCE</a:t>
+            </a:r>
+          </a:p>
+          <a:p>
+            <a:r>
+              <a:rPr lang="en-US" sz="1100" dirty="0">
+                <a:latin typeface="Calibri" panose="020F0502020204030204" pitchFamily="34" charset="0"/>
+                <a:cs typeface="Calibri" panose="020F0502020204030204" pitchFamily="34" charset="0"/>
+              </a:rPr>
+              <a:t>-HEIGHT</a:t>
+            </a:r>
+          </a:p>
+          <a:p>
+            <a:r>
+              <a:rPr lang="en-US" sz="1100" dirty="0">
+                <a:latin typeface="Calibri" panose="020F0502020204030204" pitchFamily="34" charset="0"/>
+                <a:cs typeface="Calibri" panose="020F0502020204030204" pitchFamily="34" charset="0"/>
+              </a:rPr>
+              <a:t>-HEAD CIRCUMFERENCE</a:t>
+            </a:r>
+          </a:p>
+        </p:txBody>
+      </p:sp>
+      <p:sp>
+        <p:nvSpPr>
+          <p:cNvPr id="9" name="TextBox 8"/>
+          <p:cNvSpPr txBox="1"/>
+          <p:nvPr/>
+        </p:nvSpPr>
+        <p:spPr>
+          <a:xfrm>
+            <a:off x="1600277" y="736405"/>
+            <a:ext cx="1401762" cy="1954381"/>
+          </a:xfrm>
+          <a:prstGeom prst="rect">
+            <a:avLst/>
+          </a:prstGeom>
+          <a:solidFill>
+            <a:schemeClr val="accent2">
+              <a:lumMod val="60000"/>
+              <a:lumOff val="40000"/>
+            </a:schemeClr>
+          </a:solidFill>
+        </p:spPr>
+        <p:txBody>
+          <a:bodyPr wrap="square" rtlCol="0">
+            <a:spAutoFit/>
+          </a:bodyPr>
+          <a:lstStyle/>
+          <a:p>
+            <a:r>
+              <a:rPr lang="en-US" sz="1100" b="1" dirty="0">
+                <a:latin typeface="Calibri" panose="020F0502020204030204" pitchFamily="34" charset="0"/>
+                <a:cs typeface="Calibri" panose="020F0502020204030204" pitchFamily="34" charset="0"/>
+              </a:rPr>
+              <a:t>WELLNESS (routine)</a:t>
+            </a:r>
+          </a:p>
+          <a:p>
+            <a:r>
+              <a:rPr lang="en-US" sz="1100" dirty="0">
+                <a:latin typeface="Calibri" panose="020F0502020204030204" pitchFamily="34" charset="0"/>
+                <a:cs typeface="Calibri" panose="020F0502020204030204" pitchFamily="34" charset="0"/>
+              </a:rPr>
+              <a:t>-ID</a:t>
+            </a:r>
+          </a:p>
+          <a:p>
+            <a:r>
+              <a:rPr lang="en-US" sz="1100" dirty="0">
+                <a:latin typeface="Calibri" panose="020F0502020204030204" pitchFamily="34" charset="0"/>
+                <a:cs typeface="Calibri" panose="020F0502020204030204" pitchFamily="34" charset="0"/>
+              </a:rPr>
+              <a:t>-DATE</a:t>
+            </a:r>
+          </a:p>
+          <a:p>
+            <a:r>
+              <a:rPr lang="en-US" sz="1100" dirty="0">
+                <a:latin typeface="Calibri" panose="020F0502020204030204" pitchFamily="34" charset="0"/>
+                <a:cs typeface="Calibri" panose="020F0502020204030204" pitchFamily="34" charset="0"/>
+              </a:rPr>
+              <a:t>-HEIGHT</a:t>
+            </a:r>
+          </a:p>
+          <a:p>
+            <a:r>
+              <a:rPr lang="en-US" sz="1100" dirty="0">
+                <a:latin typeface="Calibri" panose="020F0502020204030204" pitchFamily="34" charset="0"/>
+                <a:cs typeface="Calibri" panose="020F0502020204030204" pitchFamily="34" charset="0"/>
+              </a:rPr>
+              <a:t>-WEIGHT</a:t>
+            </a:r>
+          </a:p>
+          <a:p>
+            <a:r>
+              <a:rPr lang="en-US" sz="1100" dirty="0">
+                <a:latin typeface="Calibri" panose="020F0502020204030204" pitchFamily="34" charset="0"/>
+                <a:cs typeface="Calibri" panose="020F0502020204030204" pitchFamily="34" charset="0"/>
+              </a:rPr>
+              <a:t>-SYSTOLIC BP*</a:t>
+            </a:r>
+          </a:p>
+          <a:p>
+            <a:r>
+              <a:rPr lang="en-US" sz="1100" dirty="0">
+                <a:latin typeface="Calibri" panose="020F0502020204030204" pitchFamily="34" charset="0"/>
+                <a:cs typeface="Calibri" panose="020F0502020204030204" pitchFamily="34" charset="0"/>
+              </a:rPr>
+              <a:t>-DYSOSTOLIC BP*</a:t>
+            </a:r>
+          </a:p>
+          <a:p>
+            <a:r>
+              <a:rPr lang="en-US" sz="1100" dirty="0">
+                <a:latin typeface="Calibri" panose="020F0502020204030204" pitchFamily="34" charset="0"/>
+                <a:cs typeface="Calibri" panose="020F0502020204030204" pitchFamily="34" charset="0"/>
+              </a:rPr>
+              <a:t>-CLINIC*</a:t>
+            </a:r>
+          </a:p>
+          <a:p>
+            <a:r>
+              <a:rPr lang="en-US" sz="1100" dirty="0">
+                <a:latin typeface="Calibri" panose="020F0502020204030204" pitchFamily="34" charset="0"/>
+                <a:cs typeface="Calibri" panose="020F0502020204030204" pitchFamily="34" charset="0"/>
+              </a:rPr>
+              <a:t>-ENCOUNTER</a:t>
+            </a:r>
+          </a:p>
+          <a:p>
+            <a:r>
+              <a:rPr lang="en-US" sz="1100" dirty="0">
+                <a:latin typeface="Calibri" panose="020F0502020204030204" pitchFamily="34" charset="0"/>
+                <a:cs typeface="Calibri" panose="020F0502020204030204" pitchFamily="34" charset="0"/>
+              </a:rPr>
+              <a:t>-BMI*</a:t>
+            </a:r>
+          </a:p>
+          <a:p>
+            <a:r>
+              <a:rPr lang="en-US" sz="1100" dirty="0">
+                <a:latin typeface="Calibri" panose="020F0502020204030204" pitchFamily="34" charset="0"/>
+                <a:cs typeface="Calibri" panose="020F0502020204030204" pitchFamily="34" charset="0"/>
+              </a:rPr>
+              <a:t>-GEST-AGE*</a:t>
+            </a:r>
+          </a:p>
+        </p:txBody>
+      </p:sp>
+      <p:sp>
+        <p:nvSpPr>
+          <p:cNvPr id="10" name="TextBox 9"/>
+          <p:cNvSpPr txBox="1"/>
+          <p:nvPr/>
+        </p:nvSpPr>
+        <p:spPr>
+          <a:xfrm>
+            <a:off x="8457391" y="821043"/>
+            <a:ext cx="1611611" cy="1785104"/>
+          </a:xfrm>
+          <a:prstGeom prst="rect">
+            <a:avLst/>
+          </a:prstGeom>
+          <a:solidFill>
+            <a:schemeClr val="accent2">
+              <a:lumMod val="60000"/>
+              <a:lumOff val="40000"/>
+            </a:schemeClr>
+          </a:solidFill>
+        </p:spPr>
+        <p:txBody>
+          <a:bodyPr wrap="square" rtlCol="0">
+            <a:spAutoFit/>
+          </a:bodyPr>
+          <a:lstStyle/>
+          <a:p>
+            <a:r>
+              <a:rPr lang="en-US" sz="1100" b="1" dirty="0">
+                <a:latin typeface="Calibri" panose="020F0502020204030204" pitchFamily="34" charset="0"/>
+                <a:cs typeface="Calibri" panose="020F0502020204030204" pitchFamily="34" charset="0"/>
+              </a:rPr>
+              <a:t>WELLNESS (baby)</a:t>
+            </a:r>
+          </a:p>
+          <a:p>
+            <a:r>
+              <a:rPr lang="en-US" sz="1100" dirty="0">
+                <a:latin typeface="Calibri" panose="020F0502020204030204" pitchFamily="34" charset="0"/>
+                <a:cs typeface="Calibri" panose="020F0502020204030204" pitchFamily="34" charset="0"/>
+              </a:rPr>
+              <a:t>-ID</a:t>
+            </a:r>
+          </a:p>
+          <a:p>
+            <a:r>
+              <a:rPr lang="en-US" sz="1100" dirty="0">
+                <a:latin typeface="Calibri" panose="020F0502020204030204" pitchFamily="34" charset="0"/>
+                <a:cs typeface="Calibri" panose="020F0502020204030204" pitchFamily="34" charset="0"/>
+              </a:rPr>
+              <a:t>-DATE</a:t>
+            </a:r>
+          </a:p>
+          <a:p>
+            <a:r>
+              <a:rPr lang="en-US" sz="1100" dirty="0">
+                <a:latin typeface="Calibri" panose="020F0502020204030204" pitchFamily="34" charset="0"/>
+                <a:cs typeface="Calibri" panose="020F0502020204030204" pitchFamily="34" charset="0"/>
+              </a:rPr>
+              <a:t>-HEIGHT</a:t>
+            </a:r>
+          </a:p>
+          <a:p>
+            <a:r>
+              <a:rPr lang="en-US" sz="1100" dirty="0">
+                <a:latin typeface="Calibri" panose="020F0502020204030204" pitchFamily="34" charset="0"/>
+                <a:cs typeface="Calibri" panose="020F0502020204030204" pitchFamily="34" charset="0"/>
+              </a:rPr>
+              <a:t>-WEIGHT</a:t>
+            </a:r>
+          </a:p>
+          <a:p>
+            <a:r>
+              <a:rPr lang="en-US" sz="1100" dirty="0">
+                <a:latin typeface="Calibri" panose="020F0502020204030204" pitchFamily="34" charset="0"/>
+                <a:cs typeface="Calibri" panose="020F0502020204030204" pitchFamily="34" charset="0"/>
+              </a:rPr>
+              <a:t>-HEAD CIRCUMFERENCE</a:t>
+            </a:r>
+          </a:p>
+          <a:p>
+            <a:r>
+              <a:rPr lang="en-US" sz="1100" dirty="0">
+                <a:latin typeface="Calibri" panose="020F0502020204030204" pitchFamily="34" charset="0"/>
+                <a:cs typeface="Calibri" panose="020F0502020204030204" pitchFamily="34" charset="0"/>
+              </a:rPr>
+              <a:t>-SYSTOLIC BP*</a:t>
+            </a:r>
+          </a:p>
+          <a:p>
+            <a:r>
+              <a:rPr lang="en-US" sz="1100" dirty="0">
+                <a:latin typeface="Calibri" panose="020F0502020204030204" pitchFamily="34" charset="0"/>
+                <a:cs typeface="Calibri" panose="020F0502020204030204" pitchFamily="34" charset="0"/>
+              </a:rPr>
+              <a:t>-DYSOSTOLIC BP*</a:t>
+            </a:r>
+          </a:p>
+          <a:p>
+            <a:r>
+              <a:rPr lang="en-US" sz="1100" dirty="0">
+                <a:latin typeface="Calibri" panose="020F0502020204030204" pitchFamily="34" charset="0"/>
+                <a:cs typeface="Calibri" panose="020F0502020204030204" pitchFamily="34" charset="0"/>
+              </a:rPr>
+              <a:t>-CLINIC*</a:t>
+            </a:r>
+          </a:p>
+          <a:p>
+            <a:r>
+              <a:rPr lang="en-US" sz="1100" dirty="0">
+                <a:latin typeface="Calibri" panose="020F0502020204030204" pitchFamily="34" charset="0"/>
+                <a:cs typeface="Calibri" panose="020F0502020204030204" pitchFamily="34" charset="0"/>
+              </a:rPr>
+              <a:t>-ENCOUNTER</a:t>
+            </a:r>
+          </a:p>
+        </p:txBody>
+      </p:sp>
+      <p:sp>
+        <p:nvSpPr>
+          <p:cNvPr id="13" name="TextBox 12"/>
+          <p:cNvSpPr txBox="1"/>
+          <p:nvPr/>
+        </p:nvSpPr>
+        <p:spPr>
+          <a:xfrm>
+            <a:off x="8325179" y="361890"/>
+            <a:ext cx="3652870" cy="400110"/>
+          </a:xfrm>
+          <a:prstGeom prst="rect">
+            <a:avLst/>
+          </a:prstGeom>
+          <a:noFill/>
+        </p:spPr>
+        <p:txBody>
+          <a:bodyPr wrap="square" rtlCol="0">
+            <a:spAutoFit/>
+          </a:bodyPr>
+          <a:lstStyle/>
+          <a:p>
+            <a:pPr algn="ctr"/>
+            <a:r>
+              <a:rPr lang="en-US" sz="2000" dirty="0">
+                <a:latin typeface="Calibri" panose="020F0502020204030204" pitchFamily="34" charset="0"/>
+                <a:cs typeface="Calibri" panose="020F0502020204030204" pitchFamily="34" charset="0"/>
+              </a:rPr>
+              <a:t>POSTNATAL</a:t>
+            </a:r>
+            <a:endParaRPr lang="en-US" dirty="0">
+              <a:latin typeface="Calibri" panose="020F0502020204030204" pitchFamily="34" charset="0"/>
+              <a:cs typeface="Calibri" panose="020F0502020204030204" pitchFamily="34" charset="0"/>
+            </a:endParaRPr>
+          </a:p>
+        </p:txBody>
+      </p:sp>
+      <p:sp>
+        <p:nvSpPr>
+          <p:cNvPr id="14" name="TextBox 13"/>
+          <p:cNvSpPr txBox="1"/>
+          <p:nvPr/>
+        </p:nvSpPr>
+        <p:spPr>
+          <a:xfrm>
+            <a:off x="3507808" y="361890"/>
+            <a:ext cx="4564931" cy="400110"/>
+          </a:xfrm>
+          <a:prstGeom prst="rect">
+            <a:avLst/>
+          </a:prstGeom>
+          <a:noFill/>
+        </p:spPr>
+        <p:txBody>
+          <a:bodyPr wrap="square" rtlCol="0">
+            <a:spAutoFit/>
+          </a:bodyPr>
+          <a:lstStyle/>
+          <a:p>
+            <a:pPr algn="ctr"/>
+            <a:r>
+              <a:rPr lang="en-US" sz="2000" dirty="0">
+                <a:latin typeface="Calibri" panose="020F0502020204030204" pitchFamily="34" charset="0"/>
+                <a:cs typeface="Calibri" panose="020F0502020204030204" pitchFamily="34" charset="0"/>
+              </a:rPr>
+              <a:t>DELIVERY</a:t>
+            </a:r>
+            <a:endParaRPr lang="en-US" sz="1600" dirty="0">
+              <a:latin typeface="Calibri" panose="020F0502020204030204" pitchFamily="34" charset="0"/>
+              <a:cs typeface="Calibri" panose="020F0502020204030204" pitchFamily="34" charset="0"/>
+            </a:endParaRPr>
+          </a:p>
+        </p:txBody>
+      </p:sp>
+      <p:sp>
+        <p:nvSpPr>
+          <p:cNvPr id="15" name="TextBox 14"/>
+          <p:cNvSpPr txBox="1"/>
+          <p:nvPr/>
+        </p:nvSpPr>
+        <p:spPr>
+          <a:xfrm>
+            <a:off x="150538" y="363557"/>
+            <a:ext cx="3144494" cy="400110"/>
+          </a:xfrm>
+          <a:prstGeom prst="rect">
+            <a:avLst/>
+          </a:prstGeom>
+          <a:noFill/>
+        </p:spPr>
+        <p:txBody>
+          <a:bodyPr wrap="square" rtlCol="0">
+            <a:spAutoFit/>
+          </a:bodyPr>
+          <a:lstStyle/>
+          <a:p>
+            <a:pPr algn="ctr"/>
+            <a:r>
+              <a:rPr lang="en-US" sz="2000" dirty="0">
+                <a:latin typeface="Calibri" panose="020F0502020204030204" pitchFamily="34" charset="0"/>
+                <a:cs typeface="Calibri" panose="020F0502020204030204" pitchFamily="34" charset="0"/>
+              </a:rPr>
+              <a:t>PRENATAL</a:t>
+            </a:r>
+            <a:endParaRPr lang="en-US" sz="1600" dirty="0">
+              <a:latin typeface="Calibri" panose="020F0502020204030204" pitchFamily="34" charset="0"/>
+              <a:cs typeface="Calibri" panose="020F0502020204030204" pitchFamily="34" charset="0"/>
+            </a:endParaRPr>
+          </a:p>
+        </p:txBody>
+      </p:sp>
+      <p:sp>
+        <p:nvSpPr>
+          <p:cNvPr id="19" name="TextBox 18"/>
+          <p:cNvSpPr txBox="1"/>
+          <p:nvPr/>
+        </p:nvSpPr>
+        <p:spPr>
+          <a:xfrm>
+            <a:off x="1628553" y="2803120"/>
+            <a:ext cx="1353786" cy="1277273"/>
+          </a:xfrm>
+          <a:prstGeom prst="rect">
+            <a:avLst/>
+          </a:prstGeom>
+          <a:solidFill>
+            <a:schemeClr val="accent6">
+              <a:lumMod val="40000"/>
+              <a:lumOff val="60000"/>
+            </a:schemeClr>
+          </a:solidFill>
+        </p:spPr>
+        <p:txBody>
+          <a:bodyPr wrap="square" rtlCol="0">
+            <a:spAutoFit/>
+          </a:bodyPr>
+          <a:lstStyle/>
+          <a:p>
+            <a:r>
+              <a:rPr lang="en-US" sz="1100" b="1" dirty="0">
+                <a:latin typeface="Calibri" panose="020F0502020204030204" pitchFamily="34" charset="0"/>
+                <a:cs typeface="Calibri" panose="020F0502020204030204" pitchFamily="34" charset="0"/>
+              </a:rPr>
+              <a:t>LABS*</a:t>
+            </a:r>
+          </a:p>
+          <a:p>
+            <a:r>
+              <a:rPr lang="en-US" sz="1100" dirty="0">
+                <a:latin typeface="Calibri" panose="020F0502020204030204" pitchFamily="34" charset="0"/>
+                <a:cs typeface="Calibri" panose="020F0502020204030204" pitchFamily="34" charset="0"/>
+              </a:rPr>
+              <a:t>-ID</a:t>
+            </a:r>
+          </a:p>
+          <a:p>
+            <a:r>
+              <a:rPr lang="en-US" sz="1100" dirty="0">
+                <a:latin typeface="Calibri" panose="020F0502020204030204" pitchFamily="34" charset="0"/>
+                <a:cs typeface="Calibri" panose="020F0502020204030204" pitchFamily="34" charset="0"/>
+              </a:rPr>
+              <a:t>-DATE</a:t>
+            </a:r>
+          </a:p>
+          <a:p>
+            <a:r>
+              <a:rPr lang="en-US" sz="1100" dirty="0">
+                <a:latin typeface="Calibri" panose="020F0502020204030204" pitchFamily="34" charset="0"/>
+                <a:cs typeface="Calibri" panose="020F0502020204030204" pitchFamily="34" charset="0"/>
+              </a:rPr>
+              <a:t>-MEASURE</a:t>
+            </a:r>
+          </a:p>
+          <a:p>
+            <a:r>
+              <a:rPr lang="en-US" sz="1100" dirty="0">
+                <a:latin typeface="Calibri" panose="020F0502020204030204" pitchFamily="34" charset="0"/>
+                <a:cs typeface="Calibri" panose="020F0502020204030204" pitchFamily="34" charset="0"/>
+              </a:rPr>
+              <a:t>-SOURCE</a:t>
+            </a:r>
+          </a:p>
+          <a:p>
+            <a:r>
+              <a:rPr lang="en-US" sz="1100" dirty="0">
+                <a:latin typeface="Calibri" panose="020F0502020204030204" pitchFamily="34" charset="0"/>
+                <a:cs typeface="Calibri" panose="020F0502020204030204" pitchFamily="34" charset="0"/>
+              </a:rPr>
+              <a:t>-CLINIC*</a:t>
+            </a:r>
+          </a:p>
+          <a:p>
+            <a:r>
+              <a:rPr lang="en-US" sz="1100" dirty="0">
+                <a:latin typeface="Calibri" panose="020F0502020204030204" pitchFamily="34" charset="0"/>
+                <a:cs typeface="Calibri" panose="020F0502020204030204" pitchFamily="34" charset="0"/>
+              </a:rPr>
+              <a:t>-ENCOUNTER</a:t>
+            </a:r>
+          </a:p>
+        </p:txBody>
+      </p:sp>
+      <p:sp>
+        <p:nvSpPr>
+          <p:cNvPr id="21" name="TextBox 20"/>
+          <p:cNvSpPr txBox="1"/>
+          <p:nvPr/>
+        </p:nvSpPr>
+        <p:spPr>
+          <a:xfrm>
+            <a:off x="8457391" y="2661718"/>
+            <a:ext cx="1074792" cy="1277273"/>
+          </a:xfrm>
+          <a:prstGeom prst="rect">
+            <a:avLst/>
+          </a:prstGeom>
+          <a:solidFill>
+            <a:schemeClr val="accent6">
+              <a:lumMod val="40000"/>
+              <a:lumOff val="60000"/>
+            </a:schemeClr>
+          </a:solidFill>
+        </p:spPr>
+        <p:txBody>
+          <a:bodyPr wrap="square" rtlCol="0">
+            <a:spAutoFit/>
+          </a:bodyPr>
+          <a:lstStyle/>
+          <a:p>
+            <a:r>
+              <a:rPr lang="en-US" sz="1100" b="1" dirty="0">
+                <a:latin typeface="Calibri" panose="020F0502020204030204" pitchFamily="34" charset="0"/>
+                <a:cs typeface="Calibri" panose="020F0502020204030204" pitchFamily="34" charset="0"/>
+              </a:rPr>
+              <a:t>LABS*</a:t>
+            </a:r>
+          </a:p>
+          <a:p>
+            <a:r>
+              <a:rPr lang="en-US" sz="1100" dirty="0">
+                <a:latin typeface="Calibri" panose="020F0502020204030204" pitchFamily="34" charset="0"/>
+                <a:cs typeface="Calibri" panose="020F0502020204030204" pitchFamily="34" charset="0"/>
+              </a:rPr>
+              <a:t>-ID</a:t>
+            </a:r>
+          </a:p>
+          <a:p>
+            <a:r>
+              <a:rPr lang="en-US" sz="1100" dirty="0">
+                <a:latin typeface="Calibri" panose="020F0502020204030204" pitchFamily="34" charset="0"/>
+                <a:cs typeface="Calibri" panose="020F0502020204030204" pitchFamily="34" charset="0"/>
+              </a:rPr>
+              <a:t>-DATE</a:t>
+            </a:r>
+          </a:p>
+          <a:p>
+            <a:r>
+              <a:rPr lang="en-US" sz="1100" dirty="0">
+                <a:latin typeface="Calibri" panose="020F0502020204030204" pitchFamily="34" charset="0"/>
+                <a:cs typeface="Calibri" panose="020F0502020204030204" pitchFamily="34" charset="0"/>
+              </a:rPr>
+              <a:t>-MEASURE</a:t>
+            </a:r>
+          </a:p>
+          <a:p>
+            <a:r>
+              <a:rPr lang="en-US" sz="1100" dirty="0">
+                <a:latin typeface="Calibri" panose="020F0502020204030204" pitchFamily="34" charset="0"/>
+                <a:cs typeface="Calibri" panose="020F0502020204030204" pitchFamily="34" charset="0"/>
+              </a:rPr>
+              <a:t>-SOURCE</a:t>
+            </a:r>
+          </a:p>
+          <a:p>
+            <a:r>
+              <a:rPr lang="en-US" sz="1100" dirty="0">
+                <a:latin typeface="Calibri" panose="020F0502020204030204" pitchFamily="34" charset="0"/>
+                <a:cs typeface="Calibri" panose="020F0502020204030204" pitchFamily="34" charset="0"/>
+              </a:rPr>
+              <a:t>-CLINIC*</a:t>
+            </a:r>
+          </a:p>
+          <a:p>
+            <a:r>
+              <a:rPr lang="en-US" sz="1100" dirty="0">
+                <a:latin typeface="Calibri" panose="020F0502020204030204" pitchFamily="34" charset="0"/>
+                <a:cs typeface="Calibri" panose="020F0502020204030204" pitchFamily="34" charset="0"/>
+              </a:rPr>
+              <a:t>-ENCOUNTER</a:t>
+            </a:r>
+          </a:p>
+        </p:txBody>
+      </p:sp>
+      <p:sp>
+        <p:nvSpPr>
+          <p:cNvPr id="22" name="TextBox 21"/>
+          <p:cNvSpPr txBox="1"/>
+          <p:nvPr/>
+        </p:nvSpPr>
+        <p:spPr>
+          <a:xfrm>
+            <a:off x="9646203" y="2661718"/>
+            <a:ext cx="1042024" cy="1277273"/>
+          </a:xfrm>
+          <a:prstGeom prst="rect">
+            <a:avLst/>
+          </a:prstGeom>
+          <a:solidFill>
+            <a:srgbClr val="00B0F0"/>
+          </a:solidFill>
+        </p:spPr>
+        <p:txBody>
+          <a:bodyPr wrap="square" rtlCol="0">
+            <a:spAutoFit/>
+          </a:bodyPr>
+          <a:lstStyle/>
+          <a:p>
+            <a:r>
+              <a:rPr lang="en-US" sz="1100" b="1" dirty="0">
+                <a:latin typeface="Calibri" panose="020F0502020204030204" pitchFamily="34" charset="0"/>
+                <a:cs typeface="Calibri" panose="020F0502020204030204" pitchFamily="34" charset="0"/>
+              </a:rPr>
+              <a:t>CODES*</a:t>
+            </a:r>
+          </a:p>
+          <a:p>
+            <a:r>
+              <a:rPr lang="en-US" sz="1100" dirty="0">
+                <a:latin typeface="Calibri" panose="020F0502020204030204" pitchFamily="34" charset="0"/>
+                <a:cs typeface="Calibri" panose="020F0502020204030204" pitchFamily="34" charset="0"/>
+              </a:rPr>
+              <a:t>-ID</a:t>
+            </a:r>
+          </a:p>
+          <a:p>
+            <a:r>
+              <a:rPr lang="en-US" sz="1100" dirty="0">
+                <a:latin typeface="Calibri" panose="020F0502020204030204" pitchFamily="34" charset="0"/>
+                <a:cs typeface="Calibri" panose="020F0502020204030204" pitchFamily="34" charset="0"/>
+              </a:rPr>
+              <a:t>-DATE</a:t>
+            </a:r>
+          </a:p>
+          <a:p>
+            <a:r>
+              <a:rPr lang="en-US" sz="1100" dirty="0">
+                <a:latin typeface="Calibri" panose="020F0502020204030204" pitchFamily="34" charset="0"/>
+                <a:cs typeface="Calibri" panose="020F0502020204030204" pitchFamily="34" charset="0"/>
+              </a:rPr>
+              <a:t>-MEASURE</a:t>
+            </a:r>
+          </a:p>
+          <a:p>
+            <a:r>
+              <a:rPr lang="en-US" sz="1100" dirty="0">
+                <a:latin typeface="Calibri" panose="020F0502020204030204" pitchFamily="34" charset="0"/>
+                <a:cs typeface="Calibri" panose="020F0502020204030204" pitchFamily="34" charset="0"/>
+              </a:rPr>
+              <a:t>-SOURCE</a:t>
+            </a:r>
+          </a:p>
+          <a:p>
+            <a:r>
+              <a:rPr lang="en-US" sz="1100" dirty="0">
+                <a:latin typeface="Calibri" panose="020F0502020204030204" pitchFamily="34" charset="0"/>
+                <a:cs typeface="Calibri" panose="020F0502020204030204" pitchFamily="34" charset="0"/>
+              </a:rPr>
+              <a:t>-CLINIC*</a:t>
+            </a:r>
+          </a:p>
+          <a:p>
+            <a:r>
+              <a:rPr lang="en-US" sz="1100" dirty="0">
+                <a:latin typeface="Calibri" panose="020F0502020204030204" pitchFamily="34" charset="0"/>
+                <a:cs typeface="Calibri" panose="020F0502020204030204" pitchFamily="34" charset="0"/>
+              </a:rPr>
+              <a:t>-ENCOUNTER</a:t>
+            </a:r>
+          </a:p>
+        </p:txBody>
+      </p:sp>
+      <p:sp>
+        <p:nvSpPr>
+          <p:cNvPr id="23" name="TextBox 22"/>
+          <p:cNvSpPr txBox="1"/>
+          <p:nvPr/>
+        </p:nvSpPr>
+        <p:spPr>
+          <a:xfrm>
+            <a:off x="159297" y="2797411"/>
+            <a:ext cx="1353786" cy="1277273"/>
+          </a:xfrm>
+          <a:prstGeom prst="rect">
+            <a:avLst/>
+          </a:prstGeom>
+          <a:solidFill>
+            <a:srgbClr val="00B0F0"/>
+          </a:solidFill>
+        </p:spPr>
+        <p:txBody>
+          <a:bodyPr wrap="square" rtlCol="0">
+            <a:spAutoFit/>
+          </a:bodyPr>
+          <a:lstStyle/>
+          <a:p>
+            <a:r>
+              <a:rPr lang="en-US" sz="1100" b="1" dirty="0">
+                <a:latin typeface="Calibri" panose="020F0502020204030204" pitchFamily="34" charset="0"/>
+                <a:cs typeface="Calibri" panose="020F0502020204030204" pitchFamily="34" charset="0"/>
+              </a:rPr>
+              <a:t>CODES*</a:t>
+            </a:r>
+          </a:p>
+          <a:p>
+            <a:r>
+              <a:rPr lang="en-US" sz="1100" dirty="0">
+                <a:latin typeface="Calibri" panose="020F0502020204030204" pitchFamily="34" charset="0"/>
+                <a:cs typeface="Calibri" panose="020F0502020204030204" pitchFamily="34" charset="0"/>
+              </a:rPr>
+              <a:t>-ID</a:t>
+            </a:r>
+          </a:p>
+          <a:p>
+            <a:r>
+              <a:rPr lang="en-US" sz="1100" dirty="0">
+                <a:latin typeface="Calibri" panose="020F0502020204030204" pitchFamily="34" charset="0"/>
+                <a:cs typeface="Calibri" panose="020F0502020204030204" pitchFamily="34" charset="0"/>
+              </a:rPr>
+              <a:t>-DATE</a:t>
+            </a:r>
+          </a:p>
+          <a:p>
+            <a:r>
+              <a:rPr lang="en-US" sz="1100" dirty="0">
+                <a:latin typeface="Calibri" panose="020F0502020204030204" pitchFamily="34" charset="0"/>
+                <a:cs typeface="Calibri" panose="020F0502020204030204" pitchFamily="34" charset="0"/>
+              </a:rPr>
+              <a:t>-MEASURE</a:t>
+            </a:r>
+          </a:p>
+          <a:p>
+            <a:r>
+              <a:rPr lang="en-US" sz="1100" dirty="0">
+                <a:latin typeface="Calibri" panose="020F0502020204030204" pitchFamily="34" charset="0"/>
+                <a:cs typeface="Calibri" panose="020F0502020204030204" pitchFamily="34" charset="0"/>
+              </a:rPr>
+              <a:t>-SOURCE</a:t>
+            </a:r>
+          </a:p>
+          <a:p>
+            <a:r>
+              <a:rPr lang="en-US" sz="1100" dirty="0">
+                <a:latin typeface="Calibri" panose="020F0502020204030204" pitchFamily="34" charset="0"/>
+                <a:cs typeface="Calibri" panose="020F0502020204030204" pitchFamily="34" charset="0"/>
+              </a:rPr>
+              <a:t>-CLINIC*</a:t>
+            </a:r>
+          </a:p>
+          <a:p>
+            <a:r>
+              <a:rPr lang="en-US" sz="1100" dirty="0">
+                <a:latin typeface="Calibri" panose="020F0502020204030204" pitchFamily="34" charset="0"/>
+                <a:cs typeface="Calibri" panose="020F0502020204030204" pitchFamily="34" charset="0"/>
+              </a:rPr>
+              <a:t>-ENCOUNTER</a:t>
+            </a:r>
+          </a:p>
+        </p:txBody>
+      </p:sp>
+      <p:sp>
+        <p:nvSpPr>
+          <p:cNvPr id="18" name="TextBox 17"/>
+          <p:cNvSpPr txBox="1"/>
+          <p:nvPr/>
+        </p:nvSpPr>
+        <p:spPr>
+          <a:xfrm>
+            <a:off x="5669524" y="4379403"/>
+            <a:ext cx="1857475" cy="1785104"/>
+          </a:xfrm>
+          <a:prstGeom prst="rect">
+            <a:avLst/>
+          </a:prstGeom>
+          <a:solidFill>
+            <a:schemeClr val="accent5">
+              <a:lumMod val="40000"/>
+              <a:lumOff val="60000"/>
+            </a:schemeClr>
+          </a:solidFill>
+        </p:spPr>
+        <p:txBody>
+          <a:bodyPr wrap="square" rtlCol="0">
+            <a:spAutoFit/>
+          </a:bodyPr>
+          <a:lstStyle/>
+          <a:p>
+            <a:r>
+              <a:rPr lang="en-US" sz="1100" b="1" dirty="0">
+                <a:latin typeface="Calibri" panose="020F0502020204030204" pitchFamily="34" charset="0"/>
+                <a:cs typeface="Calibri" panose="020F0502020204030204" pitchFamily="34" charset="0"/>
+              </a:rPr>
+              <a:t>ABX-MEDICATION-IP</a:t>
+            </a:r>
+          </a:p>
+          <a:p>
+            <a:r>
+              <a:rPr lang="en-US" sz="1100" dirty="0">
+                <a:latin typeface="Calibri" panose="020F0502020204030204" pitchFamily="34" charset="0"/>
+                <a:cs typeface="Calibri" panose="020F0502020204030204" pitchFamily="34" charset="0"/>
+              </a:rPr>
+              <a:t>-ID</a:t>
+            </a:r>
+          </a:p>
+          <a:p>
+            <a:r>
+              <a:rPr lang="en-US" sz="1100" dirty="0">
+                <a:latin typeface="Calibri" panose="020F0502020204030204" pitchFamily="34" charset="0"/>
+                <a:cs typeface="Calibri" panose="020F0502020204030204" pitchFamily="34" charset="0"/>
+              </a:rPr>
+              <a:t>-DATE TAKEN</a:t>
+            </a:r>
+          </a:p>
+          <a:p>
+            <a:r>
+              <a:rPr lang="en-US" sz="1100" dirty="0">
+                <a:latin typeface="Calibri" panose="020F0502020204030204" pitchFamily="34" charset="0"/>
+                <a:cs typeface="Calibri" panose="020F0502020204030204" pitchFamily="34" charset="0"/>
+              </a:rPr>
+              <a:t>-NDC*</a:t>
+            </a:r>
+          </a:p>
+          <a:p>
+            <a:r>
+              <a:rPr lang="en-US" sz="1100" dirty="0">
+                <a:latin typeface="Calibri" panose="020F0502020204030204" pitchFamily="34" charset="0"/>
+                <a:cs typeface="Calibri" panose="020F0502020204030204" pitchFamily="34" charset="0"/>
+              </a:rPr>
+              <a:t>-MAR ACTION</a:t>
+            </a:r>
+          </a:p>
+          <a:p>
+            <a:r>
+              <a:rPr lang="en-US" sz="1100" dirty="0">
+                <a:latin typeface="Calibri" panose="020F0502020204030204" pitchFamily="34" charset="0"/>
+                <a:cs typeface="Calibri" panose="020F0502020204030204" pitchFamily="34" charset="0"/>
+              </a:rPr>
+              <a:t>-DESCRIPTION</a:t>
+            </a:r>
+          </a:p>
+          <a:p>
+            <a:r>
+              <a:rPr lang="en-US" sz="1100" dirty="0">
+                <a:latin typeface="Calibri" panose="020F0502020204030204" pitchFamily="34" charset="0"/>
+                <a:cs typeface="Calibri" panose="020F0502020204030204" pitchFamily="34" charset="0"/>
+              </a:rPr>
+              <a:t>-GENERIC NAME</a:t>
+            </a:r>
+          </a:p>
+          <a:p>
+            <a:r>
+              <a:rPr lang="en-US" sz="1100" dirty="0">
+                <a:latin typeface="Calibri" panose="020F0502020204030204" pitchFamily="34" charset="0"/>
+                <a:cs typeface="Calibri" panose="020F0502020204030204" pitchFamily="34" charset="0"/>
+              </a:rPr>
+              <a:t>-THERAPY CLASS</a:t>
+            </a:r>
+          </a:p>
+          <a:p>
+            <a:r>
+              <a:rPr lang="en-US" sz="1100" dirty="0">
+                <a:latin typeface="Calibri" panose="020F0502020204030204" pitchFamily="34" charset="0"/>
+                <a:cs typeface="Calibri" panose="020F0502020204030204" pitchFamily="34" charset="0"/>
+              </a:rPr>
+              <a:t>-PHARMACY CLASS</a:t>
+            </a:r>
+          </a:p>
+          <a:p>
+            <a:r>
+              <a:rPr lang="en-US" sz="1100" dirty="0">
+                <a:latin typeface="Calibri" panose="020F0502020204030204" pitchFamily="34" charset="0"/>
+                <a:cs typeface="Calibri" panose="020F0502020204030204" pitchFamily="34" charset="0"/>
+              </a:rPr>
+              <a:t>-PHARMACY SUBCLASS</a:t>
+            </a:r>
+          </a:p>
+        </p:txBody>
+      </p:sp>
+      <p:sp>
+        <p:nvSpPr>
+          <p:cNvPr id="20" name="TextBox 19"/>
+          <p:cNvSpPr txBox="1"/>
+          <p:nvPr/>
+        </p:nvSpPr>
+        <p:spPr>
+          <a:xfrm>
+            <a:off x="8444446" y="4032439"/>
+            <a:ext cx="1584752" cy="1615827"/>
+          </a:xfrm>
+          <a:prstGeom prst="rect">
+            <a:avLst/>
+          </a:prstGeom>
+          <a:solidFill>
+            <a:schemeClr val="accent5">
+              <a:lumMod val="40000"/>
+              <a:lumOff val="60000"/>
+            </a:schemeClr>
+          </a:solidFill>
+        </p:spPr>
+        <p:txBody>
+          <a:bodyPr wrap="square" rtlCol="0">
+            <a:spAutoFit/>
+          </a:bodyPr>
+          <a:lstStyle/>
+          <a:p>
+            <a:r>
+              <a:rPr lang="en-US" sz="1100" b="1" dirty="0">
+                <a:latin typeface="Calibri" panose="020F0502020204030204" pitchFamily="34" charset="0"/>
+                <a:cs typeface="Calibri" panose="020F0502020204030204" pitchFamily="34" charset="0"/>
+              </a:rPr>
+              <a:t>ABX-MEDICATION-OP</a:t>
+            </a:r>
+          </a:p>
+          <a:p>
+            <a:r>
+              <a:rPr lang="en-US" sz="1100" dirty="0">
+                <a:latin typeface="Calibri" panose="020F0502020204030204" pitchFamily="34" charset="0"/>
+                <a:cs typeface="Calibri" panose="020F0502020204030204" pitchFamily="34" charset="0"/>
+              </a:rPr>
+              <a:t>-ID</a:t>
+            </a:r>
+          </a:p>
+          <a:p>
+            <a:r>
+              <a:rPr lang="en-US" sz="1100" dirty="0">
+                <a:latin typeface="Calibri" panose="020F0502020204030204" pitchFamily="34" charset="0"/>
+                <a:cs typeface="Calibri" panose="020F0502020204030204" pitchFamily="34" charset="0"/>
+              </a:rPr>
+              <a:t>-DATE ORDER</a:t>
+            </a:r>
+          </a:p>
+          <a:p>
+            <a:r>
+              <a:rPr lang="en-US" sz="1100" dirty="0">
+                <a:latin typeface="Calibri" panose="020F0502020204030204" pitchFamily="34" charset="0"/>
+                <a:cs typeface="Calibri" panose="020F0502020204030204" pitchFamily="34" charset="0"/>
+              </a:rPr>
+              <a:t>-NDC*</a:t>
+            </a:r>
+          </a:p>
+          <a:p>
+            <a:r>
+              <a:rPr lang="en-US" sz="1100" dirty="0">
+                <a:latin typeface="Calibri" panose="020F0502020204030204" pitchFamily="34" charset="0"/>
+                <a:cs typeface="Calibri" panose="020F0502020204030204" pitchFamily="34" charset="0"/>
+              </a:rPr>
+              <a:t>-DESCRIPTION</a:t>
+            </a:r>
+          </a:p>
+          <a:p>
+            <a:r>
+              <a:rPr lang="en-US" sz="1100" dirty="0">
+                <a:latin typeface="Calibri" panose="020F0502020204030204" pitchFamily="34" charset="0"/>
+                <a:cs typeface="Calibri" panose="020F0502020204030204" pitchFamily="34" charset="0"/>
+              </a:rPr>
+              <a:t>-GENERIC NAME</a:t>
+            </a:r>
+          </a:p>
+          <a:p>
+            <a:r>
+              <a:rPr lang="en-US" sz="1100" dirty="0">
+                <a:latin typeface="Calibri" panose="020F0502020204030204" pitchFamily="34" charset="0"/>
+                <a:cs typeface="Calibri" panose="020F0502020204030204" pitchFamily="34" charset="0"/>
+              </a:rPr>
+              <a:t>-THERAPY CLASS</a:t>
+            </a:r>
+          </a:p>
+          <a:p>
+            <a:r>
+              <a:rPr lang="en-US" sz="1100" dirty="0">
+                <a:latin typeface="Calibri" panose="020F0502020204030204" pitchFamily="34" charset="0"/>
+                <a:cs typeface="Calibri" panose="020F0502020204030204" pitchFamily="34" charset="0"/>
+              </a:rPr>
+              <a:t>-PHARMACY CLASS</a:t>
+            </a:r>
+          </a:p>
+          <a:p>
+            <a:r>
+              <a:rPr lang="en-US" sz="1100" dirty="0">
+                <a:latin typeface="Calibri" panose="020F0502020204030204" pitchFamily="34" charset="0"/>
+                <a:cs typeface="Calibri" panose="020F0502020204030204" pitchFamily="34" charset="0"/>
+              </a:rPr>
+              <a:t>-PHARMACY SUBCLASS</a:t>
+            </a:r>
+          </a:p>
+        </p:txBody>
+      </p:sp>
+      <p:sp>
+        <p:nvSpPr>
+          <p:cNvPr id="24" name="TextBox 23"/>
+          <p:cNvSpPr txBox="1"/>
+          <p:nvPr/>
+        </p:nvSpPr>
+        <p:spPr>
+          <a:xfrm>
+            <a:off x="3654795" y="4371095"/>
+            <a:ext cx="1857475" cy="1785104"/>
+          </a:xfrm>
+          <a:prstGeom prst="rect">
+            <a:avLst/>
+          </a:prstGeom>
+          <a:solidFill>
+            <a:schemeClr val="accent5">
+              <a:lumMod val="40000"/>
+              <a:lumOff val="60000"/>
+            </a:schemeClr>
+          </a:solidFill>
+        </p:spPr>
+        <p:txBody>
+          <a:bodyPr wrap="square" rtlCol="0">
+            <a:spAutoFit/>
+          </a:bodyPr>
+          <a:lstStyle/>
+          <a:p>
+            <a:r>
+              <a:rPr lang="en-US" sz="1100" b="1" dirty="0">
+                <a:latin typeface="Calibri" panose="020F0502020204030204" pitchFamily="34" charset="0"/>
+                <a:cs typeface="Calibri" panose="020F0502020204030204" pitchFamily="34" charset="0"/>
+              </a:rPr>
+              <a:t>MEDICATION-IP</a:t>
+            </a:r>
+          </a:p>
+          <a:p>
+            <a:r>
+              <a:rPr lang="en-US" sz="1100" dirty="0">
+                <a:latin typeface="Calibri" panose="020F0502020204030204" pitchFamily="34" charset="0"/>
+                <a:cs typeface="Calibri" panose="020F0502020204030204" pitchFamily="34" charset="0"/>
+              </a:rPr>
+              <a:t>-ID</a:t>
+            </a:r>
+          </a:p>
+          <a:p>
+            <a:r>
+              <a:rPr lang="en-US" sz="1100" dirty="0">
+                <a:latin typeface="Calibri" panose="020F0502020204030204" pitchFamily="34" charset="0"/>
+                <a:cs typeface="Calibri" panose="020F0502020204030204" pitchFamily="34" charset="0"/>
+              </a:rPr>
+              <a:t>-DATE TAKEN</a:t>
+            </a:r>
+          </a:p>
+          <a:p>
+            <a:r>
+              <a:rPr lang="en-US" sz="1100" dirty="0">
+                <a:latin typeface="Calibri" panose="020F0502020204030204" pitchFamily="34" charset="0"/>
+                <a:cs typeface="Calibri" panose="020F0502020204030204" pitchFamily="34" charset="0"/>
+              </a:rPr>
+              <a:t>-NDC*</a:t>
+            </a:r>
+          </a:p>
+          <a:p>
+            <a:r>
+              <a:rPr lang="en-US" sz="1100" dirty="0">
+                <a:latin typeface="Calibri" panose="020F0502020204030204" pitchFamily="34" charset="0"/>
+                <a:cs typeface="Calibri" panose="020F0502020204030204" pitchFamily="34" charset="0"/>
+              </a:rPr>
+              <a:t>-MAR ACTION</a:t>
+            </a:r>
+          </a:p>
+          <a:p>
+            <a:r>
+              <a:rPr lang="en-US" sz="1100" dirty="0">
+                <a:latin typeface="Calibri" panose="020F0502020204030204" pitchFamily="34" charset="0"/>
+                <a:cs typeface="Calibri" panose="020F0502020204030204" pitchFamily="34" charset="0"/>
+              </a:rPr>
+              <a:t>-DESCRIPTION</a:t>
+            </a:r>
+          </a:p>
+          <a:p>
+            <a:r>
+              <a:rPr lang="en-US" sz="1100" dirty="0">
+                <a:latin typeface="Calibri" panose="020F0502020204030204" pitchFamily="34" charset="0"/>
+                <a:cs typeface="Calibri" panose="020F0502020204030204" pitchFamily="34" charset="0"/>
+              </a:rPr>
+              <a:t>-GENERIC NAME</a:t>
+            </a:r>
+          </a:p>
+          <a:p>
+            <a:r>
+              <a:rPr lang="en-US" sz="1100" dirty="0">
+                <a:latin typeface="Calibri" panose="020F0502020204030204" pitchFamily="34" charset="0"/>
+                <a:cs typeface="Calibri" panose="020F0502020204030204" pitchFamily="34" charset="0"/>
+              </a:rPr>
+              <a:t>-THERAPY CLASS</a:t>
+            </a:r>
+          </a:p>
+          <a:p>
+            <a:r>
+              <a:rPr lang="en-US" sz="1100" dirty="0">
+                <a:latin typeface="Calibri" panose="020F0502020204030204" pitchFamily="34" charset="0"/>
+                <a:cs typeface="Calibri" panose="020F0502020204030204" pitchFamily="34" charset="0"/>
+              </a:rPr>
+              <a:t>-PHARMACY CLASS</a:t>
+            </a:r>
+          </a:p>
+          <a:p>
+            <a:r>
+              <a:rPr lang="en-US" sz="1100" dirty="0">
+                <a:latin typeface="Calibri" panose="020F0502020204030204" pitchFamily="34" charset="0"/>
+                <a:cs typeface="Calibri" panose="020F0502020204030204" pitchFamily="34" charset="0"/>
+              </a:rPr>
+              <a:t>-PHARMACY SUBCLASS</a:t>
+            </a:r>
+          </a:p>
+        </p:txBody>
+      </p:sp>
+      <p:sp>
+        <p:nvSpPr>
+          <p:cNvPr id="25" name="TextBox 24"/>
+          <p:cNvSpPr txBox="1"/>
+          <p:nvPr/>
+        </p:nvSpPr>
+        <p:spPr>
+          <a:xfrm>
+            <a:off x="10117517" y="4032439"/>
+            <a:ext cx="1528143" cy="1785104"/>
+          </a:xfrm>
+          <a:prstGeom prst="rect">
+            <a:avLst/>
+          </a:prstGeom>
+          <a:solidFill>
+            <a:schemeClr val="accent5">
+              <a:lumMod val="40000"/>
+              <a:lumOff val="60000"/>
+            </a:schemeClr>
+          </a:solidFill>
+        </p:spPr>
+        <p:txBody>
+          <a:bodyPr wrap="square" rtlCol="0">
+            <a:spAutoFit/>
+          </a:bodyPr>
+          <a:lstStyle/>
+          <a:p>
+            <a:r>
+              <a:rPr lang="en-US" sz="1100" b="1" dirty="0">
+                <a:latin typeface="Calibri" panose="020F0502020204030204" pitchFamily="34" charset="0"/>
+                <a:cs typeface="Calibri" panose="020F0502020204030204" pitchFamily="34" charset="0"/>
+              </a:rPr>
+              <a:t>MEDICATION-OP</a:t>
+            </a:r>
+          </a:p>
+          <a:p>
+            <a:r>
+              <a:rPr lang="en-US" sz="1100" dirty="0">
+                <a:latin typeface="Calibri" panose="020F0502020204030204" pitchFamily="34" charset="0"/>
+                <a:cs typeface="Calibri" panose="020F0502020204030204" pitchFamily="34" charset="0"/>
+              </a:rPr>
+              <a:t>-ID</a:t>
+            </a:r>
+          </a:p>
+          <a:p>
+            <a:r>
+              <a:rPr lang="en-US" sz="1100" dirty="0">
+                <a:latin typeface="Calibri" panose="020F0502020204030204" pitchFamily="34" charset="0"/>
+                <a:cs typeface="Calibri" panose="020F0502020204030204" pitchFamily="34" charset="0"/>
+              </a:rPr>
+              <a:t>-DATE TAKEN</a:t>
+            </a:r>
+          </a:p>
+          <a:p>
+            <a:r>
+              <a:rPr lang="en-US" sz="1100" dirty="0">
+                <a:latin typeface="Calibri" panose="020F0502020204030204" pitchFamily="34" charset="0"/>
+                <a:cs typeface="Calibri" panose="020F0502020204030204" pitchFamily="34" charset="0"/>
+              </a:rPr>
+              <a:t>-NDC*</a:t>
+            </a:r>
+          </a:p>
+          <a:p>
+            <a:r>
+              <a:rPr lang="en-US" sz="1100" dirty="0">
+                <a:latin typeface="Calibri" panose="020F0502020204030204" pitchFamily="34" charset="0"/>
+                <a:cs typeface="Calibri" panose="020F0502020204030204" pitchFamily="34" charset="0"/>
+              </a:rPr>
+              <a:t>-MAR ACTION</a:t>
+            </a:r>
+          </a:p>
+          <a:p>
+            <a:r>
+              <a:rPr lang="en-US" sz="1100" dirty="0">
+                <a:latin typeface="Calibri" panose="020F0502020204030204" pitchFamily="34" charset="0"/>
+                <a:cs typeface="Calibri" panose="020F0502020204030204" pitchFamily="34" charset="0"/>
+              </a:rPr>
+              <a:t>-DESCRIPTION</a:t>
+            </a:r>
+          </a:p>
+          <a:p>
+            <a:r>
+              <a:rPr lang="en-US" sz="1100" dirty="0">
+                <a:latin typeface="Calibri" panose="020F0502020204030204" pitchFamily="34" charset="0"/>
+                <a:cs typeface="Calibri" panose="020F0502020204030204" pitchFamily="34" charset="0"/>
+              </a:rPr>
+              <a:t>-GENERIC NAME</a:t>
+            </a:r>
+          </a:p>
+          <a:p>
+            <a:r>
+              <a:rPr lang="en-US" sz="1100" dirty="0">
+                <a:latin typeface="Calibri" panose="020F0502020204030204" pitchFamily="34" charset="0"/>
+                <a:cs typeface="Calibri" panose="020F0502020204030204" pitchFamily="34" charset="0"/>
+              </a:rPr>
+              <a:t>-THERAPY CLASS</a:t>
+            </a:r>
+          </a:p>
+          <a:p>
+            <a:r>
+              <a:rPr lang="en-US" sz="1100" dirty="0">
+                <a:latin typeface="Calibri" panose="020F0502020204030204" pitchFamily="34" charset="0"/>
+                <a:cs typeface="Calibri" panose="020F0502020204030204" pitchFamily="34" charset="0"/>
+              </a:rPr>
+              <a:t>-PHARMACY CLASS</a:t>
+            </a:r>
+          </a:p>
+          <a:p>
+            <a:r>
+              <a:rPr lang="en-US" sz="1100" dirty="0">
+                <a:latin typeface="Calibri" panose="020F0502020204030204" pitchFamily="34" charset="0"/>
+                <a:cs typeface="Calibri" panose="020F0502020204030204" pitchFamily="34" charset="0"/>
+              </a:rPr>
+              <a:t>-PHARMACY SUBCLASS</a:t>
+            </a:r>
+          </a:p>
+        </p:txBody>
+      </p:sp>
+      <p:sp>
+        <p:nvSpPr>
+          <p:cNvPr id="26" name="TextBox 25"/>
+          <p:cNvSpPr txBox="1"/>
+          <p:nvPr/>
+        </p:nvSpPr>
+        <p:spPr>
+          <a:xfrm>
+            <a:off x="143354" y="736405"/>
+            <a:ext cx="1385673" cy="1954381"/>
+          </a:xfrm>
+          <a:prstGeom prst="rect">
+            <a:avLst/>
+          </a:prstGeom>
+          <a:solidFill>
+            <a:schemeClr val="accent2">
+              <a:lumMod val="60000"/>
+              <a:lumOff val="40000"/>
+            </a:schemeClr>
+          </a:solidFill>
+        </p:spPr>
+        <p:txBody>
+          <a:bodyPr wrap="square" rtlCol="0">
+            <a:spAutoFit/>
+          </a:bodyPr>
+          <a:lstStyle/>
+          <a:p>
+            <a:r>
+              <a:rPr lang="en-US" sz="1100" b="1" dirty="0">
+                <a:latin typeface="Calibri" panose="020F0502020204030204" pitchFamily="34" charset="0"/>
+                <a:cs typeface="Calibri" panose="020F0502020204030204" pitchFamily="34" charset="0"/>
+              </a:rPr>
+              <a:t>WELLNESS (initial)*</a:t>
+            </a:r>
+          </a:p>
+          <a:p>
+            <a:r>
+              <a:rPr lang="en-US" sz="1100" dirty="0">
+                <a:latin typeface="Calibri" panose="020F0502020204030204" pitchFamily="34" charset="0"/>
+                <a:cs typeface="Calibri" panose="020F0502020204030204" pitchFamily="34" charset="0"/>
+              </a:rPr>
+              <a:t>-ID</a:t>
+            </a:r>
+          </a:p>
+          <a:p>
+            <a:r>
+              <a:rPr lang="en-US" sz="1100" dirty="0">
+                <a:latin typeface="Calibri" panose="020F0502020204030204" pitchFamily="34" charset="0"/>
+                <a:cs typeface="Calibri" panose="020F0502020204030204" pitchFamily="34" charset="0"/>
+              </a:rPr>
+              <a:t>-DATE</a:t>
+            </a:r>
+          </a:p>
+          <a:p>
+            <a:r>
+              <a:rPr lang="en-US" sz="1100" dirty="0">
+                <a:latin typeface="Calibri" panose="020F0502020204030204" pitchFamily="34" charset="0"/>
+                <a:cs typeface="Calibri" panose="020F0502020204030204" pitchFamily="34" charset="0"/>
+              </a:rPr>
+              <a:t>-HEIGHT</a:t>
+            </a:r>
+          </a:p>
+          <a:p>
+            <a:r>
+              <a:rPr lang="en-US" sz="1100" dirty="0">
+                <a:latin typeface="Calibri" panose="020F0502020204030204" pitchFamily="34" charset="0"/>
+                <a:cs typeface="Calibri" panose="020F0502020204030204" pitchFamily="34" charset="0"/>
+              </a:rPr>
+              <a:t>-WEIGHT</a:t>
+            </a:r>
+          </a:p>
+          <a:p>
+            <a:r>
+              <a:rPr lang="en-US" sz="1100" dirty="0">
+                <a:latin typeface="Calibri" panose="020F0502020204030204" pitchFamily="34" charset="0"/>
+                <a:cs typeface="Calibri" panose="020F0502020204030204" pitchFamily="34" charset="0"/>
+              </a:rPr>
+              <a:t>-SYSTOLIC BP*</a:t>
+            </a:r>
+          </a:p>
+          <a:p>
+            <a:r>
+              <a:rPr lang="en-US" sz="1100" dirty="0">
+                <a:latin typeface="Calibri" panose="020F0502020204030204" pitchFamily="34" charset="0"/>
+                <a:cs typeface="Calibri" panose="020F0502020204030204" pitchFamily="34" charset="0"/>
+              </a:rPr>
+              <a:t>-DYSOSTOLIC BP*</a:t>
+            </a:r>
+          </a:p>
+          <a:p>
+            <a:r>
+              <a:rPr lang="en-US" sz="1100" dirty="0">
+                <a:latin typeface="Calibri" panose="020F0502020204030204" pitchFamily="34" charset="0"/>
+                <a:cs typeface="Calibri" panose="020F0502020204030204" pitchFamily="34" charset="0"/>
+              </a:rPr>
+              <a:t>-CLINIC*</a:t>
+            </a:r>
+          </a:p>
+          <a:p>
+            <a:r>
+              <a:rPr lang="en-US" sz="1100" dirty="0">
+                <a:latin typeface="Calibri" panose="020F0502020204030204" pitchFamily="34" charset="0"/>
+                <a:cs typeface="Calibri" panose="020F0502020204030204" pitchFamily="34" charset="0"/>
+              </a:rPr>
+              <a:t>-ENCOUNTER</a:t>
+            </a:r>
+          </a:p>
+          <a:p>
+            <a:r>
+              <a:rPr lang="en-US" sz="1100" dirty="0">
+                <a:latin typeface="Calibri" panose="020F0502020204030204" pitchFamily="34" charset="0"/>
+                <a:cs typeface="Calibri" panose="020F0502020204030204" pitchFamily="34" charset="0"/>
+              </a:rPr>
+              <a:t>-PREPREG BMI*</a:t>
+            </a:r>
+          </a:p>
+          <a:p>
+            <a:r>
+              <a:rPr lang="en-US" sz="1100" dirty="0">
+                <a:latin typeface="Calibri" panose="020F0502020204030204" pitchFamily="34" charset="0"/>
+                <a:cs typeface="Calibri" panose="020F0502020204030204" pitchFamily="34" charset="0"/>
+              </a:rPr>
+              <a:t>-GEST-AGE*</a:t>
+            </a:r>
+          </a:p>
+        </p:txBody>
+      </p:sp>
+      <p:sp>
+        <p:nvSpPr>
+          <p:cNvPr id="27" name="TextBox 26"/>
+          <p:cNvSpPr txBox="1"/>
+          <p:nvPr/>
+        </p:nvSpPr>
+        <p:spPr>
+          <a:xfrm>
+            <a:off x="143355" y="4155078"/>
+            <a:ext cx="1369728" cy="1954381"/>
+          </a:xfrm>
+          <a:prstGeom prst="rect">
+            <a:avLst/>
+          </a:prstGeom>
+          <a:solidFill>
+            <a:schemeClr val="accent5">
+              <a:lumMod val="40000"/>
+              <a:lumOff val="60000"/>
+            </a:schemeClr>
+          </a:solidFill>
+        </p:spPr>
+        <p:txBody>
+          <a:bodyPr wrap="square" rtlCol="0">
+            <a:spAutoFit/>
+          </a:bodyPr>
+          <a:lstStyle/>
+          <a:p>
+            <a:r>
+              <a:rPr lang="en-US" sz="1100" b="1" dirty="0">
+                <a:latin typeface="Calibri" panose="020F0502020204030204" pitchFamily="34" charset="0"/>
+                <a:cs typeface="Calibri" panose="020F0502020204030204" pitchFamily="34" charset="0"/>
+              </a:rPr>
+              <a:t>ABX-MEDICATION-OP</a:t>
+            </a:r>
+          </a:p>
+          <a:p>
+            <a:r>
+              <a:rPr lang="en-US" sz="1100" dirty="0">
+                <a:latin typeface="Calibri" panose="020F0502020204030204" pitchFamily="34" charset="0"/>
+                <a:cs typeface="Calibri" panose="020F0502020204030204" pitchFamily="34" charset="0"/>
+              </a:rPr>
+              <a:t>-ID</a:t>
+            </a:r>
+          </a:p>
+          <a:p>
+            <a:r>
+              <a:rPr lang="en-US" sz="1100" dirty="0">
+                <a:latin typeface="Calibri" panose="020F0502020204030204" pitchFamily="34" charset="0"/>
+                <a:cs typeface="Calibri" panose="020F0502020204030204" pitchFamily="34" charset="0"/>
+              </a:rPr>
+              <a:t>-DATE ORDER</a:t>
+            </a:r>
+          </a:p>
+          <a:p>
+            <a:r>
+              <a:rPr lang="en-US" sz="1100" dirty="0">
+                <a:latin typeface="Calibri" panose="020F0502020204030204" pitchFamily="34" charset="0"/>
+                <a:cs typeface="Calibri" panose="020F0502020204030204" pitchFamily="34" charset="0"/>
+              </a:rPr>
+              <a:t>-NDC*</a:t>
+            </a:r>
+          </a:p>
+          <a:p>
+            <a:r>
+              <a:rPr lang="en-US" sz="1100" dirty="0">
+                <a:latin typeface="Calibri" panose="020F0502020204030204" pitchFamily="34" charset="0"/>
+                <a:cs typeface="Calibri" panose="020F0502020204030204" pitchFamily="34" charset="0"/>
+              </a:rPr>
+              <a:t>-DESCRIPTION</a:t>
+            </a:r>
+          </a:p>
+          <a:p>
+            <a:r>
+              <a:rPr lang="en-US" sz="1100" dirty="0">
+                <a:latin typeface="Calibri" panose="020F0502020204030204" pitchFamily="34" charset="0"/>
+                <a:cs typeface="Calibri" panose="020F0502020204030204" pitchFamily="34" charset="0"/>
+              </a:rPr>
+              <a:t>-GENERIC NAME</a:t>
+            </a:r>
+          </a:p>
+          <a:p>
+            <a:r>
+              <a:rPr lang="en-US" sz="1100" dirty="0">
+                <a:latin typeface="Calibri" panose="020F0502020204030204" pitchFamily="34" charset="0"/>
+                <a:cs typeface="Calibri" panose="020F0502020204030204" pitchFamily="34" charset="0"/>
+              </a:rPr>
+              <a:t>-THERAPY CLASS</a:t>
+            </a:r>
+          </a:p>
+          <a:p>
+            <a:r>
+              <a:rPr lang="en-US" sz="1100" dirty="0">
+                <a:latin typeface="Calibri" panose="020F0502020204030204" pitchFamily="34" charset="0"/>
+                <a:cs typeface="Calibri" panose="020F0502020204030204" pitchFamily="34" charset="0"/>
+              </a:rPr>
+              <a:t>-PHARMACY CLASS</a:t>
+            </a:r>
+          </a:p>
+          <a:p>
+            <a:r>
+              <a:rPr lang="en-US" sz="1100" dirty="0">
+                <a:latin typeface="Calibri" panose="020F0502020204030204" pitchFamily="34" charset="0"/>
+                <a:cs typeface="Calibri" panose="020F0502020204030204" pitchFamily="34" charset="0"/>
+              </a:rPr>
+              <a:t>-PHARMACY SUBCLASS</a:t>
+            </a:r>
+          </a:p>
+        </p:txBody>
+      </p:sp>
+      <p:sp>
+        <p:nvSpPr>
+          <p:cNvPr id="28" name="TextBox 27"/>
+          <p:cNvSpPr txBox="1"/>
+          <p:nvPr/>
+        </p:nvSpPr>
+        <p:spPr>
+          <a:xfrm>
+            <a:off x="1642790" y="4175475"/>
+            <a:ext cx="1321631" cy="1954381"/>
+          </a:xfrm>
+          <a:prstGeom prst="rect">
+            <a:avLst/>
+          </a:prstGeom>
+          <a:solidFill>
+            <a:schemeClr val="accent5">
+              <a:lumMod val="40000"/>
+              <a:lumOff val="60000"/>
+            </a:schemeClr>
+          </a:solidFill>
+          <a:ln>
+            <a:solidFill>
+              <a:schemeClr val="accent1"/>
+            </a:solidFill>
+          </a:ln>
+        </p:spPr>
+        <p:txBody>
+          <a:bodyPr wrap="square" rtlCol="0">
+            <a:spAutoFit/>
+          </a:bodyPr>
+          <a:lstStyle/>
+          <a:p>
+            <a:r>
+              <a:rPr lang="en-US" sz="1100" b="1" dirty="0">
+                <a:latin typeface="Calibri" panose="020F0502020204030204" pitchFamily="34" charset="0"/>
+                <a:cs typeface="Calibri" panose="020F0502020204030204" pitchFamily="34" charset="0"/>
+              </a:rPr>
+              <a:t>MEDICATION-OP</a:t>
+            </a:r>
+          </a:p>
+          <a:p>
+            <a:r>
+              <a:rPr lang="en-US" sz="1100" dirty="0">
+                <a:latin typeface="Calibri" panose="020F0502020204030204" pitchFamily="34" charset="0"/>
+                <a:cs typeface="Calibri" panose="020F0502020204030204" pitchFamily="34" charset="0"/>
+              </a:rPr>
+              <a:t>-ID</a:t>
+            </a:r>
+          </a:p>
+          <a:p>
+            <a:r>
+              <a:rPr lang="en-US" sz="1100" dirty="0">
+                <a:latin typeface="Calibri" panose="020F0502020204030204" pitchFamily="34" charset="0"/>
+                <a:cs typeface="Calibri" panose="020F0502020204030204" pitchFamily="34" charset="0"/>
+              </a:rPr>
+              <a:t>-DATE TAKEN</a:t>
+            </a:r>
+          </a:p>
+          <a:p>
+            <a:r>
+              <a:rPr lang="en-US" sz="1100" dirty="0">
+                <a:latin typeface="Calibri" panose="020F0502020204030204" pitchFamily="34" charset="0"/>
+                <a:cs typeface="Calibri" panose="020F0502020204030204" pitchFamily="34" charset="0"/>
+              </a:rPr>
+              <a:t>-NDC*</a:t>
+            </a:r>
+          </a:p>
+          <a:p>
+            <a:r>
+              <a:rPr lang="en-US" sz="1100" dirty="0">
+                <a:latin typeface="Calibri" panose="020F0502020204030204" pitchFamily="34" charset="0"/>
+                <a:cs typeface="Calibri" panose="020F0502020204030204" pitchFamily="34" charset="0"/>
+              </a:rPr>
+              <a:t>-MAR ACTION</a:t>
+            </a:r>
+          </a:p>
+          <a:p>
+            <a:r>
+              <a:rPr lang="en-US" sz="1100" dirty="0">
+                <a:latin typeface="Calibri" panose="020F0502020204030204" pitchFamily="34" charset="0"/>
+                <a:cs typeface="Calibri" panose="020F0502020204030204" pitchFamily="34" charset="0"/>
+              </a:rPr>
+              <a:t>-DESCRIPTION</a:t>
+            </a:r>
+          </a:p>
+          <a:p>
+            <a:r>
+              <a:rPr lang="en-US" sz="1100" dirty="0">
+                <a:latin typeface="Calibri" panose="020F0502020204030204" pitchFamily="34" charset="0"/>
+                <a:cs typeface="Calibri" panose="020F0502020204030204" pitchFamily="34" charset="0"/>
+              </a:rPr>
+              <a:t>-GENERIC NAME</a:t>
+            </a:r>
+          </a:p>
+          <a:p>
+            <a:r>
+              <a:rPr lang="en-US" sz="1100" dirty="0">
+                <a:latin typeface="Calibri" panose="020F0502020204030204" pitchFamily="34" charset="0"/>
+                <a:cs typeface="Calibri" panose="020F0502020204030204" pitchFamily="34" charset="0"/>
+              </a:rPr>
+              <a:t>-THERAPY CLASS</a:t>
+            </a:r>
+          </a:p>
+          <a:p>
+            <a:r>
+              <a:rPr lang="en-US" sz="1100" dirty="0">
+                <a:latin typeface="Calibri" panose="020F0502020204030204" pitchFamily="34" charset="0"/>
+                <a:cs typeface="Calibri" panose="020F0502020204030204" pitchFamily="34" charset="0"/>
+              </a:rPr>
+              <a:t>-PHARMACY CLASS</a:t>
+            </a:r>
+          </a:p>
+          <a:p>
+            <a:r>
+              <a:rPr lang="en-US" sz="1100" dirty="0">
+                <a:latin typeface="Calibri" panose="020F0502020204030204" pitchFamily="34" charset="0"/>
+                <a:cs typeface="Calibri" panose="020F0502020204030204" pitchFamily="34" charset="0"/>
+              </a:rPr>
+              <a:t>-PHARMACY SUBCLASS</a:t>
+            </a:r>
+          </a:p>
+        </p:txBody>
+      </p:sp>
+      <p:sp>
+        <p:nvSpPr>
+          <p:cNvPr id="29" name="TextBox 28"/>
+          <p:cNvSpPr txBox="1"/>
+          <p:nvPr/>
+        </p:nvSpPr>
+        <p:spPr>
+          <a:xfrm>
+            <a:off x="10195576" y="829890"/>
+            <a:ext cx="1611611" cy="1785104"/>
+          </a:xfrm>
+          <a:prstGeom prst="rect">
+            <a:avLst/>
+          </a:prstGeom>
+          <a:solidFill>
+            <a:schemeClr val="accent2">
+              <a:lumMod val="60000"/>
+              <a:lumOff val="40000"/>
+            </a:schemeClr>
+          </a:solidFill>
+        </p:spPr>
+        <p:txBody>
+          <a:bodyPr wrap="square" rtlCol="0">
+            <a:spAutoFit/>
+          </a:bodyPr>
+          <a:lstStyle/>
+          <a:p>
+            <a:r>
+              <a:rPr lang="en-US" sz="1100" b="1" dirty="0">
+                <a:latin typeface="Calibri" panose="020F0502020204030204" pitchFamily="34" charset="0"/>
+                <a:cs typeface="Calibri" panose="020F0502020204030204" pitchFamily="34" charset="0"/>
+              </a:rPr>
+              <a:t>WELLNESS (mom)</a:t>
+            </a:r>
+          </a:p>
+          <a:p>
+            <a:r>
+              <a:rPr lang="en-US" sz="1100" dirty="0">
+                <a:latin typeface="Calibri" panose="020F0502020204030204" pitchFamily="34" charset="0"/>
+                <a:cs typeface="Calibri" panose="020F0502020204030204" pitchFamily="34" charset="0"/>
+              </a:rPr>
+              <a:t>-ID</a:t>
+            </a:r>
+          </a:p>
+          <a:p>
+            <a:r>
+              <a:rPr lang="en-US" sz="1100" dirty="0">
+                <a:latin typeface="Calibri" panose="020F0502020204030204" pitchFamily="34" charset="0"/>
+                <a:cs typeface="Calibri" panose="020F0502020204030204" pitchFamily="34" charset="0"/>
+              </a:rPr>
+              <a:t>-DATE</a:t>
+            </a:r>
+          </a:p>
+          <a:p>
+            <a:r>
+              <a:rPr lang="en-US" sz="1100" dirty="0">
+                <a:latin typeface="Calibri" panose="020F0502020204030204" pitchFamily="34" charset="0"/>
+                <a:cs typeface="Calibri" panose="020F0502020204030204" pitchFamily="34" charset="0"/>
+              </a:rPr>
+              <a:t>-HEIGHT</a:t>
+            </a:r>
+          </a:p>
+          <a:p>
+            <a:r>
+              <a:rPr lang="en-US" sz="1100" dirty="0">
+                <a:latin typeface="Calibri" panose="020F0502020204030204" pitchFamily="34" charset="0"/>
+                <a:cs typeface="Calibri" panose="020F0502020204030204" pitchFamily="34" charset="0"/>
+              </a:rPr>
+              <a:t>-WEIGHT</a:t>
+            </a:r>
+          </a:p>
+          <a:p>
+            <a:r>
+              <a:rPr lang="en-US" sz="1100" dirty="0">
+                <a:latin typeface="Calibri" panose="020F0502020204030204" pitchFamily="34" charset="0"/>
+                <a:cs typeface="Calibri" panose="020F0502020204030204" pitchFamily="34" charset="0"/>
+              </a:rPr>
+              <a:t>-HEAD CIRCUMFERENCE</a:t>
+            </a:r>
+          </a:p>
+          <a:p>
+            <a:r>
+              <a:rPr lang="en-US" sz="1100" dirty="0">
+                <a:latin typeface="Calibri" panose="020F0502020204030204" pitchFamily="34" charset="0"/>
+                <a:cs typeface="Calibri" panose="020F0502020204030204" pitchFamily="34" charset="0"/>
+              </a:rPr>
+              <a:t>-SYSTOLIC BP*</a:t>
+            </a:r>
+          </a:p>
+          <a:p>
+            <a:r>
+              <a:rPr lang="en-US" sz="1100" dirty="0">
+                <a:latin typeface="Calibri" panose="020F0502020204030204" pitchFamily="34" charset="0"/>
+                <a:cs typeface="Calibri" panose="020F0502020204030204" pitchFamily="34" charset="0"/>
+              </a:rPr>
+              <a:t>-DYSOSTOLIC BP*</a:t>
+            </a:r>
+          </a:p>
+          <a:p>
+            <a:r>
+              <a:rPr lang="en-US" sz="1100" dirty="0">
+                <a:latin typeface="Calibri" panose="020F0502020204030204" pitchFamily="34" charset="0"/>
+                <a:cs typeface="Calibri" panose="020F0502020204030204" pitchFamily="34" charset="0"/>
+              </a:rPr>
+              <a:t>-CLINIC*</a:t>
+            </a:r>
+          </a:p>
+          <a:p>
+            <a:r>
+              <a:rPr lang="en-US" sz="1100" dirty="0">
+                <a:latin typeface="Calibri" panose="020F0502020204030204" pitchFamily="34" charset="0"/>
+                <a:cs typeface="Calibri" panose="020F0502020204030204" pitchFamily="34" charset="0"/>
+              </a:rPr>
+              <a:t>-ENCOUNTER</a:t>
+            </a:r>
+          </a:p>
+        </p:txBody>
+      </p:sp>
+      <p:cxnSp>
+        <p:nvCxnSpPr>
+          <p:cNvPr id="3" name="Straight Connector 2"/>
+          <p:cNvCxnSpPr/>
+          <p:nvPr/>
+        </p:nvCxnSpPr>
+        <p:spPr>
+          <a:xfrm>
+            <a:off x="3373147" y="753639"/>
+            <a:ext cx="13520" cy="5466266"/>
+          </a:xfrm>
+          <a:prstGeom prst="line">
+            <a:avLst/>
+          </a:prstGeom>
+          <a:ln w="76200">
+            <a:solidFill>
+              <a:schemeClr val="tx1"/>
+            </a:solidFill>
+          </a:ln>
+        </p:spPr>
+        <p:style>
+          <a:lnRef idx="1">
+            <a:schemeClr val="accent1"/>
+          </a:lnRef>
+          <a:fillRef idx="0">
+            <a:schemeClr val="accent1"/>
+          </a:fillRef>
+          <a:effectRef idx="0">
+            <a:schemeClr val="accent1"/>
+          </a:effectRef>
+          <a:fontRef idx="minor">
+            <a:schemeClr val="tx1"/>
+          </a:fontRef>
+        </p:style>
+      </p:cxnSp>
+      <p:cxnSp>
+        <p:nvCxnSpPr>
+          <p:cNvPr id="30" name="Straight Connector 29"/>
+          <p:cNvCxnSpPr/>
+          <p:nvPr/>
+        </p:nvCxnSpPr>
+        <p:spPr>
+          <a:xfrm flipH="1">
+            <a:off x="8119534" y="736405"/>
+            <a:ext cx="27880" cy="5495071"/>
+          </a:xfrm>
+          <a:prstGeom prst="line">
+            <a:avLst/>
+          </a:prstGeom>
+          <a:ln w="76200">
+            <a:solidFill>
+              <a:schemeClr val="tx1"/>
+            </a:solidFill>
+          </a:ln>
+        </p:spPr>
+        <p:style>
+          <a:lnRef idx="1">
+            <a:schemeClr val="accent1"/>
+          </a:lnRef>
+          <a:fillRef idx="0">
+            <a:schemeClr val="accent1"/>
+          </a:fillRef>
+          <a:effectRef idx="0">
+            <a:schemeClr val="accent1"/>
+          </a:effectRef>
+          <a:fontRef idx="minor">
+            <a:schemeClr val="tx1"/>
+          </a:fontRef>
+        </p:style>
+      </p:cxnSp>
+      <p:sp>
+        <p:nvSpPr>
+          <p:cNvPr id="31" name="TextBox 30"/>
+          <p:cNvSpPr txBox="1"/>
+          <p:nvPr/>
+        </p:nvSpPr>
+        <p:spPr>
+          <a:xfrm>
+            <a:off x="10796747" y="2661718"/>
+            <a:ext cx="1169620" cy="938719"/>
+          </a:xfrm>
+          <a:prstGeom prst="rect">
+            <a:avLst/>
+          </a:prstGeom>
+          <a:solidFill>
+            <a:srgbClr val="F880EF"/>
+          </a:solidFill>
+        </p:spPr>
+        <p:txBody>
+          <a:bodyPr wrap="square" rtlCol="0">
+            <a:spAutoFit/>
+          </a:bodyPr>
+          <a:lstStyle/>
+          <a:p>
+            <a:r>
+              <a:rPr lang="en-US" sz="1100" b="1" dirty="0">
+                <a:latin typeface="Calibri" panose="020F0502020204030204" pitchFamily="34" charset="0"/>
+                <a:cs typeface="Calibri" panose="020F0502020204030204" pitchFamily="34" charset="0"/>
+              </a:rPr>
+              <a:t>CLINICAL NOTES</a:t>
+            </a:r>
+          </a:p>
+          <a:p>
+            <a:r>
+              <a:rPr lang="en-US" sz="1100" dirty="0">
+                <a:latin typeface="Calibri" panose="020F0502020204030204" pitchFamily="34" charset="0"/>
+                <a:cs typeface="Calibri" panose="020F0502020204030204" pitchFamily="34" charset="0"/>
+              </a:rPr>
+              <a:t>-ID</a:t>
+            </a:r>
+          </a:p>
+          <a:p>
+            <a:r>
+              <a:rPr lang="en-US" sz="1100" dirty="0">
+                <a:latin typeface="Calibri" panose="020F0502020204030204" pitchFamily="34" charset="0"/>
+                <a:cs typeface="Calibri" panose="020F0502020204030204" pitchFamily="34" charset="0"/>
+              </a:rPr>
+              <a:t>-DATE</a:t>
+            </a:r>
+          </a:p>
+          <a:p>
+            <a:r>
+              <a:rPr lang="en-US" sz="1100" dirty="0">
+                <a:latin typeface="Calibri" panose="020F0502020204030204" pitchFamily="34" charset="0"/>
+                <a:cs typeface="Calibri" panose="020F0502020204030204" pitchFamily="34" charset="0"/>
+              </a:rPr>
+              <a:t>-NOTE</a:t>
+            </a:r>
+          </a:p>
+          <a:p>
+            <a:r>
+              <a:rPr lang="en-US" sz="1100" dirty="0">
+                <a:latin typeface="Calibri" panose="020F0502020204030204" pitchFamily="34" charset="0"/>
+                <a:cs typeface="Calibri" panose="020F0502020204030204" pitchFamily="34" charset="0"/>
+              </a:rPr>
+              <a:t>-SOURCE</a:t>
+            </a:r>
+          </a:p>
+        </p:txBody>
+      </p:sp>
+      <p:sp>
+        <p:nvSpPr>
+          <p:cNvPr id="32" name="TextBox 31"/>
+          <p:cNvSpPr txBox="1"/>
+          <p:nvPr/>
+        </p:nvSpPr>
+        <p:spPr>
+          <a:xfrm>
+            <a:off x="6347655" y="2614994"/>
+            <a:ext cx="1291067" cy="938719"/>
+          </a:xfrm>
+          <a:prstGeom prst="rect">
+            <a:avLst/>
+          </a:prstGeom>
+          <a:solidFill>
+            <a:srgbClr val="F880EF"/>
+          </a:solidFill>
+        </p:spPr>
+        <p:txBody>
+          <a:bodyPr wrap="square" rtlCol="0">
+            <a:spAutoFit/>
+          </a:bodyPr>
+          <a:lstStyle/>
+          <a:p>
+            <a:r>
+              <a:rPr lang="en-US" sz="1100" b="1" dirty="0">
+                <a:latin typeface="Calibri" panose="020F0502020204030204" pitchFamily="34" charset="0"/>
+                <a:cs typeface="Calibri" panose="020F0502020204030204" pitchFamily="34" charset="0"/>
+              </a:rPr>
+              <a:t>CLINICAL NOTES</a:t>
+            </a:r>
+          </a:p>
+          <a:p>
+            <a:r>
+              <a:rPr lang="en-US" sz="1100" dirty="0">
+                <a:latin typeface="Calibri" panose="020F0502020204030204" pitchFamily="34" charset="0"/>
+                <a:cs typeface="Calibri" panose="020F0502020204030204" pitchFamily="34" charset="0"/>
+              </a:rPr>
+              <a:t>-ID</a:t>
+            </a:r>
+          </a:p>
+          <a:p>
+            <a:r>
+              <a:rPr lang="en-US" sz="1100" dirty="0">
+                <a:latin typeface="Calibri" panose="020F0502020204030204" pitchFamily="34" charset="0"/>
+                <a:cs typeface="Calibri" panose="020F0502020204030204" pitchFamily="34" charset="0"/>
+              </a:rPr>
+              <a:t>-DATE</a:t>
+            </a:r>
+          </a:p>
+          <a:p>
+            <a:r>
+              <a:rPr lang="en-US" sz="1100" dirty="0">
+                <a:latin typeface="Calibri" panose="020F0502020204030204" pitchFamily="34" charset="0"/>
+                <a:cs typeface="Calibri" panose="020F0502020204030204" pitchFamily="34" charset="0"/>
+              </a:rPr>
+              <a:t>-NOTE</a:t>
+            </a:r>
+          </a:p>
+          <a:p>
+            <a:r>
+              <a:rPr lang="en-US" sz="1100" dirty="0">
+                <a:latin typeface="Calibri" panose="020F0502020204030204" pitchFamily="34" charset="0"/>
+                <a:cs typeface="Calibri" panose="020F0502020204030204" pitchFamily="34" charset="0"/>
+              </a:rPr>
+              <a:t>-SOURCE</a:t>
+            </a:r>
+          </a:p>
+        </p:txBody>
+      </p:sp>
+      <p:cxnSp>
+        <p:nvCxnSpPr>
+          <p:cNvPr id="17" name="Straight Connector 16"/>
+          <p:cNvCxnSpPr/>
+          <p:nvPr/>
+        </p:nvCxnSpPr>
+        <p:spPr>
+          <a:xfrm>
+            <a:off x="-16928" y="6231476"/>
+            <a:ext cx="12192000" cy="42333"/>
+          </a:xfrm>
+          <a:prstGeom prst="line">
+            <a:avLst/>
+          </a:prstGeom>
+          <a:ln w="57150">
+            <a:solidFill>
+              <a:schemeClr val="tx1"/>
+            </a:solidFill>
+          </a:ln>
+        </p:spPr>
+        <p:style>
+          <a:lnRef idx="1">
+            <a:schemeClr val="accent1"/>
+          </a:lnRef>
+          <a:fillRef idx="0">
+            <a:schemeClr val="accent1"/>
+          </a:fillRef>
+          <a:effectRef idx="0">
+            <a:schemeClr val="accent1"/>
+          </a:effectRef>
+          <a:fontRef idx="minor">
+            <a:schemeClr val="tx1"/>
+          </a:fontRef>
+        </p:style>
+      </p:cxnSp>
+      <p:sp>
+        <p:nvSpPr>
+          <p:cNvPr id="37" name="Rounded Rectangle 36"/>
+          <p:cNvSpPr/>
+          <p:nvPr/>
+        </p:nvSpPr>
+        <p:spPr>
+          <a:xfrm>
+            <a:off x="804341" y="6366933"/>
+            <a:ext cx="1312315" cy="406400"/>
+          </a:xfrm>
+          <a:prstGeom prst="roundRect">
+            <a:avLst/>
+          </a:prstGeom>
+          <a:solidFill>
+            <a:schemeClr val="accent5">
+              <a:lumMod val="60000"/>
+              <a:lumOff val="40000"/>
+            </a:schemeClr>
+          </a:solidFill>
+          <a:ln>
+            <a:solidFill>
+              <a:schemeClr val="tx1"/>
+            </a:solidFill>
+          </a:ln>
+        </p:spPr>
+        <p:style>
+          <a:lnRef idx="2">
+            <a:schemeClr val="accent1">
+              <a:shade val="50000"/>
+            </a:schemeClr>
+          </a:lnRef>
+          <a:fillRef idx="1">
+            <a:schemeClr val="accent1"/>
+          </a:fillRef>
+          <a:effectRef idx="0">
+            <a:schemeClr val="accent1"/>
+          </a:effectRef>
+          <a:fontRef idx="minor">
+            <a:schemeClr val="lt1"/>
+          </a:fontRef>
+        </p:style>
+        <p:txBody>
+          <a:bodyPr rtlCol="0" anchor="ctr"/>
+          <a:lstStyle/>
+          <a:p>
+            <a:pPr algn="ctr"/>
+            <a:endParaRPr lang="en-US"/>
+          </a:p>
+        </p:txBody>
+      </p:sp>
+      <p:sp>
+        <p:nvSpPr>
+          <p:cNvPr id="38" name="TextBox 37"/>
+          <p:cNvSpPr txBox="1"/>
+          <p:nvPr/>
+        </p:nvSpPr>
+        <p:spPr>
+          <a:xfrm>
+            <a:off x="813821" y="6381347"/>
+            <a:ext cx="1350251" cy="369332"/>
+          </a:xfrm>
+          <a:prstGeom prst="rect">
+            <a:avLst/>
+          </a:prstGeom>
+          <a:noFill/>
+          <a:ln>
+            <a:noFill/>
+          </a:ln>
+        </p:spPr>
+        <p:txBody>
+          <a:bodyPr wrap="square" rtlCol="0">
+            <a:spAutoFit/>
+          </a:bodyPr>
+          <a:lstStyle/>
+          <a:p>
+            <a:r>
+              <a:rPr lang="en-US" dirty="0">
+                <a:latin typeface="Calibri" panose="020F0502020204030204" pitchFamily="34" charset="0"/>
+                <a:cs typeface="Calibri" panose="020F0502020204030204" pitchFamily="34" charset="0"/>
+              </a:rPr>
+              <a:t>Medications</a:t>
+            </a:r>
+          </a:p>
+        </p:txBody>
+      </p:sp>
+      <p:sp>
+        <p:nvSpPr>
+          <p:cNvPr id="39" name="Rounded Rectangle 38"/>
+          <p:cNvSpPr/>
+          <p:nvPr/>
+        </p:nvSpPr>
+        <p:spPr>
+          <a:xfrm>
+            <a:off x="2175930" y="6375394"/>
+            <a:ext cx="614009" cy="406400"/>
+          </a:xfrm>
+          <a:prstGeom prst="roundRect">
+            <a:avLst/>
+          </a:prstGeom>
+          <a:solidFill>
+            <a:schemeClr val="accent6">
+              <a:lumMod val="40000"/>
+              <a:lumOff val="60000"/>
+            </a:schemeClr>
+          </a:solidFill>
+          <a:ln>
+            <a:solidFill>
+              <a:schemeClr val="tx1"/>
+            </a:solidFill>
+          </a:ln>
+        </p:spPr>
+        <p:style>
+          <a:lnRef idx="2">
+            <a:schemeClr val="accent1">
+              <a:shade val="50000"/>
+            </a:schemeClr>
+          </a:lnRef>
+          <a:fillRef idx="1">
+            <a:schemeClr val="accent1"/>
+          </a:fillRef>
+          <a:effectRef idx="0">
+            <a:schemeClr val="accent1"/>
+          </a:effectRef>
+          <a:fontRef idx="minor">
+            <a:schemeClr val="lt1"/>
+          </a:fontRef>
+        </p:style>
+        <p:txBody>
+          <a:bodyPr rtlCol="0" anchor="ctr"/>
+          <a:lstStyle/>
+          <a:p>
+            <a:pPr algn="ctr"/>
+            <a:endParaRPr lang="en-US"/>
+          </a:p>
+        </p:txBody>
+      </p:sp>
+      <p:sp>
+        <p:nvSpPr>
+          <p:cNvPr id="40" name="TextBox 39"/>
+          <p:cNvSpPr txBox="1"/>
+          <p:nvPr/>
+        </p:nvSpPr>
+        <p:spPr>
+          <a:xfrm>
+            <a:off x="2188792" y="6400753"/>
+            <a:ext cx="635347" cy="369332"/>
+          </a:xfrm>
+          <a:prstGeom prst="rect">
+            <a:avLst/>
+          </a:prstGeom>
+          <a:noFill/>
+        </p:spPr>
+        <p:txBody>
+          <a:bodyPr wrap="square" rtlCol="0">
+            <a:spAutoFit/>
+          </a:bodyPr>
+          <a:lstStyle/>
+          <a:p>
+            <a:r>
+              <a:rPr lang="en-US" dirty="0">
+                <a:latin typeface="Calibri" panose="020F0502020204030204" pitchFamily="34" charset="0"/>
+                <a:cs typeface="Calibri" panose="020F0502020204030204" pitchFamily="34" charset="0"/>
+              </a:rPr>
+              <a:t>Labs</a:t>
+            </a:r>
+          </a:p>
+        </p:txBody>
+      </p:sp>
+      <p:sp>
+        <p:nvSpPr>
+          <p:cNvPr id="41" name="Rounded Rectangle 40"/>
+          <p:cNvSpPr/>
+          <p:nvPr/>
+        </p:nvSpPr>
+        <p:spPr>
+          <a:xfrm>
+            <a:off x="2845244" y="6375394"/>
+            <a:ext cx="1477259" cy="406400"/>
+          </a:xfrm>
+          <a:prstGeom prst="roundRect">
+            <a:avLst/>
+          </a:prstGeom>
+          <a:solidFill>
+            <a:srgbClr val="00B0F0"/>
+          </a:solidFill>
+          <a:ln>
+            <a:solidFill>
+              <a:schemeClr val="tx1"/>
+            </a:solidFill>
+          </a:ln>
+        </p:spPr>
+        <p:style>
+          <a:lnRef idx="2">
+            <a:schemeClr val="accent1">
+              <a:shade val="50000"/>
+            </a:schemeClr>
+          </a:lnRef>
+          <a:fillRef idx="1">
+            <a:schemeClr val="accent1"/>
+          </a:fillRef>
+          <a:effectRef idx="0">
+            <a:schemeClr val="accent1"/>
+          </a:effectRef>
+          <a:fontRef idx="minor">
+            <a:schemeClr val="lt1"/>
+          </a:fontRef>
+        </p:style>
+        <p:txBody>
+          <a:bodyPr rtlCol="0" anchor="ctr"/>
+          <a:lstStyle/>
+          <a:p>
+            <a:pPr algn="ctr"/>
+            <a:endParaRPr lang="en-US"/>
+          </a:p>
+        </p:txBody>
+      </p:sp>
+      <p:sp>
+        <p:nvSpPr>
+          <p:cNvPr id="42" name="TextBox 41"/>
+          <p:cNvSpPr txBox="1"/>
+          <p:nvPr/>
+        </p:nvSpPr>
+        <p:spPr>
+          <a:xfrm>
+            <a:off x="2828004" y="6418317"/>
+            <a:ext cx="1578777" cy="369332"/>
+          </a:xfrm>
+          <a:prstGeom prst="rect">
+            <a:avLst/>
+          </a:prstGeom>
+          <a:noFill/>
+        </p:spPr>
+        <p:txBody>
+          <a:bodyPr wrap="square" rtlCol="0">
+            <a:spAutoFit/>
+          </a:bodyPr>
+          <a:lstStyle/>
+          <a:p>
+            <a:r>
+              <a:rPr lang="en-US" dirty="0">
+                <a:latin typeface="Calibri" panose="020F0502020204030204" pitchFamily="34" charset="0"/>
+                <a:cs typeface="Calibri" panose="020F0502020204030204" pitchFamily="34" charset="0"/>
+              </a:rPr>
+              <a:t>ICD9/10 Codes</a:t>
+            </a:r>
+          </a:p>
+        </p:txBody>
+      </p:sp>
+      <p:sp>
+        <p:nvSpPr>
+          <p:cNvPr id="43" name="Rounded Rectangle 42"/>
+          <p:cNvSpPr/>
+          <p:nvPr/>
+        </p:nvSpPr>
+        <p:spPr>
+          <a:xfrm>
+            <a:off x="4387468" y="6375394"/>
+            <a:ext cx="1388641" cy="406400"/>
+          </a:xfrm>
+          <a:prstGeom prst="roundRect">
+            <a:avLst/>
+          </a:prstGeom>
+          <a:solidFill>
+            <a:schemeClr val="accent2">
+              <a:lumMod val="60000"/>
+              <a:lumOff val="40000"/>
+            </a:schemeClr>
+          </a:solidFill>
+          <a:ln>
+            <a:solidFill>
+              <a:schemeClr val="tx1"/>
+            </a:solidFill>
+          </a:ln>
+        </p:spPr>
+        <p:style>
+          <a:lnRef idx="2">
+            <a:schemeClr val="accent1">
+              <a:shade val="50000"/>
+            </a:schemeClr>
+          </a:lnRef>
+          <a:fillRef idx="1">
+            <a:schemeClr val="accent1"/>
+          </a:fillRef>
+          <a:effectRef idx="0">
+            <a:schemeClr val="accent1"/>
+          </a:effectRef>
+          <a:fontRef idx="minor">
+            <a:schemeClr val="lt1"/>
+          </a:fontRef>
+        </p:style>
+        <p:txBody>
+          <a:bodyPr rtlCol="0" anchor="ctr"/>
+          <a:lstStyle/>
+          <a:p>
+            <a:pPr algn="ctr"/>
+            <a:endParaRPr lang="en-US"/>
+          </a:p>
+        </p:txBody>
+      </p:sp>
+      <p:sp>
+        <p:nvSpPr>
+          <p:cNvPr id="44" name="TextBox 43"/>
+          <p:cNvSpPr txBox="1"/>
+          <p:nvPr/>
+        </p:nvSpPr>
+        <p:spPr>
+          <a:xfrm>
+            <a:off x="4362753" y="6423563"/>
+            <a:ext cx="1581109" cy="369332"/>
+          </a:xfrm>
+          <a:prstGeom prst="rect">
+            <a:avLst/>
+          </a:prstGeom>
+          <a:noFill/>
+        </p:spPr>
+        <p:txBody>
+          <a:bodyPr wrap="square" rtlCol="0">
+            <a:spAutoFit/>
+          </a:bodyPr>
+          <a:lstStyle/>
+          <a:p>
+            <a:r>
+              <a:rPr lang="en-US" dirty="0">
+                <a:latin typeface="Calibri" panose="020F0502020204030204" pitchFamily="34" charset="0"/>
+                <a:cs typeface="Calibri" panose="020F0502020204030204" pitchFamily="34" charset="0"/>
+              </a:rPr>
+              <a:t>Wellness Visit</a:t>
+            </a:r>
+          </a:p>
+        </p:txBody>
+      </p:sp>
+      <p:sp>
+        <p:nvSpPr>
+          <p:cNvPr id="45" name="Rounded Rectangle 44"/>
+          <p:cNvSpPr/>
+          <p:nvPr/>
+        </p:nvSpPr>
+        <p:spPr>
+          <a:xfrm>
+            <a:off x="5841074" y="6382261"/>
+            <a:ext cx="1405189" cy="406400"/>
+          </a:xfrm>
+          <a:prstGeom prst="roundRect">
+            <a:avLst/>
+          </a:prstGeom>
+          <a:solidFill>
+            <a:srgbClr val="F880EF"/>
+          </a:solidFill>
+          <a:ln>
+            <a:solidFill>
+              <a:schemeClr val="tx1"/>
+            </a:solidFill>
+          </a:ln>
+        </p:spPr>
+        <p:style>
+          <a:lnRef idx="2">
+            <a:schemeClr val="accent1">
+              <a:shade val="50000"/>
+            </a:schemeClr>
+          </a:lnRef>
+          <a:fillRef idx="1">
+            <a:schemeClr val="accent1"/>
+          </a:fillRef>
+          <a:effectRef idx="0">
+            <a:schemeClr val="accent1"/>
+          </a:effectRef>
+          <a:fontRef idx="minor">
+            <a:schemeClr val="lt1"/>
+          </a:fontRef>
+        </p:style>
+        <p:txBody>
+          <a:bodyPr rtlCol="0" anchor="ctr"/>
+          <a:lstStyle/>
+          <a:p>
+            <a:pPr algn="ctr"/>
+            <a:endParaRPr lang="en-US"/>
+          </a:p>
+        </p:txBody>
+      </p:sp>
+      <p:sp>
+        <p:nvSpPr>
+          <p:cNvPr id="46" name="TextBox 45"/>
+          <p:cNvSpPr txBox="1"/>
+          <p:nvPr/>
+        </p:nvSpPr>
+        <p:spPr>
+          <a:xfrm>
+            <a:off x="5816526" y="6406978"/>
+            <a:ext cx="1578777" cy="369332"/>
+          </a:xfrm>
+          <a:prstGeom prst="rect">
+            <a:avLst/>
+          </a:prstGeom>
+          <a:noFill/>
+        </p:spPr>
+        <p:txBody>
+          <a:bodyPr wrap="square" rtlCol="0">
+            <a:spAutoFit/>
+          </a:bodyPr>
+          <a:lstStyle/>
+          <a:p>
+            <a:r>
+              <a:rPr lang="en-US" dirty="0">
+                <a:latin typeface="Calibri" panose="020F0502020204030204" pitchFamily="34" charset="0"/>
+                <a:cs typeface="Calibri" panose="020F0502020204030204" pitchFamily="34" charset="0"/>
+              </a:rPr>
+              <a:t>Clinical Notes</a:t>
+            </a:r>
+          </a:p>
+        </p:txBody>
+      </p:sp>
+      <p:sp>
+        <p:nvSpPr>
+          <p:cNvPr id="47" name="Rounded Rectangle 46"/>
+          <p:cNvSpPr/>
+          <p:nvPr/>
+        </p:nvSpPr>
+        <p:spPr>
+          <a:xfrm>
+            <a:off x="7286151" y="6392328"/>
+            <a:ext cx="930023" cy="406400"/>
+          </a:xfrm>
+          <a:prstGeom prst="roundRect">
+            <a:avLst/>
+          </a:prstGeom>
+          <a:solidFill>
+            <a:srgbClr val="90E6E8"/>
+          </a:solidFill>
+        </p:spPr>
+        <p:style>
+          <a:lnRef idx="2">
+            <a:schemeClr val="accent1">
+              <a:shade val="50000"/>
+            </a:schemeClr>
+          </a:lnRef>
+          <a:fillRef idx="1">
+            <a:schemeClr val="accent1"/>
+          </a:fillRef>
+          <a:effectRef idx="0">
+            <a:schemeClr val="accent1"/>
+          </a:effectRef>
+          <a:fontRef idx="minor">
+            <a:schemeClr val="lt1"/>
+          </a:fontRef>
+        </p:style>
+        <p:txBody>
+          <a:bodyPr rtlCol="0" anchor="ctr"/>
+          <a:lstStyle/>
+          <a:p>
+            <a:pPr algn="ctr"/>
+            <a:endParaRPr lang="en-US"/>
+          </a:p>
+        </p:txBody>
+      </p:sp>
+      <p:sp>
+        <p:nvSpPr>
+          <p:cNvPr id="48" name="TextBox 47"/>
+          <p:cNvSpPr txBox="1"/>
+          <p:nvPr/>
+        </p:nvSpPr>
+        <p:spPr>
+          <a:xfrm>
+            <a:off x="7254430" y="6415824"/>
+            <a:ext cx="1070749" cy="369332"/>
+          </a:xfrm>
+          <a:prstGeom prst="rect">
+            <a:avLst/>
+          </a:prstGeom>
+          <a:noFill/>
+        </p:spPr>
+        <p:txBody>
+          <a:bodyPr wrap="square" rtlCol="0">
+            <a:spAutoFit/>
+          </a:bodyPr>
+          <a:lstStyle/>
+          <a:p>
+            <a:r>
+              <a:rPr lang="en-US" dirty="0">
+                <a:latin typeface="Calibri" panose="020F0502020204030204" pitchFamily="34" charset="0"/>
+                <a:cs typeface="Calibri" panose="020F0502020204030204" pitchFamily="34" charset="0"/>
+              </a:rPr>
+              <a:t>Perinatal</a:t>
+            </a:r>
+          </a:p>
+        </p:txBody>
+      </p:sp>
+      <p:sp>
+        <p:nvSpPr>
+          <p:cNvPr id="49" name="Rounded Rectangle 48"/>
+          <p:cNvSpPr/>
+          <p:nvPr/>
+        </p:nvSpPr>
+        <p:spPr>
+          <a:xfrm>
+            <a:off x="8278384" y="6403021"/>
+            <a:ext cx="1424359" cy="406400"/>
+          </a:xfrm>
+          <a:prstGeom prst="roundRect">
+            <a:avLst/>
+          </a:prstGeom>
+          <a:solidFill>
+            <a:schemeClr val="accent3"/>
+          </a:solidFill>
+          <a:ln>
+            <a:solidFill>
+              <a:schemeClr val="tx1"/>
+            </a:solidFill>
+          </a:ln>
+        </p:spPr>
+        <p:style>
+          <a:lnRef idx="2">
+            <a:schemeClr val="accent1">
+              <a:shade val="50000"/>
+            </a:schemeClr>
+          </a:lnRef>
+          <a:fillRef idx="1">
+            <a:schemeClr val="accent1"/>
+          </a:fillRef>
+          <a:effectRef idx="0">
+            <a:schemeClr val="accent1"/>
+          </a:effectRef>
+          <a:fontRef idx="minor">
+            <a:schemeClr val="lt1"/>
+          </a:fontRef>
+        </p:style>
+        <p:txBody>
+          <a:bodyPr rtlCol="0" anchor="ctr"/>
+          <a:lstStyle/>
+          <a:p>
+            <a:pPr algn="ctr"/>
+            <a:endParaRPr lang="en-US"/>
+          </a:p>
+        </p:txBody>
+      </p:sp>
+      <p:sp>
+        <p:nvSpPr>
+          <p:cNvPr id="50" name="TextBox 49"/>
+          <p:cNvSpPr txBox="1"/>
+          <p:nvPr/>
+        </p:nvSpPr>
+        <p:spPr>
+          <a:xfrm>
+            <a:off x="8216174" y="6427957"/>
+            <a:ext cx="1578777" cy="369332"/>
+          </a:xfrm>
+          <a:prstGeom prst="rect">
+            <a:avLst/>
+          </a:prstGeom>
+          <a:noFill/>
+        </p:spPr>
+        <p:txBody>
+          <a:bodyPr wrap="square" rtlCol="0">
+            <a:spAutoFit/>
+          </a:bodyPr>
+          <a:lstStyle/>
+          <a:p>
+            <a:r>
+              <a:rPr lang="en-US" dirty="0">
+                <a:latin typeface="Calibri" panose="020F0502020204030204" pitchFamily="34" charset="0"/>
+                <a:cs typeface="Calibri" panose="020F0502020204030204" pitchFamily="34" charset="0"/>
+              </a:rPr>
+              <a:t>Demographics</a:t>
+            </a:r>
+          </a:p>
+        </p:txBody>
+      </p:sp>
+      <p:sp>
+        <p:nvSpPr>
+          <p:cNvPr id="51" name="Rounded Rectangle 50"/>
+          <p:cNvSpPr/>
+          <p:nvPr/>
+        </p:nvSpPr>
+        <p:spPr>
+          <a:xfrm>
+            <a:off x="9772285" y="6400753"/>
+            <a:ext cx="1602923" cy="406400"/>
+          </a:xfrm>
+          <a:prstGeom prst="roundRect">
+            <a:avLst/>
+          </a:prstGeom>
+          <a:solidFill>
+            <a:srgbClr val="FFFF00"/>
+          </a:solidFill>
+          <a:ln>
+            <a:solidFill>
+              <a:schemeClr val="tx1"/>
+            </a:solidFill>
+          </a:ln>
+        </p:spPr>
+        <p:style>
+          <a:lnRef idx="2">
+            <a:schemeClr val="accent1">
+              <a:shade val="50000"/>
+            </a:schemeClr>
+          </a:lnRef>
+          <a:fillRef idx="1">
+            <a:schemeClr val="accent1"/>
+          </a:fillRef>
+          <a:effectRef idx="0">
+            <a:schemeClr val="accent1"/>
+          </a:effectRef>
+          <a:fontRef idx="minor">
+            <a:schemeClr val="lt1"/>
+          </a:fontRef>
+        </p:style>
+        <p:txBody>
+          <a:bodyPr rtlCol="0" anchor="ctr"/>
+          <a:lstStyle/>
+          <a:p>
+            <a:pPr algn="ctr"/>
+            <a:endParaRPr lang="en-US"/>
+          </a:p>
+        </p:txBody>
+      </p:sp>
+      <p:sp>
+        <p:nvSpPr>
+          <p:cNvPr id="52" name="TextBox 51"/>
+          <p:cNvSpPr txBox="1"/>
+          <p:nvPr/>
+        </p:nvSpPr>
+        <p:spPr>
+          <a:xfrm>
+            <a:off x="9773419" y="6423563"/>
+            <a:ext cx="1672464" cy="369332"/>
+          </a:xfrm>
+          <a:prstGeom prst="rect">
+            <a:avLst/>
+          </a:prstGeom>
+          <a:noFill/>
+        </p:spPr>
+        <p:txBody>
+          <a:bodyPr wrap="square" rtlCol="0">
+            <a:spAutoFit/>
+          </a:bodyPr>
+          <a:lstStyle/>
+          <a:p>
+            <a:r>
+              <a:rPr lang="en-US" dirty="0">
+                <a:latin typeface="Calibri" panose="020F0502020204030204" pitchFamily="34" charset="0"/>
+                <a:cs typeface="Calibri" panose="020F0502020204030204" pitchFamily="34" charset="0"/>
+              </a:rPr>
+              <a:t>Mom-Baby Link</a:t>
+            </a:r>
+          </a:p>
+        </p:txBody>
+      </p:sp>
+      <p:sp>
+        <p:nvSpPr>
+          <p:cNvPr id="53" name="Title 1"/>
+          <p:cNvSpPr>
+            <a:spLocks noGrp="1"/>
+          </p:cNvSpPr>
+          <p:nvPr>
+            <p:ph type="title"/>
+          </p:nvPr>
+        </p:nvSpPr>
+        <p:spPr>
+          <a:xfrm>
+            <a:off x="164182" y="25825"/>
+            <a:ext cx="10820400" cy="307777"/>
+          </a:xfrm>
+        </p:spPr>
+        <p:txBody>
+          <a:bodyPr>
+            <a:normAutofit fontScale="90000"/>
+          </a:bodyPr>
+          <a:lstStyle/>
+          <a:p>
+            <a:r>
+              <a:rPr lang="en-US" sz="2000" dirty="0">
+                <a:latin typeface="Arial Black" panose="020B0A04020102020204" pitchFamily="34" charset="0"/>
+              </a:rPr>
+              <a:t>UF Health Mom-Baby EHR: Data </a:t>
+            </a:r>
+            <a:r>
+              <a:rPr lang="en-US" sz="2000" dirty="0" smtClean="0">
+                <a:latin typeface="Arial Black" panose="020B0A04020102020204" pitchFamily="34" charset="0"/>
+              </a:rPr>
+              <a:t>Dictionary (09/2021, version 1.0)</a:t>
+            </a:r>
+            <a:endParaRPr lang="en-US" sz="2000" b="1" cap="all" dirty="0">
+              <a:solidFill>
+                <a:schemeClr val="tx1"/>
+              </a:solidFill>
+              <a:latin typeface="Arial Black" panose="020B0A04020102020204" pitchFamily="34" charset="0"/>
+              <a:ea typeface="Museo Slab 900" charset="0"/>
+              <a:cs typeface="Arial Black"/>
+            </a:endParaRPr>
+          </a:p>
+        </p:txBody>
+      </p:sp>
+      <p:sp>
+        <p:nvSpPr>
+          <p:cNvPr id="11" name="Rounded Rectangle 10"/>
+          <p:cNvSpPr/>
+          <p:nvPr/>
+        </p:nvSpPr>
+        <p:spPr>
+          <a:xfrm>
+            <a:off x="0" y="395157"/>
+            <a:ext cx="12192000" cy="326882"/>
+          </a:xfrm>
+          <a:prstGeom prst="roundRect">
+            <a:avLst/>
+          </a:prstGeom>
+          <a:noFill/>
+          <a:ln>
+            <a:solidFill>
+              <a:schemeClr val="tx1"/>
+            </a:solidFill>
+          </a:ln>
+        </p:spPr>
+        <p:style>
+          <a:lnRef idx="2">
+            <a:schemeClr val="accent1">
+              <a:shade val="50000"/>
+            </a:schemeClr>
+          </a:lnRef>
+          <a:fillRef idx="1">
+            <a:schemeClr val="accent1"/>
+          </a:fillRef>
+          <a:effectRef idx="0">
+            <a:schemeClr val="accent1"/>
+          </a:effectRef>
+          <a:fontRef idx="minor">
+            <a:schemeClr val="lt1"/>
+          </a:fontRef>
+        </p:style>
+        <p:txBody>
+          <a:bodyPr rtlCol="0" anchor="ctr"/>
+          <a:lstStyle/>
+          <a:p>
+            <a:pPr algn="ctr"/>
+            <a:endParaRPr lang="en-US"/>
+          </a:p>
+        </p:txBody>
+      </p:sp>
+      <p:sp>
+        <p:nvSpPr>
+          <p:cNvPr id="2" name="Oval 1"/>
+          <p:cNvSpPr/>
+          <p:nvPr/>
+        </p:nvSpPr>
+        <p:spPr>
+          <a:xfrm>
+            <a:off x="6079072" y="2276325"/>
+            <a:ext cx="1774287" cy="1575117"/>
+          </a:xfrm>
+          <a:prstGeom prst="ellipse">
+            <a:avLst/>
+          </a:prstGeom>
+          <a:noFill/>
+          <a:ln>
+            <a:solidFill>
+              <a:srgbClr val="FF0000"/>
+            </a:solidFill>
+          </a:ln>
+        </p:spPr>
+        <p:style>
+          <a:lnRef idx="2">
+            <a:schemeClr val="accent1">
+              <a:shade val="50000"/>
+            </a:schemeClr>
+          </a:lnRef>
+          <a:fillRef idx="1">
+            <a:schemeClr val="accent1"/>
+          </a:fillRef>
+          <a:effectRef idx="0">
+            <a:schemeClr val="accent1"/>
+          </a:effectRef>
+          <a:fontRef idx="minor">
+            <a:schemeClr val="lt1"/>
+          </a:fontRef>
+        </p:style>
+        <p:txBody>
+          <a:bodyPr rtlCol="0" anchor="ctr"/>
+          <a:lstStyle/>
+          <a:p>
+            <a:pPr algn="ctr"/>
+            <a:endParaRPr lang="en-US"/>
+          </a:p>
+        </p:txBody>
+      </p:sp>
+    </p:spTree>
+    <p:extLst>
+      <p:ext uri="{BB962C8B-B14F-4D97-AF65-F5344CB8AC3E}">
+        <p14:creationId xmlns:p14="http://schemas.microsoft.com/office/powerpoint/2010/main" val="3283032288"/>
+      </p:ext>
+    </p:extLst>
+  </p:cSld>
+  <p:clrMapOvr>
+    <a:masterClrMapping/>
+  </p:clrMapOvr>
+  <mc:AlternateContent xmlns:mc="http://schemas.openxmlformats.org/markup-compatibility/2006">
+    <mc:Choice xmlns:p14="http://schemas.microsoft.com/office/powerpoint/2010/main" Requires="p14">
+      <p:transition spd="slow" p14:dur="2000"/>
+    </mc:Choice>
+    <mc:Fallback>
+      <p:transition spd="slow"/>
+    </mc:Fallback>
+  </mc:AlternateContent>
+</p:sld>
+</file>
+
+<file path=ppt/slides/slide3.xml><?xml version="1.0" encoding="utf-8"?>
+<p:sld xmlns:a="http://schemas.openxmlformats.org/drawingml/2006/main" xmlns:r="http://schemas.openxmlformats.org/officeDocument/2006/relationships" xmlns:p="http://schemas.openxmlformats.org/presentationml/2006/main">
+  <p:cSld>
+    <p:spTree>
+      <p:nvGrpSpPr>
+        <p:cNvPr id="1" name=""/>
+        <p:cNvGrpSpPr/>
+        <p:nvPr/>
+      </p:nvGrpSpPr>
+      <p:grpSpPr>
+        <a:xfrm>
+          <a:off x="0" y="0"/>
+          <a:ext cx="0" cy="0"/>
+          <a:chOff x="0" y="0"/>
+          <a:chExt cx="0" cy="0"/>
+        </a:xfrm>
+      </p:grpSpPr>
+      <p:pic>
+        <p:nvPicPr>
+          <p:cNvPr id="33" name="Picture 32" descr="A picture containing text&#10;&#10;Description automatically generated">
+            <a:extLst>
+              <a:ext uri="{FF2B5EF4-FFF2-40B4-BE49-F238E27FC236}">
+                <a16:creationId xmlns:a16="http://schemas.microsoft.com/office/drawing/2014/main" id="{762DE140-1DD3-4C3A-9576-C4C97FB8A629}"/>
+              </a:ext>
+            </a:extLst>
+          </p:cNvPr>
+          <p:cNvPicPr>
+            <a:picLocks noChangeAspect="1"/>
+          </p:cNvPicPr>
+          <p:nvPr/>
+        </p:nvPicPr>
+        <p:blipFill>
+          <a:blip r:embed="rId3">
+            <a:extLst>
+              <a:ext uri="{28A0092B-C50C-407E-A947-70E740481C1C}">
+                <a14:useLocalDpi xmlns:a14="http://schemas.microsoft.com/office/drawing/2010/main" val="0"/>
+              </a:ext>
+            </a:extLst>
+          </a:blip>
+          <a:stretch>
+            <a:fillRect/>
+          </a:stretch>
+        </p:blipFill>
+        <p:spPr>
+          <a:xfrm>
+            <a:off x="9180176" y="1251283"/>
+            <a:ext cx="2696593" cy="3832001"/>
+          </a:xfrm>
+          <a:prstGeom prst="rect">
+            <a:avLst/>
+          </a:prstGeom>
+        </p:spPr>
+      </p:pic>
+      <p:sp>
+        <p:nvSpPr>
+          <p:cNvPr id="17" name="Rectangle 16"/>
+          <p:cNvSpPr/>
+          <p:nvPr/>
+        </p:nvSpPr>
+        <p:spPr>
+          <a:xfrm>
+            <a:off x="724806" y="893334"/>
+            <a:ext cx="10591800" cy="45720"/>
+          </a:xfrm>
+          <a:prstGeom prst="rect">
+            <a:avLst/>
+          </a:prstGeom>
+          <a:solidFill>
+            <a:srgbClr val="93B8C4"/>
+          </a:solidFill>
+          <a:ln>
+            <a:noFill/>
+          </a:ln>
+        </p:spPr>
+        <p:style>
+          <a:lnRef idx="2">
+            <a:schemeClr val="accent1">
+              <a:shade val="50000"/>
+            </a:schemeClr>
+          </a:lnRef>
+          <a:fillRef idx="1">
+            <a:schemeClr val="accent1"/>
+          </a:fillRef>
+          <a:effectRef idx="0">
+            <a:schemeClr val="accent1"/>
+          </a:effectRef>
+          <a:fontRef idx="minor">
+            <a:schemeClr val="lt1"/>
+          </a:fontRef>
+        </p:style>
+        <p:txBody>
+          <a:bodyPr rtlCol="0" anchor="ctr"/>
+          <a:lstStyle/>
+          <a:p>
+            <a:pPr algn="ctr"/>
+            <a:endParaRPr lang="en-US" dirty="0"/>
+          </a:p>
+        </p:txBody>
+      </p:sp>
+      <p:cxnSp>
+        <p:nvCxnSpPr>
+          <p:cNvPr id="40" name="Straight Connector 39"/>
+          <p:cNvCxnSpPr>
+            <a:cxnSpLocks/>
+          </p:cNvCxnSpPr>
+          <p:nvPr/>
+        </p:nvCxnSpPr>
+        <p:spPr>
+          <a:xfrm>
+            <a:off x="1371600" y="228600"/>
+            <a:ext cx="11157855" cy="0"/>
+          </a:xfrm>
+          <a:prstGeom prst="line">
+            <a:avLst/>
+          </a:prstGeom>
+          <a:ln w="15875">
+            <a:solidFill>
+              <a:srgbClr val="93B7C4"/>
+            </a:solidFill>
+            <a:headEnd type="oval" w="sm" len="sm"/>
+            <a:tailEnd type="oval" w="sm" len="sm"/>
+          </a:ln>
+          <a:effectLst/>
+        </p:spPr>
+        <p:style>
+          <a:lnRef idx="2">
+            <a:schemeClr val="accent1"/>
+          </a:lnRef>
+          <a:fillRef idx="0">
+            <a:schemeClr val="accent1"/>
+          </a:fillRef>
+          <a:effectRef idx="1">
+            <a:schemeClr val="accent1"/>
+          </a:effectRef>
+          <a:fontRef idx="minor">
+            <a:schemeClr val="tx1"/>
+          </a:fontRef>
+        </p:style>
+      </p:cxnSp>
+      <p:cxnSp>
+        <p:nvCxnSpPr>
+          <p:cNvPr id="41" name="Straight Connector 40"/>
+          <p:cNvCxnSpPr/>
+          <p:nvPr/>
+        </p:nvCxnSpPr>
+        <p:spPr>
+          <a:xfrm>
+            <a:off x="-7239000" y="228600"/>
+            <a:ext cx="7772400" cy="0"/>
+          </a:xfrm>
+          <a:prstGeom prst="line">
+            <a:avLst/>
+          </a:prstGeom>
+          <a:ln w="15875">
+            <a:solidFill>
+              <a:srgbClr val="93B7C4"/>
+            </a:solidFill>
+            <a:headEnd type="oval" w="sm" len="sm"/>
+            <a:tailEnd type="oval" w="sm" len="sm"/>
+          </a:ln>
+          <a:effectLst/>
+        </p:spPr>
+        <p:style>
+          <a:lnRef idx="2">
+            <a:schemeClr val="accent1"/>
+          </a:lnRef>
+          <a:fillRef idx="0">
+            <a:schemeClr val="accent1"/>
+          </a:fillRef>
+          <a:effectRef idx="1">
+            <a:schemeClr val="accent1"/>
+          </a:effectRef>
+          <a:fontRef idx="minor">
+            <a:schemeClr val="tx1"/>
+          </a:fontRef>
+        </p:style>
+      </p:cxnSp>
+      <p:sp>
+        <p:nvSpPr>
+          <p:cNvPr id="23" name="Title 1"/>
+          <p:cNvSpPr txBox="1">
+            <a:spLocks/>
+          </p:cNvSpPr>
+          <p:nvPr/>
+        </p:nvSpPr>
+        <p:spPr>
+          <a:xfrm>
+            <a:off x="724806" y="126227"/>
+            <a:ext cx="762000" cy="421179"/>
+          </a:xfrm>
+          <a:prstGeom prst="rect">
+            <a:avLst/>
+          </a:prstGeom>
+        </p:spPr>
+        <p:txBody>
+          <a:bodyPr wrap="square" lIns="0" tIns="0" rIns="0" bIns="0">
+            <a:noAutofit/>
+          </a:bodyPr>
+          <a:lstStyle>
+            <a:lvl1pPr eaLnBrk="1" hangingPunct="1">
+              <a:defRPr>
+                <a:latin typeface="+mj-lt"/>
+                <a:ea typeface="+mj-ea"/>
+                <a:cs typeface="+mj-cs"/>
+              </a:defRPr>
+            </a:lvl1pPr>
+          </a:lstStyle>
+          <a:p>
+            <a:r>
+              <a:rPr lang="en-US" sz="1600" cap="all" spc="200" dirty="0">
+                <a:solidFill>
+                  <a:srgbClr val="93B8C4"/>
+                </a:solidFill>
+                <a:latin typeface="Century Gothic"/>
+                <a:ea typeface="Proxima Nova Light" charset="0"/>
+                <a:cs typeface="Century Gothic"/>
+              </a:rPr>
+              <a:t>AIMS</a:t>
+            </a:r>
+          </a:p>
+        </p:txBody>
+      </p:sp>
+      <p:sp>
+        <p:nvSpPr>
+          <p:cNvPr id="7" name="TextBox 6">
+            <a:extLst>
+              <a:ext uri="{FF2B5EF4-FFF2-40B4-BE49-F238E27FC236}">
+                <a16:creationId xmlns:a16="http://schemas.microsoft.com/office/drawing/2014/main" id="{1D9348F9-F21F-A848-B000-B5C950DA8C97}"/>
+              </a:ext>
+            </a:extLst>
+          </p:cNvPr>
+          <p:cNvSpPr txBox="1"/>
+          <p:nvPr/>
+        </p:nvSpPr>
+        <p:spPr>
+          <a:xfrm>
+            <a:off x="706518" y="326987"/>
+            <a:ext cx="11104482" cy="584775"/>
+          </a:xfrm>
+          <a:prstGeom prst="rect">
+            <a:avLst/>
+          </a:prstGeom>
+          <a:noFill/>
+        </p:spPr>
+        <p:txBody>
+          <a:bodyPr wrap="square" rtlCol="0">
+            <a:spAutoFit/>
+          </a:bodyPr>
+          <a:lstStyle/>
+          <a:p>
+            <a:r>
+              <a:rPr lang="en-US" sz="3200" b="1" dirty="0">
+                <a:solidFill>
+                  <a:srgbClr val="17263E"/>
+                </a:solidFill>
+              </a:rPr>
+              <a:t>Demographics of Full Cohort, 2011-2017</a:t>
+            </a:r>
+          </a:p>
+        </p:txBody>
+      </p:sp>
+      <p:sp>
+        <p:nvSpPr>
+          <p:cNvPr id="13" name="Rectangle 12">
+            <a:extLst>
+              <a:ext uri="{FF2B5EF4-FFF2-40B4-BE49-F238E27FC236}">
+                <a16:creationId xmlns:a16="http://schemas.microsoft.com/office/drawing/2014/main" id="{31290080-B338-4850-A3ED-677B0932EF3A}"/>
+              </a:ext>
+            </a:extLst>
+          </p:cNvPr>
+          <p:cNvSpPr/>
+          <p:nvPr/>
+        </p:nvSpPr>
+        <p:spPr>
+          <a:xfrm>
+            <a:off x="9144000" y="1258529"/>
+            <a:ext cx="2732769" cy="3953551"/>
+          </a:xfrm>
+          <a:prstGeom prst="rect">
+            <a:avLst/>
+          </a:prstGeom>
+          <a:noFill/>
+        </p:spPr>
+        <p:style>
+          <a:lnRef idx="2">
+            <a:schemeClr val="accent1">
+              <a:shade val="50000"/>
+            </a:schemeClr>
+          </a:lnRef>
+          <a:fillRef idx="1">
+            <a:schemeClr val="accent1"/>
+          </a:fillRef>
+          <a:effectRef idx="0">
+            <a:schemeClr val="accent1"/>
+          </a:effectRef>
+          <a:fontRef idx="minor">
+            <a:schemeClr val="lt1"/>
+          </a:fontRef>
+        </p:style>
+        <p:txBody>
+          <a:bodyPr rtlCol="0" anchor="ctr"/>
+          <a:lstStyle/>
+          <a:p>
+            <a:pPr algn="ctr"/>
+            <a:endParaRPr lang="en-US"/>
+          </a:p>
+        </p:txBody>
+      </p:sp>
+      <p:sp>
+        <p:nvSpPr>
+          <p:cNvPr id="15" name="Rectangle 14">
+            <a:extLst>
+              <a:ext uri="{FF2B5EF4-FFF2-40B4-BE49-F238E27FC236}">
+                <a16:creationId xmlns:a16="http://schemas.microsoft.com/office/drawing/2014/main" id="{78394A0E-6316-4AFE-91C7-DF14969AB9AB}"/>
+              </a:ext>
+            </a:extLst>
+          </p:cNvPr>
+          <p:cNvSpPr/>
+          <p:nvPr/>
+        </p:nvSpPr>
+        <p:spPr>
+          <a:xfrm>
+            <a:off x="3593482" y="1260149"/>
+            <a:ext cx="5334000" cy="4379856"/>
+          </a:xfrm>
+          <a:prstGeom prst="rect">
+            <a:avLst/>
+          </a:prstGeom>
+          <a:noFill/>
+        </p:spPr>
+        <p:style>
+          <a:lnRef idx="2">
+            <a:schemeClr val="accent1">
+              <a:shade val="50000"/>
+            </a:schemeClr>
+          </a:lnRef>
+          <a:fillRef idx="1">
+            <a:schemeClr val="accent1"/>
+          </a:fillRef>
+          <a:effectRef idx="0">
+            <a:schemeClr val="accent1"/>
+          </a:effectRef>
+          <a:fontRef idx="minor">
+            <a:schemeClr val="lt1"/>
+          </a:fontRef>
+        </p:style>
+        <p:txBody>
+          <a:bodyPr rtlCol="0" anchor="ctr"/>
+          <a:lstStyle/>
+          <a:p>
+            <a:pPr algn="ctr"/>
+            <a:endParaRPr lang="en-US"/>
+          </a:p>
+        </p:txBody>
+      </p:sp>
+      <p:sp>
+        <p:nvSpPr>
+          <p:cNvPr id="19" name="Rectangle 18">
+            <a:extLst>
+              <a:ext uri="{FF2B5EF4-FFF2-40B4-BE49-F238E27FC236}">
+                <a16:creationId xmlns:a16="http://schemas.microsoft.com/office/drawing/2014/main" id="{2949DDFA-AFE9-48C1-A541-0EF4D8819C1E}"/>
+              </a:ext>
+            </a:extLst>
+          </p:cNvPr>
+          <p:cNvSpPr/>
+          <p:nvPr/>
+        </p:nvSpPr>
+        <p:spPr>
+          <a:xfrm>
+            <a:off x="434890" y="1257690"/>
+            <a:ext cx="2934700" cy="5371710"/>
+          </a:xfrm>
+          <a:prstGeom prst="rect">
+            <a:avLst/>
+          </a:prstGeom>
+          <a:noFill/>
+        </p:spPr>
+        <p:style>
+          <a:lnRef idx="2">
+            <a:schemeClr val="accent1">
+              <a:shade val="50000"/>
+            </a:schemeClr>
+          </a:lnRef>
+          <a:fillRef idx="1">
+            <a:schemeClr val="accent1"/>
+          </a:fillRef>
+          <a:effectRef idx="0">
+            <a:schemeClr val="accent1"/>
+          </a:effectRef>
+          <a:fontRef idx="minor">
+            <a:schemeClr val="lt1"/>
+          </a:fontRef>
+        </p:style>
+        <p:txBody>
+          <a:bodyPr rtlCol="0" anchor="ctr"/>
+          <a:lstStyle/>
+          <a:p>
+            <a:pPr algn="ctr"/>
+            <a:endParaRPr lang="en-US"/>
+          </a:p>
+        </p:txBody>
+      </p:sp>
+      <p:sp>
+        <p:nvSpPr>
+          <p:cNvPr id="20" name="Rectangle 19">
+            <a:extLst>
+              <a:ext uri="{FF2B5EF4-FFF2-40B4-BE49-F238E27FC236}">
+                <a16:creationId xmlns:a16="http://schemas.microsoft.com/office/drawing/2014/main" id="{9C3A1CFC-642D-4587-AE42-752C81893E47}"/>
+              </a:ext>
+            </a:extLst>
+          </p:cNvPr>
+          <p:cNvSpPr/>
+          <p:nvPr/>
+        </p:nvSpPr>
+        <p:spPr>
+          <a:xfrm>
+            <a:off x="9332464" y="2814902"/>
+            <a:ext cx="2362200" cy="1985698"/>
+          </a:xfrm>
+          <a:prstGeom prst="rect">
+            <a:avLst/>
+          </a:prstGeom>
+          <a:solidFill>
+            <a:srgbClr val="EDF068">
+              <a:alpha val="20000"/>
+            </a:srgbClr>
+          </a:solidFill>
+          <a:ln>
+            <a:noFill/>
+          </a:ln>
+        </p:spPr>
+        <p:style>
+          <a:lnRef idx="2">
+            <a:schemeClr val="accent1">
+              <a:shade val="50000"/>
+            </a:schemeClr>
+          </a:lnRef>
+          <a:fillRef idx="1">
+            <a:schemeClr val="accent1"/>
+          </a:fillRef>
+          <a:effectRef idx="0">
+            <a:schemeClr val="accent1"/>
+          </a:effectRef>
+          <a:fontRef idx="minor">
+            <a:schemeClr val="lt1"/>
+          </a:fontRef>
+        </p:style>
+        <p:txBody>
+          <a:bodyPr rtlCol="0" anchor="ctr"/>
+          <a:lstStyle/>
+          <a:p>
+            <a:pPr algn="ctr"/>
+            <a:endParaRPr lang="en-US"/>
+          </a:p>
+        </p:txBody>
+      </p:sp>
+      <p:pic>
+        <p:nvPicPr>
+          <p:cNvPr id="25" name="Picture 24" descr="Text&#10;&#10;Description automatically generated">
+            <a:extLst>
+              <a:ext uri="{FF2B5EF4-FFF2-40B4-BE49-F238E27FC236}">
+                <a16:creationId xmlns:a16="http://schemas.microsoft.com/office/drawing/2014/main" id="{2554C0C6-CCBD-4A7A-A680-7169A27734E5}"/>
+              </a:ext>
+            </a:extLst>
+          </p:cNvPr>
+          <p:cNvPicPr>
+            <a:picLocks noChangeAspect="1"/>
+          </p:cNvPicPr>
+          <p:nvPr/>
+        </p:nvPicPr>
+        <p:blipFill>
+          <a:blip r:embed="rId4">
+            <a:extLst>
+              <a:ext uri="{28A0092B-C50C-407E-A947-70E740481C1C}">
+                <a14:useLocalDpi xmlns:a14="http://schemas.microsoft.com/office/drawing/2010/main" val="0"/>
+              </a:ext>
+            </a:extLst>
+          </a:blip>
+          <a:stretch>
+            <a:fillRect/>
+          </a:stretch>
+        </p:blipFill>
+        <p:spPr>
+          <a:xfrm>
+            <a:off x="6273507" y="1284982"/>
+            <a:ext cx="2594481" cy="3297153"/>
+          </a:xfrm>
+          <a:prstGeom prst="rect">
+            <a:avLst/>
+          </a:prstGeom>
+        </p:spPr>
+      </p:pic>
+      <p:pic>
+        <p:nvPicPr>
+          <p:cNvPr id="29" name="Picture 28" descr="A picture containing text&#10;&#10;Description automatically generated">
+            <a:extLst>
+              <a:ext uri="{FF2B5EF4-FFF2-40B4-BE49-F238E27FC236}">
+                <a16:creationId xmlns:a16="http://schemas.microsoft.com/office/drawing/2014/main" id="{330AA891-3E5D-450E-B2D3-996DC9AD2005}"/>
+              </a:ext>
+            </a:extLst>
+          </p:cNvPr>
+          <p:cNvPicPr>
+            <a:picLocks noChangeAspect="1"/>
+          </p:cNvPicPr>
+          <p:nvPr/>
+        </p:nvPicPr>
+        <p:blipFill>
+          <a:blip r:embed="rId5">
+            <a:extLst>
+              <a:ext uri="{28A0092B-C50C-407E-A947-70E740481C1C}">
+                <a14:useLocalDpi xmlns:a14="http://schemas.microsoft.com/office/drawing/2010/main" val="0"/>
+              </a:ext>
+            </a:extLst>
+          </a:blip>
+          <a:stretch>
+            <a:fillRect/>
+          </a:stretch>
+        </p:blipFill>
+        <p:spPr>
+          <a:xfrm>
+            <a:off x="3664278" y="1284982"/>
+            <a:ext cx="2594481" cy="4355022"/>
+          </a:xfrm>
+          <a:prstGeom prst="rect">
+            <a:avLst/>
+          </a:prstGeom>
+        </p:spPr>
+      </p:pic>
+      <p:pic>
+        <p:nvPicPr>
+          <p:cNvPr id="35" name="Picture 34" descr="Text&#10;&#10;Description automatically generated">
+            <a:extLst>
+              <a:ext uri="{FF2B5EF4-FFF2-40B4-BE49-F238E27FC236}">
+                <a16:creationId xmlns:a16="http://schemas.microsoft.com/office/drawing/2014/main" id="{9B7A9D56-1F4B-44EE-B321-7F1B53F02588}"/>
+              </a:ext>
+            </a:extLst>
+          </p:cNvPr>
+          <p:cNvPicPr>
+            <a:picLocks noChangeAspect="1"/>
+          </p:cNvPicPr>
+          <p:nvPr/>
+        </p:nvPicPr>
+        <p:blipFill>
+          <a:blip r:embed="rId6">
+            <a:extLst>
+              <a:ext uri="{28A0092B-C50C-407E-A947-70E740481C1C}">
+                <a14:useLocalDpi xmlns:a14="http://schemas.microsoft.com/office/drawing/2010/main" val="0"/>
+              </a:ext>
+            </a:extLst>
+          </a:blip>
+          <a:stretch>
+            <a:fillRect/>
+          </a:stretch>
+        </p:blipFill>
+        <p:spPr>
+          <a:xfrm>
+            <a:off x="403016" y="1219200"/>
+            <a:ext cx="2934701" cy="5201234"/>
+          </a:xfrm>
+          <a:prstGeom prst="rect">
+            <a:avLst/>
+          </a:prstGeom>
+        </p:spPr>
+      </p:pic>
+      <p:sp>
+        <p:nvSpPr>
+          <p:cNvPr id="2" name="TextBox 1"/>
+          <p:cNvSpPr txBox="1"/>
+          <p:nvPr/>
+        </p:nvSpPr>
+        <p:spPr>
+          <a:xfrm>
+            <a:off x="3401464" y="5659415"/>
+            <a:ext cx="9289722" cy="1015663"/>
+          </a:xfrm>
+          <a:prstGeom prst="rect">
+            <a:avLst/>
+          </a:prstGeom>
+          <a:noFill/>
+        </p:spPr>
+        <p:txBody>
+          <a:bodyPr wrap="square" rtlCol="0">
+            <a:spAutoFit/>
+          </a:bodyPr>
+          <a:lstStyle/>
+          <a:p>
+            <a:pPr marL="285750" indent="-285750">
+              <a:buFont typeface="Arial" panose="020B0604020202020204" pitchFamily="34" charset="0"/>
+              <a:buChar char="•"/>
+            </a:pPr>
+            <a:r>
+              <a:rPr lang="en-US" sz="2000" b="1" dirty="0">
+                <a:latin typeface="Arial" panose="020B0604020202020204" pitchFamily="34" charset="0"/>
+                <a:cs typeface="Arial" panose="020B0604020202020204" pitchFamily="34" charset="0"/>
+              </a:rPr>
+              <a:t>Infant race/ethnicity reflects Alachua County demographics.</a:t>
+            </a:r>
+          </a:p>
+          <a:p>
+            <a:pPr marL="285750" indent="-285750">
+              <a:buFont typeface="Arial" panose="020B0604020202020204" pitchFamily="34" charset="0"/>
+              <a:buChar char="•"/>
+            </a:pPr>
+            <a:r>
+              <a:rPr lang="en-US" sz="2000" b="1" dirty="0">
+                <a:latin typeface="Arial" panose="020B0604020202020204" pitchFamily="34" charset="0"/>
+                <a:cs typeface="Arial" panose="020B0604020202020204" pitchFamily="34" charset="0"/>
+              </a:rPr>
+              <a:t>UF Health </a:t>
+            </a:r>
+            <a:r>
+              <a:rPr lang="en-US" sz="2000" b="1" dirty="0" err="1">
+                <a:latin typeface="Arial" panose="020B0604020202020204" pitchFamily="34" charset="0"/>
+                <a:cs typeface="Arial" panose="020B0604020202020204" pitchFamily="34" charset="0"/>
+              </a:rPr>
+              <a:t>Shands</a:t>
+            </a:r>
+            <a:r>
+              <a:rPr lang="en-US" sz="2000" b="1" dirty="0">
+                <a:latin typeface="Arial" panose="020B0604020202020204" pitchFamily="34" charset="0"/>
+                <a:cs typeface="Arial" panose="020B0604020202020204" pitchFamily="34" charset="0"/>
+              </a:rPr>
+              <a:t> delivers ~2,800 infants annually.</a:t>
+            </a:r>
+          </a:p>
+          <a:p>
+            <a:pPr marL="285750" indent="-285750">
+              <a:buFont typeface="Arial" panose="020B0604020202020204" pitchFamily="34" charset="0"/>
+              <a:buChar char="•"/>
+            </a:pPr>
+            <a:r>
+              <a:rPr lang="en-US" sz="2000" b="1" dirty="0">
+                <a:latin typeface="Arial" panose="020B0604020202020204" pitchFamily="34" charset="0"/>
+                <a:cs typeface="Arial" panose="020B0604020202020204" pitchFamily="34" charset="0"/>
+              </a:rPr>
+              <a:t>~40% of deliveries have at least 1 postnatal wellness visit. </a:t>
+            </a:r>
+          </a:p>
+        </p:txBody>
+      </p:sp>
+      <p:sp>
+        <p:nvSpPr>
+          <p:cNvPr id="4" name="Rounded Rectangle 3"/>
+          <p:cNvSpPr/>
+          <p:nvPr/>
+        </p:nvSpPr>
+        <p:spPr>
+          <a:xfrm flipH="1">
+            <a:off x="-1828800" y="942241"/>
+            <a:ext cx="304800" cy="309041"/>
+          </a:xfrm>
+          <a:prstGeom prst="roundRect">
+            <a:avLst/>
+          </a:prstGeom>
+          <a:solidFill>
+            <a:schemeClr val="bg1"/>
+          </a:solidFill>
+          <a:ln>
+            <a:solidFill>
+              <a:schemeClr val="bg1"/>
+            </a:solidFill>
+          </a:ln>
+        </p:spPr>
+        <p:style>
+          <a:lnRef idx="2">
+            <a:schemeClr val="accent1">
+              <a:shade val="50000"/>
+            </a:schemeClr>
+          </a:lnRef>
+          <a:fillRef idx="1">
+            <a:schemeClr val="accent1"/>
+          </a:fillRef>
+          <a:effectRef idx="0">
+            <a:schemeClr val="accent1"/>
+          </a:effectRef>
+          <a:fontRef idx="minor">
+            <a:schemeClr val="lt1"/>
+          </a:fontRef>
+        </p:style>
+        <p:txBody>
+          <a:bodyPr rtlCol="0" anchor="ctr"/>
+          <a:lstStyle/>
+          <a:p>
+            <a:pPr algn="ctr"/>
+            <a:endParaRPr lang="en-US"/>
+          </a:p>
+        </p:txBody>
+      </p:sp>
+      <p:sp>
+        <p:nvSpPr>
+          <p:cNvPr id="18" name="Rounded Rectangle 17"/>
+          <p:cNvSpPr/>
+          <p:nvPr/>
+        </p:nvSpPr>
+        <p:spPr>
+          <a:xfrm flipH="1">
+            <a:off x="614553" y="1318510"/>
+            <a:ext cx="2585845" cy="510290"/>
+          </a:xfrm>
+          <a:prstGeom prst="roundRect">
+            <a:avLst/>
+          </a:prstGeom>
+          <a:solidFill>
+            <a:schemeClr val="bg1"/>
+          </a:solidFill>
+          <a:ln>
+            <a:solidFill>
+              <a:schemeClr val="bg1"/>
+            </a:solidFill>
+          </a:ln>
+        </p:spPr>
+        <p:style>
+          <a:lnRef idx="2">
+            <a:schemeClr val="accent1">
+              <a:shade val="50000"/>
+            </a:schemeClr>
+          </a:lnRef>
+          <a:fillRef idx="1">
+            <a:schemeClr val="accent1"/>
+          </a:fillRef>
+          <a:effectRef idx="0">
+            <a:schemeClr val="accent1"/>
+          </a:effectRef>
+          <a:fontRef idx="minor">
+            <a:schemeClr val="lt1"/>
+          </a:fontRef>
+        </p:style>
+        <p:txBody>
+          <a:bodyPr rtlCol="0" anchor="ctr"/>
+          <a:lstStyle/>
+          <a:p>
+            <a:pPr algn="ctr"/>
+            <a:endParaRPr lang="en-US"/>
+          </a:p>
+        </p:txBody>
+      </p:sp>
+      <p:sp>
+        <p:nvSpPr>
+          <p:cNvPr id="6" name="TextBox 5"/>
+          <p:cNvSpPr txBox="1"/>
+          <p:nvPr/>
+        </p:nvSpPr>
+        <p:spPr>
+          <a:xfrm>
+            <a:off x="440334" y="1404378"/>
+            <a:ext cx="2966524" cy="338554"/>
+          </a:xfrm>
+          <a:prstGeom prst="rect">
+            <a:avLst/>
+          </a:prstGeom>
+          <a:noFill/>
+        </p:spPr>
+        <p:txBody>
+          <a:bodyPr wrap="square" rtlCol="0">
+            <a:spAutoFit/>
+          </a:bodyPr>
+          <a:lstStyle/>
+          <a:p>
+            <a:r>
+              <a:rPr lang="en-US" sz="1600" b="1" dirty="0">
+                <a:latin typeface="Calibri" panose="020F0502020204030204" pitchFamily="34" charset="0"/>
+                <a:cs typeface="Calibri" panose="020F0502020204030204" pitchFamily="34" charset="0"/>
+              </a:rPr>
+              <a:t>Table 2. Infant Demographics</a:t>
+            </a:r>
+          </a:p>
+        </p:txBody>
+      </p:sp>
+      <p:sp>
+        <p:nvSpPr>
+          <p:cNvPr id="21" name="Rounded Rectangle 20"/>
+          <p:cNvSpPr/>
+          <p:nvPr/>
+        </p:nvSpPr>
+        <p:spPr>
+          <a:xfrm flipH="1">
+            <a:off x="3809999" y="1331294"/>
+            <a:ext cx="2246989" cy="573706"/>
+          </a:xfrm>
+          <a:prstGeom prst="roundRect">
+            <a:avLst/>
+          </a:prstGeom>
+          <a:solidFill>
+            <a:schemeClr val="bg1"/>
+          </a:solidFill>
+          <a:ln>
+            <a:solidFill>
+              <a:schemeClr val="bg1"/>
+            </a:solidFill>
+          </a:ln>
+        </p:spPr>
+        <p:style>
+          <a:lnRef idx="2">
+            <a:schemeClr val="accent1">
+              <a:shade val="50000"/>
+            </a:schemeClr>
+          </a:lnRef>
+          <a:fillRef idx="1">
+            <a:schemeClr val="accent1"/>
+          </a:fillRef>
+          <a:effectRef idx="0">
+            <a:schemeClr val="accent1"/>
+          </a:effectRef>
+          <a:fontRef idx="minor">
+            <a:schemeClr val="lt1"/>
+          </a:fontRef>
+        </p:style>
+        <p:txBody>
+          <a:bodyPr rtlCol="0" anchor="ctr"/>
+          <a:lstStyle/>
+          <a:p>
+            <a:pPr algn="ctr"/>
+            <a:endParaRPr lang="en-US"/>
+          </a:p>
+        </p:txBody>
+      </p:sp>
+      <p:sp>
+        <p:nvSpPr>
+          <p:cNvPr id="22" name="TextBox 21"/>
+          <p:cNvSpPr txBox="1"/>
+          <p:nvPr/>
+        </p:nvSpPr>
+        <p:spPr>
+          <a:xfrm>
+            <a:off x="3630750" y="1443766"/>
+            <a:ext cx="2876730" cy="338554"/>
+          </a:xfrm>
+          <a:prstGeom prst="rect">
+            <a:avLst/>
+          </a:prstGeom>
+          <a:noFill/>
+        </p:spPr>
+        <p:txBody>
+          <a:bodyPr wrap="square" rtlCol="0">
+            <a:spAutoFit/>
+          </a:bodyPr>
+          <a:lstStyle/>
+          <a:p>
+            <a:r>
+              <a:rPr lang="en-US" sz="1600" b="1" dirty="0">
+                <a:latin typeface="Calibri" panose="020F0502020204030204" pitchFamily="34" charset="0"/>
+                <a:cs typeface="Calibri" panose="020F0502020204030204" pitchFamily="34" charset="0"/>
+              </a:rPr>
+              <a:t>Table 3. Deliveries by Month</a:t>
+            </a:r>
+          </a:p>
+        </p:txBody>
+      </p:sp>
+      <p:sp>
+        <p:nvSpPr>
+          <p:cNvPr id="24" name="Rounded Rectangle 23"/>
+          <p:cNvSpPr/>
+          <p:nvPr/>
+        </p:nvSpPr>
+        <p:spPr>
+          <a:xfrm flipH="1">
+            <a:off x="6343884" y="1331294"/>
+            <a:ext cx="2524104" cy="573706"/>
+          </a:xfrm>
+          <a:prstGeom prst="roundRect">
+            <a:avLst/>
+          </a:prstGeom>
+          <a:solidFill>
+            <a:schemeClr val="bg1"/>
+          </a:solidFill>
+          <a:ln>
+            <a:solidFill>
+              <a:schemeClr val="bg1"/>
+            </a:solidFill>
+          </a:ln>
+        </p:spPr>
+        <p:style>
+          <a:lnRef idx="2">
+            <a:schemeClr val="accent1">
+              <a:shade val="50000"/>
+            </a:schemeClr>
+          </a:lnRef>
+          <a:fillRef idx="1">
+            <a:schemeClr val="accent1"/>
+          </a:fillRef>
+          <a:effectRef idx="0">
+            <a:schemeClr val="accent1"/>
+          </a:effectRef>
+          <a:fontRef idx="minor">
+            <a:schemeClr val="lt1"/>
+          </a:fontRef>
+        </p:style>
+        <p:txBody>
+          <a:bodyPr rtlCol="0" anchor="ctr"/>
+          <a:lstStyle/>
+          <a:p>
+            <a:pPr algn="ctr"/>
+            <a:endParaRPr lang="en-US"/>
+          </a:p>
+        </p:txBody>
+      </p:sp>
+      <p:sp>
+        <p:nvSpPr>
+          <p:cNvPr id="26" name="TextBox 25"/>
+          <p:cNvSpPr txBox="1"/>
+          <p:nvPr/>
+        </p:nvSpPr>
+        <p:spPr>
+          <a:xfrm>
+            <a:off x="6372587" y="1414046"/>
+            <a:ext cx="2504545" cy="338554"/>
+          </a:xfrm>
+          <a:prstGeom prst="rect">
+            <a:avLst/>
+          </a:prstGeom>
+          <a:noFill/>
+        </p:spPr>
+        <p:txBody>
+          <a:bodyPr wrap="square" rtlCol="0">
+            <a:spAutoFit/>
+          </a:bodyPr>
+          <a:lstStyle/>
+          <a:p>
+            <a:r>
+              <a:rPr lang="en-US" sz="1600" b="1" dirty="0">
+                <a:latin typeface="Calibri" panose="020F0502020204030204" pitchFamily="34" charset="0"/>
+                <a:cs typeface="Calibri" panose="020F0502020204030204" pitchFamily="34" charset="0"/>
+              </a:rPr>
+              <a:t>Table 4. Deliveries by Year</a:t>
+            </a:r>
+          </a:p>
+        </p:txBody>
+      </p:sp>
+      <p:sp>
+        <p:nvSpPr>
+          <p:cNvPr id="27" name="Rounded Rectangle 26"/>
+          <p:cNvSpPr/>
+          <p:nvPr/>
+        </p:nvSpPr>
+        <p:spPr>
+          <a:xfrm flipH="1">
+            <a:off x="9227979" y="1328835"/>
+            <a:ext cx="2466683" cy="804765"/>
+          </a:xfrm>
+          <a:prstGeom prst="roundRect">
+            <a:avLst/>
+          </a:prstGeom>
+          <a:solidFill>
+            <a:schemeClr val="bg1"/>
+          </a:solidFill>
+          <a:ln>
+            <a:solidFill>
+              <a:schemeClr val="bg1"/>
+            </a:solidFill>
+          </a:ln>
+        </p:spPr>
+        <p:style>
+          <a:lnRef idx="2">
+            <a:schemeClr val="accent1">
+              <a:shade val="50000"/>
+            </a:schemeClr>
+          </a:lnRef>
+          <a:fillRef idx="1">
+            <a:schemeClr val="accent1"/>
+          </a:fillRef>
+          <a:effectRef idx="0">
+            <a:schemeClr val="accent1"/>
+          </a:effectRef>
+          <a:fontRef idx="minor">
+            <a:schemeClr val="lt1"/>
+          </a:fontRef>
+        </p:style>
+        <p:txBody>
+          <a:bodyPr rtlCol="0" anchor="ctr"/>
+          <a:lstStyle/>
+          <a:p>
+            <a:pPr algn="ctr"/>
+            <a:endParaRPr lang="en-US"/>
+          </a:p>
+        </p:txBody>
+      </p:sp>
+      <p:sp>
+        <p:nvSpPr>
+          <p:cNvPr id="28" name="TextBox 27"/>
+          <p:cNvSpPr txBox="1"/>
+          <p:nvPr/>
+        </p:nvSpPr>
+        <p:spPr>
+          <a:xfrm>
+            <a:off x="9134856" y="1348246"/>
+            <a:ext cx="2876730" cy="584775"/>
+          </a:xfrm>
+          <a:prstGeom prst="rect">
+            <a:avLst/>
+          </a:prstGeom>
+          <a:noFill/>
+        </p:spPr>
+        <p:txBody>
+          <a:bodyPr wrap="square" rtlCol="0">
+            <a:spAutoFit/>
+          </a:bodyPr>
+          <a:lstStyle/>
+          <a:p>
+            <a:r>
+              <a:rPr lang="en-US" sz="1600" b="1" dirty="0">
+                <a:latin typeface="Calibri" panose="020F0502020204030204" pitchFamily="34" charset="0"/>
+                <a:cs typeface="Calibri" panose="020F0502020204030204" pitchFamily="34" charset="0"/>
+              </a:rPr>
+              <a:t>Table 5. Postnatal Visits for Infants Delivered at </a:t>
+            </a:r>
+            <a:r>
+              <a:rPr lang="en-US" sz="1600" b="1" dirty="0" err="1">
+                <a:latin typeface="Calibri" panose="020F0502020204030204" pitchFamily="34" charset="0"/>
+                <a:cs typeface="Calibri" panose="020F0502020204030204" pitchFamily="34" charset="0"/>
+              </a:rPr>
+              <a:t>UFHealth</a:t>
+            </a:r>
+            <a:r>
+              <a:rPr lang="en-US" sz="1600" b="1" dirty="0">
+                <a:latin typeface="Calibri" panose="020F0502020204030204" pitchFamily="34" charset="0"/>
+                <a:cs typeface="Calibri" panose="020F0502020204030204" pitchFamily="34" charset="0"/>
+              </a:rPr>
+              <a:t> </a:t>
+            </a:r>
+          </a:p>
+        </p:txBody>
+      </p:sp>
+      <p:cxnSp>
+        <p:nvCxnSpPr>
+          <p:cNvPr id="9" name="Straight Connector 8"/>
+          <p:cNvCxnSpPr/>
+          <p:nvPr/>
+        </p:nvCxnSpPr>
+        <p:spPr>
+          <a:xfrm>
+            <a:off x="724806" y="3886200"/>
+            <a:ext cx="2246994" cy="0"/>
+          </a:xfrm>
+          <a:prstGeom prst="line">
+            <a:avLst/>
+          </a:prstGeom>
+          <a:ln w="38100">
+            <a:solidFill>
+              <a:srgbClr val="FF0000"/>
+            </a:solidFill>
+          </a:ln>
+        </p:spPr>
+        <p:style>
+          <a:lnRef idx="1">
+            <a:schemeClr val="accent1"/>
+          </a:lnRef>
+          <a:fillRef idx="0">
+            <a:schemeClr val="accent1"/>
+          </a:fillRef>
+          <a:effectRef idx="0">
+            <a:schemeClr val="accent1"/>
+          </a:effectRef>
+          <a:fontRef idx="minor">
+            <a:schemeClr val="tx1"/>
+          </a:fontRef>
+        </p:style>
+      </p:cxnSp>
+      <p:cxnSp>
+        <p:nvCxnSpPr>
+          <p:cNvPr id="30" name="Straight Connector 29"/>
+          <p:cNvCxnSpPr/>
+          <p:nvPr/>
+        </p:nvCxnSpPr>
+        <p:spPr>
+          <a:xfrm>
+            <a:off x="724806" y="4953000"/>
+            <a:ext cx="2246994" cy="0"/>
+          </a:xfrm>
+          <a:prstGeom prst="line">
+            <a:avLst/>
+          </a:prstGeom>
+          <a:ln w="38100">
+            <a:solidFill>
+              <a:srgbClr val="FF0000"/>
+            </a:solidFill>
+          </a:ln>
+        </p:spPr>
+        <p:style>
+          <a:lnRef idx="1">
+            <a:schemeClr val="accent1"/>
+          </a:lnRef>
+          <a:fillRef idx="0">
+            <a:schemeClr val="accent1"/>
+          </a:fillRef>
+          <a:effectRef idx="0">
+            <a:schemeClr val="accent1"/>
+          </a:effectRef>
+          <a:fontRef idx="minor">
+            <a:schemeClr val="tx1"/>
+          </a:fontRef>
+        </p:style>
+      </p:cxnSp>
+      <p:cxnSp>
+        <p:nvCxnSpPr>
+          <p:cNvPr id="31" name="Straight Connector 30"/>
+          <p:cNvCxnSpPr/>
+          <p:nvPr/>
+        </p:nvCxnSpPr>
+        <p:spPr>
+          <a:xfrm>
+            <a:off x="9386887" y="2811854"/>
+            <a:ext cx="2246994" cy="0"/>
+          </a:xfrm>
+          <a:prstGeom prst="line">
+            <a:avLst/>
+          </a:prstGeom>
+          <a:ln w="38100">
+            <a:solidFill>
+              <a:srgbClr val="FF0000"/>
+            </a:solidFill>
+          </a:ln>
+        </p:spPr>
+        <p:style>
+          <a:lnRef idx="1">
+            <a:schemeClr val="accent1"/>
+          </a:lnRef>
+          <a:fillRef idx="0">
+            <a:schemeClr val="accent1"/>
+          </a:fillRef>
+          <a:effectRef idx="0">
+            <a:schemeClr val="accent1"/>
+          </a:effectRef>
+          <a:fontRef idx="minor">
+            <a:schemeClr val="tx1"/>
+          </a:fontRef>
+        </p:style>
+      </p:cxnSp>
+      <p:cxnSp>
+        <p:nvCxnSpPr>
+          <p:cNvPr id="32" name="Straight Connector 31"/>
+          <p:cNvCxnSpPr/>
+          <p:nvPr/>
+        </p:nvCxnSpPr>
+        <p:spPr>
+          <a:xfrm>
+            <a:off x="3962400" y="3505200"/>
+            <a:ext cx="2094593" cy="0"/>
+          </a:xfrm>
+          <a:prstGeom prst="line">
+            <a:avLst/>
+          </a:prstGeom>
+          <a:ln w="38100">
+            <a:solidFill>
+              <a:srgbClr val="FF0000"/>
+            </a:solidFill>
+          </a:ln>
+        </p:spPr>
+        <p:style>
+          <a:lnRef idx="1">
+            <a:schemeClr val="accent1"/>
+          </a:lnRef>
+          <a:fillRef idx="0">
+            <a:schemeClr val="accent1"/>
+          </a:fillRef>
+          <a:effectRef idx="0">
+            <a:schemeClr val="accent1"/>
+          </a:effectRef>
+          <a:fontRef idx="minor">
+            <a:schemeClr val="tx1"/>
+          </a:fontRef>
+        </p:style>
+      </p:cxnSp>
+    </p:spTree>
+    <p:extLst>
+      <p:ext uri="{BB962C8B-B14F-4D97-AF65-F5344CB8AC3E}">
+        <p14:creationId xmlns:p14="http://schemas.microsoft.com/office/powerpoint/2010/main" val="2816274518"/>
+      </p:ext>
+    </p:extLst>
+  </p:cSld>
+  <p:clrMapOvr>
+    <a:masterClrMapping/>
+  </p:clrMapOvr>
+  <mc:AlternateContent xmlns:mc="http://schemas.openxmlformats.org/markup-compatibility/2006">
+    <mc:Choice xmlns:p14="http://schemas.microsoft.com/office/powerpoint/2010/main" Requires="p14">
+      <p:transition spd="slow" p14:dur="2000"/>
+    </mc:Choice>
+    <mc:Fallback>
+      <p:transition spd="slow"/>
+    </mc:Fallback>
+  </mc:AlternateContent>
+</p:sld>
+</file>
+
+<file path=ppt/slides/slide4.xml><?xml version="1.0" encoding="utf-8"?>
+<p:sld xmlns:a="http://schemas.openxmlformats.org/drawingml/2006/main" xmlns:r="http://schemas.openxmlformats.org/officeDocument/2006/relationships" xmlns:p="http://schemas.openxmlformats.org/presentationml/2006/main">
+  <p:cSld>
+    <p:spTree>
+      <p:nvGrpSpPr>
+        <p:cNvPr id="1" name=""/>
+        <p:cNvGrpSpPr/>
+        <p:nvPr/>
+      </p:nvGrpSpPr>
+      <p:grpSpPr>
+        <a:xfrm>
+          <a:off x="0" y="0"/>
+          <a:ext cx="0" cy="0"/>
+          <a:chOff x="0" y="0"/>
+          <a:chExt cx="0" cy="0"/>
+        </a:xfrm>
+      </p:grpSpPr>
+      <p:sp>
+        <p:nvSpPr>
           <p:cNvPr id="7" name="TextBox 6">
             <a:extLst>
               <a:ext uri="{FF2B5EF4-FFF2-40B4-BE49-F238E27FC236}">
@@ -4363,7 +10593,7 @@
 </p:sld>
 </file>
 
-<file path=ppt/slides/slide2.xml><?xml version="1.0" encoding="utf-8"?>
+<file path=ppt/slides/slide5.xml><?xml version="1.0" encoding="utf-8"?>
 <p:sld xmlns:a="http://schemas.openxmlformats.org/drawingml/2006/main" xmlns:r="http://schemas.openxmlformats.org/officeDocument/2006/relationships" xmlns:p="http://schemas.openxmlformats.org/presentationml/2006/main">
   <p:cSld>
     <p:spTree>
@@ -4899,7 +11129,7 @@
 </p:sld>
 </file>
 
-<file path=ppt/slides/slide3.xml><?xml version="1.0" encoding="utf-8"?>
+<file path=ppt/slides/slide6.xml><?xml version="1.0" encoding="utf-8"?>
 <p:sld xmlns:a="http://schemas.openxmlformats.org/drawingml/2006/main" xmlns:r="http://schemas.openxmlformats.org/officeDocument/2006/relationships" xmlns:p="http://schemas.openxmlformats.org/presentationml/2006/main">
   <p:cSld>
     <p:spTree>
@@ -5002,7 +11232,7 @@
 </p:sld>
 </file>
 
-<file path=ppt/slides/slide4.xml><?xml version="1.0" encoding="utf-8"?>
+<file path=ppt/slides/slide7.xml><?xml version="1.0" encoding="utf-8"?>
 <p:sld xmlns:a="http://schemas.openxmlformats.org/drawingml/2006/main" xmlns:r="http://schemas.openxmlformats.org/officeDocument/2006/relationships" xmlns:p="http://schemas.openxmlformats.org/presentationml/2006/main">
   <p:cSld>
     <p:spTree>
@@ -5688,7 +11918,7 @@
 </p:sld>
 </file>
 
-<file path=ppt/slides/slide5.xml><?xml version="1.0" encoding="utf-8"?>
+<file path=ppt/slides/slide8.xml><?xml version="1.0" encoding="utf-8"?>
 <p:sld xmlns:a="http://schemas.openxmlformats.org/drawingml/2006/main" xmlns:r="http://schemas.openxmlformats.org/officeDocument/2006/relationships" xmlns:p="http://schemas.openxmlformats.org/presentationml/2006/main">
   <p:cSld>
     <p:spTree>
@@ -6380,7 +12610,7 @@
 </p:sld>
 </file>
 
-<file path=ppt/slides/slide6.xml><?xml version="1.0" encoding="utf-8"?>
+<file path=ppt/slides/slide9.xml><?xml version="1.0" encoding="utf-8"?>
 <p:sld xmlns:a="http://schemas.openxmlformats.org/drawingml/2006/main" xmlns:r="http://schemas.openxmlformats.org/officeDocument/2006/relationships" xmlns:p="http://schemas.openxmlformats.org/presentationml/2006/main">
   <p:cSld>
     <p:spTree>
@@ -7057,386 +13287,6 @@
     <p:extLst>
       <p:ext uri="{BB962C8B-B14F-4D97-AF65-F5344CB8AC3E}">
         <p14:creationId xmlns:p14="http://schemas.microsoft.com/office/powerpoint/2010/main" val="3556988360"/>
-      </p:ext>
-    </p:extLst>
-  </p:cSld>
-  <p:clrMapOvr>
-    <a:masterClrMapping/>
-  </p:clrMapOvr>
-</p:sld>
-</file>
-
-<file path=ppt/slides/slide7.xml><?xml version="1.0" encoding="utf-8"?>
-<p:sld xmlns:a="http://schemas.openxmlformats.org/drawingml/2006/main" xmlns:r="http://schemas.openxmlformats.org/officeDocument/2006/relationships" xmlns:p="http://schemas.openxmlformats.org/presentationml/2006/main">
-  <p:cSld>
-    <p:spTree>
-      <p:nvGrpSpPr>
-        <p:cNvPr id="1" name=""/>
-        <p:cNvGrpSpPr/>
-        <p:nvPr/>
-      </p:nvGrpSpPr>
-      <p:grpSpPr>
-        <a:xfrm>
-          <a:off x="0" y="0"/>
-          <a:ext cx="0" cy="0"/>
-          <a:chOff x="0" y="0"/>
-          <a:chExt cx="0" cy="0"/>
-        </a:xfrm>
-      </p:grpSpPr>
-      <p:sp>
-        <p:nvSpPr>
-          <p:cNvPr id="2" name="Title 1">
-            <a:extLst>
-              <a:ext uri="{FF2B5EF4-FFF2-40B4-BE49-F238E27FC236}">
-                <a16:creationId xmlns:a16="http://schemas.microsoft.com/office/drawing/2014/main" id="{AC4295F5-96B0-4534-A7C1-DF9F2728E176}"/>
-              </a:ext>
-            </a:extLst>
-          </p:cNvPr>
-          <p:cNvSpPr>
-            <a:spLocks noGrp="1"/>
-          </p:cNvSpPr>
-          <p:nvPr>
-            <p:ph type="title"/>
-          </p:nvPr>
-        </p:nvSpPr>
-        <p:spPr>
-          <a:xfrm>
-            <a:off x="838200" y="-14415"/>
-            <a:ext cx="10515600" cy="1325563"/>
-          </a:xfrm>
-        </p:spPr>
-        <p:txBody>
-          <a:bodyPr/>
-          <a:lstStyle/>
-          <a:p>
-            <a:r>
-              <a:rPr lang="en-US" dirty="0"/>
-              <a:t>Analysis Cohort</a:t>
-            </a:r>
-          </a:p>
-        </p:txBody>
-      </p:sp>
-      <p:sp>
-        <p:nvSpPr>
-          <p:cNvPr id="3" name="Content Placeholder 2">
-            <a:extLst>
-              <a:ext uri="{FF2B5EF4-FFF2-40B4-BE49-F238E27FC236}">
-                <a16:creationId xmlns:a16="http://schemas.microsoft.com/office/drawing/2014/main" id="{DC95A75C-26C0-4E12-9511-7AC606F04AEA}"/>
-              </a:ext>
-            </a:extLst>
-          </p:cNvPr>
-          <p:cNvSpPr>
-            <a:spLocks noGrp="1"/>
-          </p:cNvSpPr>
-          <p:nvPr>
-            <p:ph idx="1"/>
-          </p:nvPr>
-        </p:nvSpPr>
-        <p:spPr>
-          <a:xfrm>
-            <a:off x="625763" y="1163415"/>
-            <a:ext cx="10515600" cy="4351338"/>
-          </a:xfrm>
-        </p:spPr>
-        <p:txBody>
-          <a:bodyPr/>
-          <a:lstStyle/>
-          <a:p>
-            <a:r>
-              <a:rPr lang="en-US" dirty="0"/>
-              <a:t>NLP project. </a:t>
-            </a:r>
-          </a:p>
-          <a:p>
-            <a:pPr lvl="1"/>
-            <a:r>
-              <a:rPr lang="en-US" dirty="0"/>
-              <a:t>outline figure to help navigate process of moving forward. </a:t>
-            </a:r>
-          </a:p>
-          <a:p>
-            <a:pPr lvl="1"/>
-            <a:r>
-              <a:rPr lang="en-US" dirty="0"/>
-              <a:t>Run code on super computer using </a:t>
-            </a:r>
-            <a:r>
-              <a:rPr lang="en-US" dirty="0" err="1"/>
-              <a:t>sbatch</a:t>
-            </a:r>
-            <a:endParaRPr lang="en-US" dirty="0"/>
-          </a:p>
-          <a:p>
-            <a:pPr lvl="1"/>
-            <a:r>
-              <a:rPr lang="en-US" dirty="0"/>
-              <a:t>Report preliminary results</a:t>
-            </a:r>
-          </a:p>
-          <a:p>
-            <a:endParaRPr lang="en-US" dirty="0"/>
-          </a:p>
-          <a:p>
-            <a:r>
-              <a:rPr lang="en-US" dirty="0"/>
-              <a:t>Maternal medications</a:t>
-            </a:r>
-          </a:p>
-          <a:p>
-            <a:pPr lvl="1"/>
-            <a:r>
-              <a:rPr lang="en-US" dirty="0"/>
-              <a:t>Create table with counts according to </a:t>
-            </a:r>
-            <a:r>
-              <a:rPr lang="en-US" dirty="0" err="1"/>
-              <a:t>zipcode</a:t>
-            </a:r>
-            <a:endParaRPr lang="en-US" dirty="0"/>
-          </a:p>
-          <a:p>
-            <a:pPr lvl="1"/>
-            <a:r>
-              <a:rPr lang="en-US" dirty="0"/>
-              <a:t>Plot counts as maps to see variation (Alachua county). </a:t>
-            </a:r>
-          </a:p>
-          <a:p>
-            <a:endParaRPr lang="en-US" dirty="0"/>
-          </a:p>
-        </p:txBody>
-      </p:sp>
-      <p:graphicFrame>
-        <p:nvGraphicFramePr>
-          <p:cNvPr id="4" name="Table 4">
-            <a:extLst>
-              <a:ext uri="{FF2B5EF4-FFF2-40B4-BE49-F238E27FC236}">
-                <a16:creationId xmlns:a16="http://schemas.microsoft.com/office/drawing/2014/main" id="{A93E0570-D1FA-4DD1-B3BD-2B7CFB871850}"/>
-              </a:ext>
-            </a:extLst>
-          </p:cNvPr>
-          <p:cNvGraphicFramePr>
-            <a:graphicFrameLocks noGrp="1"/>
-          </p:cNvGraphicFramePr>
-          <p:nvPr>
-            <p:extLst>
-              <p:ext uri="{D42A27DB-BD31-4B8C-83A1-F6EECF244321}">
-                <p14:modId xmlns:p14="http://schemas.microsoft.com/office/powerpoint/2010/main" val="1729556570"/>
-              </p:ext>
-            </p:extLst>
-          </p:nvPr>
-        </p:nvGraphicFramePr>
-        <p:xfrm>
-          <a:off x="838200" y="5051965"/>
-          <a:ext cx="9254836" cy="1285240"/>
-        </p:xfrm>
-        <a:graphic>
-          <a:graphicData uri="http://schemas.openxmlformats.org/drawingml/2006/table">
-            <a:tbl>
-              <a:tblPr firstRow="1" bandRow="1">
-                <a:tableStyleId>{5C22544A-7EE6-4342-B048-85BDC9FD1C3A}</a:tableStyleId>
-              </a:tblPr>
-              <a:tblGrid>
-                <a:gridCol w="1108364">
-                  <a:extLst>
-                    <a:ext uri="{9D8B030D-6E8A-4147-A177-3AD203B41FA5}">
-                      <a16:colId xmlns:a16="http://schemas.microsoft.com/office/drawing/2014/main" val="1067777719"/>
-                    </a:ext>
-                  </a:extLst>
-                </a:gridCol>
-                <a:gridCol w="3519054">
-                  <a:extLst>
-                    <a:ext uri="{9D8B030D-6E8A-4147-A177-3AD203B41FA5}">
-                      <a16:colId xmlns:a16="http://schemas.microsoft.com/office/drawing/2014/main" val="664841667"/>
-                    </a:ext>
-                  </a:extLst>
-                </a:gridCol>
-                <a:gridCol w="2313709">
-                  <a:extLst>
-                    <a:ext uri="{9D8B030D-6E8A-4147-A177-3AD203B41FA5}">
-                      <a16:colId xmlns:a16="http://schemas.microsoft.com/office/drawing/2014/main" val="4256003243"/>
-                    </a:ext>
-                  </a:extLst>
-                </a:gridCol>
-                <a:gridCol w="2313709">
-                  <a:extLst>
-                    <a:ext uri="{9D8B030D-6E8A-4147-A177-3AD203B41FA5}">
-                      <a16:colId xmlns:a16="http://schemas.microsoft.com/office/drawing/2014/main" val="2173651226"/>
-                    </a:ext>
-                  </a:extLst>
-                </a:gridCol>
-              </a:tblGrid>
-              <a:tr h="370840">
-                <a:tc>
-                  <a:txBody>
-                    <a:bodyPr/>
-                    <a:lstStyle/>
-                    <a:p>
-                      <a:r>
-                        <a:rPr lang="en-US" dirty="0"/>
-                        <a:t>Zip code</a:t>
-                      </a:r>
-                    </a:p>
-                  </a:txBody>
-                  <a:tcPr/>
-                </a:tc>
-                <a:tc>
-                  <a:txBody>
-                    <a:bodyPr/>
-                    <a:lstStyle/>
-                    <a:p>
-                      <a:r>
-                        <a:rPr lang="en-US" dirty="0"/>
-                        <a:t>Mom with at least 1+ medication (any)</a:t>
-                      </a:r>
-                    </a:p>
-                  </a:txBody>
-                  <a:tcPr/>
-                </a:tc>
-                <a:tc>
-                  <a:txBody>
-                    <a:bodyPr/>
-                    <a:lstStyle/>
-                    <a:p>
-                      <a:r>
-                        <a:rPr lang="en-US" dirty="0"/>
-                        <a:t>Mom with at least 1+ antibiotic (any)</a:t>
-                      </a:r>
-                    </a:p>
-                  </a:txBody>
-                  <a:tcPr/>
-                </a:tc>
-                <a:tc>
-                  <a:txBody>
-                    <a:bodyPr/>
-                    <a:lstStyle/>
-                    <a:p>
-                      <a:pPr marL="0" marR="0" lvl="0" indent="0" algn="l" defTabSz="914400" rtl="0" eaLnBrk="1" fontAlgn="auto" latinLnBrk="0" hangingPunct="1">
-                        <a:lnSpc>
-                          <a:spcPct val="100000"/>
-                        </a:lnSpc>
-                        <a:spcBef>
-                          <a:spcPts val="0"/>
-                        </a:spcBef>
-                        <a:spcAft>
-                          <a:spcPts val="0"/>
-                        </a:spcAft>
-                        <a:buClrTx/>
-                        <a:buSzTx/>
-                        <a:buFontTx/>
-                        <a:buNone/>
-                        <a:tabLst/>
-                        <a:defRPr/>
-                      </a:pPr>
-                      <a:r>
-                        <a:rPr lang="en-US" dirty="0"/>
-                        <a:t>Mom with at least 1+ opioid (any)</a:t>
-                      </a:r>
-                    </a:p>
-                    <a:p>
-                      <a:endParaRPr lang="en-US" dirty="0"/>
-                    </a:p>
-                  </a:txBody>
-                  <a:tcPr/>
-                </a:tc>
-                <a:extLst>
-                  <a:ext uri="{0D108BD9-81ED-4DB2-BD59-A6C34878D82A}">
-                    <a16:rowId xmlns:a16="http://schemas.microsoft.com/office/drawing/2014/main" val="1739508681"/>
-                  </a:ext>
-                </a:extLst>
-              </a:tr>
-              <a:tr h="370840">
-                <a:tc>
-                  <a:txBody>
-                    <a:bodyPr/>
-                    <a:lstStyle/>
-                    <a:p>
-                      <a:endParaRPr lang="en-US"/>
-                    </a:p>
-                  </a:txBody>
-                  <a:tcPr/>
-                </a:tc>
-                <a:tc>
-                  <a:txBody>
-                    <a:bodyPr/>
-                    <a:lstStyle/>
-                    <a:p>
-                      <a:endParaRPr lang="en-US"/>
-                    </a:p>
-                  </a:txBody>
-                  <a:tcPr/>
-                </a:tc>
-                <a:tc>
-                  <a:txBody>
-                    <a:bodyPr/>
-                    <a:lstStyle/>
-                    <a:p>
-                      <a:endParaRPr lang="en-US"/>
-                    </a:p>
-                  </a:txBody>
-                  <a:tcPr/>
-                </a:tc>
-                <a:tc>
-                  <a:txBody>
-                    <a:bodyPr/>
-                    <a:lstStyle/>
-                    <a:p>
-                      <a:endParaRPr lang="en-US" dirty="0"/>
-                    </a:p>
-                  </a:txBody>
-                  <a:tcPr/>
-                </a:tc>
-                <a:extLst>
-                  <a:ext uri="{0D108BD9-81ED-4DB2-BD59-A6C34878D82A}">
-                    <a16:rowId xmlns:a16="http://schemas.microsoft.com/office/drawing/2014/main" val="1550199476"/>
-                  </a:ext>
-                </a:extLst>
-              </a:tr>
-            </a:tbl>
-          </a:graphicData>
-        </a:graphic>
-      </p:graphicFrame>
-      <p:sp>
-        <p:nvSpPr>
-          <p:cNvPr id="6" name="Rectangle 5">
-            <a:extLst>
-              <a:ext uri="{FF2B5EF4-FFF2-40B4-BE49-F238E27FC236}">
-                <a16:creationId xmlns:a16="http://schemas.microsoft.com/office/drawing/2014/main" id="{0493134F-B7B0-4042-AA22-B5E6975E41EA}"/>
-              </a:ext>
-            </a:extLst>
-          </p:cNvPr>
-          <p:cNvSpPr/>
-          <p:nvPr/>
-        </p:nvSpPr>
-        <p:spPr>
-          <a:xfrm>
-            <a:off x="6807200" y="3105834"/>
-            <a:ext cx="6096000" cy="646331"/>
-          </a:xfrm>
-          <a:prstGeom prst="rect">
-            <a:avLst/>
-          </a:prstGeom>
-        </p:spPr>
-        <p:txBody>
-          <a:bodyPr>
-            <a:spAutoFit/>
-          </a:bodyPr>
-          <a:lstStyle/>
-          <a:p>
-            <a:r>
-              <a:rPr lang="en-US" dirty="0">
-                <a:hlinkClick r:id="rId2"/>
-              </a:rPr>
-              <a:t>https://www.r-bloggers.com/drawing-beautiful-maps-programmatically-with-r-sf-and-ggplot2-part-2-layers/</a:t>
-            </a:r>
-            <a:endParaRPr lang="en-US" dirty="0"/>
-          </a:p>
-        </p:txBody>
-      </p:sp>
-    </p:spTree>
-    <p:extLst>
-      <p:ext uri="{BB962C8B-B14F-4D97-AF65-F5344CB8AC3E}">
-        <p14:creationId xmlns:p14="http://schemas.microsoft.com/office/powerpoint/2010/main" val="450799333"/>
       </p:ext>
     </p:extLst>
   </p:cSld>
@@ -7739,4 +13589,265 @@
     </a:ext>
   </a:extLst>
 </a:theme>
+</file>
+
+<file path=ppt/theme/theme2.xml><?xml version="1.0" encoding="utf-8"?>
+<a:theme xmlns:a="http://schemas.openxmlformats.org/drawingml/2006/main" name="Office Theme">
+  <a:themeElements>
+    <a:clrScheme name="Office">
+      <a:dk1>
+        <a:sysClr val="windowText" lastClr="000000"/>
+      </a:dk1>
+      <a:lt1>
+        <a:sysClr val="window" lastClr="FFFFFF"/>
+      </a:lt1>
+      <a:dk2>
+        <a:srgbClr val="44546A"/>
+      </a:dk2>
+      <a:lt2>
+        <a:srgbClr val="E7E6E6"/>
+      </a:lt2>
+      <a:accent1>
+        <a:srgbClr val="5B9BD5"/>
+      </a:accent1>
+      <a:accent2>
+        <a:srgbClr val="ED7D31"/>
+      </a:accent2>
+      <a:accent3>
+        <a:srgbClr val="A5A5A5"/>
+      </a:accent3>
+      <a:accent4>
+        <a:srgbClr val="FFC000"/>
+      </a:accent4>
+      <a:accent5>
+        <a:srgbClr val="4472C4"/>
+      </a:accent5>
+      <a:accent6>
+        <a:srgbClr val="70AD47"/>
+      </a:accent6>
+      <a:hlink>
+        <a:srgbClr val="0563C1"/>
+      </a:hlink>
+      <a:folHlink>
+        <a:srgbClr val="954F72"/>
+      </a:folHlink>
+    </a:clrScheme>
+    <a:fontScheme name="Office">
+      <a:majorFont>
+        <a:latin typeface="Calibri Light" panose="020F0302020204030204"/>
+        <a:ea typeface=""/>
+        <a:cs typeface=""/>
+        <a:font script="Jpan" typeface="游ゴシック Light"/>
+        <a:font script="Hang" typeface="맑은 고딕"/>
+        <a:font script="Hans" typeface="等线 Light"/>
+        <a:font script="Hant" typeface="新細明體"/>
+        <a:font script="Arab" typeface="Times New Roman"/>
+        <a:font script="Hebr" typeface="Times New Roman"/>
+        <a:font script="Thai" typeface="Angsana New"/>
+        <a:font script="Ethi" typeface="Nyala"/>
+        <a:font script="Beng" typeface="Vrinda"/>
+        <a:font script="Gujr" typeface="Shruti"/>
+        <a:font script="Khmr" typeface="MoolBoran"/>
+        <a:font script="Knda" typeface="Tunga"/>
+        <a:font script="Guru" typeface="Raavi"/>
+        <a:font script="Cans" typeface="Euphemia"/>
+        <a:font script="Cher" typeface="Plantagenet Cherokee"/>
+        <a:font script="Yiii" typeface="Microsoft Yi Baiti"/>
+        <a:font script="Tibt" typeface="Microsoft Himalaya"/>
+        <a:font script="Thaa" typeface="MV Boli"/>
+        <a:font script="Deva" typeface="Mangal"/>
+        <a:font script="Telu" typeface="Gautami"/>
+        <a:font script="Taml" typeface="Latha"/>
+        <a:font script="Syrc" typeface="Estrangelo Edessa"/>
+        <a:font script="Orya" typeface="Kalinga"/>
+        <a:font script="Mlym" typeface="Kartika"/>
+        <a:font script="Laoo" typeface="DokChampa"/>
+        <a:font script="Sinh" typeface="Iskoola Pota"/>
+        <a:font script="Mong" typeface="Mongolian Baiti"/>
+        <a:font script="Viet" typeface="Times New Roman"/>
+        <a:font script="Uigh" typeface="Microsoft Uighur"/>
+        <a:font script="Geor" typeface="Sylfaen"/>
+      </a:majorFont>
+      <a:minorFont>
+        <a:latin typeface="Calibri" panose="020F0502020204030204"/>
+        <a:ea typeface=""/>
+        <a:cs typeface=""/>
+        <a:font script="Jpan" typeface="游ゴシック"/>
+        <a:font script="Hang" typeface="맑은 고딕"/>
+        <a:font script="Hans" typeface="等线"/>
+        <a:font script="Hant" typeface="新細明體"/>
+        <a:font script="Arab" typeface="Arial"/>
+        <a:font script="Hebr" typeface="Arial"/>
+        <a:font script="Thai" typeface="Cordia New"/>
+        <a:font script="Ethi" typeface="Nyala"/>
+        <a:font script="Beng" typeface="Vrinda"/>
+        <a:font script="Gujr" typeface="Shruti"/>
+        <a:font script="Khmr" typeface="DaunPenh"/>
+        <a:font script="Knda" typeface="Tunga"/>
+        <a:font script="Guru" typeface="Raavi"/>
+        <a:font script="Cans" typeface="Euphemia"/>
+        <a:font script="Cher" typeface="Plantagenet Cherokee"/>
+        <a:font script="Yiii" typeface="Microsoft Yi Baiti"/>
+        <a:font script="Tibt" typeface="Microsoft Himalaya"/>
+        <a:font script="Thaa" typeface="MV Boli"/>
+        <a:font script="Deva" typeface="Mangal"/>
+        <a:font script="Telu" typeface="Gautami"/>
+        <a:font script="Taml" typeface="Latha"/>
+        <a:font script="Syrc" typeface="Estrangelo Edessa"/>
+        <a:font script="Orya" typeface="Kalinga"/>
+        <a:font script="Mlym" typeface="Kartika"/>
+        <a:font script="Laoo" typeface="DokChampa"/>
+        <a:font script="Sinh" typeface="Iskoola Pota"/>
+        <a:font script="Mong" typeface="Mongolian Baiti"/>
+        <a:font script="Viet" typeface="Arial"/>
+        <a:font script="Uigh" typeface="Microsoft Uighur"/>
+        <a:font script="Geor" typeface="Sylfaen"/>
+      </a:minorFont>
+    </a:fontScheme>
+    <a:fmtScheme name="Office">
+      <a:fillStyleLst>
+        <a:solidFill>
+          <a:schemeClr val="phClr"/>
+        </a:solidFill>
+        <a:gradFill rotWithShape="1">
+          <a:gsLst>
+            <a:gs pos="0">
+              <a:schemeClr val="phClr">
+                <a:lumMod val="110000"/>
+                <a:satMod val="105000"/>
+                <a:tint val="67000"/>
+              </a:schemeClr>
+            </a:gs>
+            <a:gs pos="50000">
+              <a:schemeClr val="phClr">
+                <a:lumMod val="105000"/>
+                <a:satMod val="103000"/>
+                <a:tint val="73000"/>
+              </a:schemeClr>
+            </a:gs>
+            <a:gs pos="100000">
+              <a:schemeClr val="phClr">
+                <a:lumMod val="105000"/>
+                <a:satMod val="109000"/>
+                <a:tint val="81000"/>
+              </a:schemeClr>
+            </a:gs>
+          </a:gsLst>
+          <a:lin ang="5400000" scaled="0"/>
+        </a:gradFill>
+        <a:gradFill rotWithShape="1">
+          <a:gsLst>
+            <a:gs pos="0">
+              <a:schemeClr val="phClr">
+                <a:satMod val="103000"/>
+                <a:lumMod val="102000"/>
+                <a:tint val="94000"/>
+              </a:schemeClr>
+            </a:gs>
+            <a:gs pos="50000">
+              <a:schemeClr val="phClr">
+                <a:satMod val="110000"/>
+                <a:lumMod val="100000"/>
+                <a:shade val="100000"/>
+              </a:schemeClr>
+            </a:gs>
+            <a:gs pos="100000">
+              <a:schemeClr val="phClr">
+                <a:lumMod val="99000"/>
+                <a:satMod val="120000"/>
+                <a:shade val="78000"/>
+              </a:schemeClr>
+            </a:gs>
+          </a:gsLst>
+          <a:lin ang="5400000" scaled="0"/>
+        </a:gradFill>
+      </a:fillStyleLst>
+      <a:lnStyleLst>
+        <a:ln w="6350" cap="flat" cmpd="sng" algn="ctr">
+          <a:solidFill>
+            <a:schemeClr val="phClr"/>
+          </a:solidFill>
+          <a:prstDash val="solid"/>
+          <a:miter lim="800000"/>
+        </a:ln>
+        <a:ln w="12700" cap="flat" cmpd="sng" algn="ctr">
+          <a:solidFill>
+            <a:schemeClr val="phClr"/>
+          </a:solidFill>
+          <a:prstDash val="solid"/>
+          <a:miter lim="800000"/>
+        </a:ln>
+        <a:ln w="19050" cap="flat" cmpd="sng" algn="ctr">
+          <a:solidFill>
+            <a:schemeClr val="phClr"/>
+          </a:solidFill>
+          <a:prstDash val="solid"/>
+          <a:miter lim="800000"/>
+        </a:ln>
+      </a:lnStyleLst>
+      <a:effectStyleLst>
+        <a:effectStyle>
+          <a:effectLst/>
+        </a:effectStyle>
+        <a:effectStyle>
+          <a:effectLst/>
+        </a:effectStyle>
+        <a:effectStyle>
+          <a:effectLst>
+            <a:outerShdw blurRad="57150" dist="19050" dir="5400000" algn="ctr" rotWithShape="0">
+              <a:srgbClr val="000000">
+                <a:alpha val="63000"/>
+              </a:srgbClr>
+            </a:outerShdw>
+          </a:effectLst>
+        </a:effectStyle>
+      </a:effectStyleLst>
+      <a:bgFillStyleLst>
+        <a:solidFill>
+          <a:schemeClr val="phClr"/>
+        </a:solidFill>
+        <a:solidFill>
+          <a:schemeClr val="phClr">
+            <a:tint val="95000"/>
+            <a:satMod val="170000"/>
+          </a:schemeClr>
+        </a:solidFill>
+        <a:gradFill rotWithShape="1">
+          <a:gsLst>
+            <a:gs pos="0">
+              <a:schemeClr val="phClr">
+                <a:tint val="93000"/>
+                <a:satMod val="150000"/>
+                <a:shade val="98000"/>
+                <a:lumMod val="102000"/>
+              </a:schemeClr>
+            </a:gs>
+            <a:gs pos="50000">
+              <a:schemeClr val="phClr">
+                <a:tint val="98000"/>
+                <a:satMod val="130000"/>
+                <a:shade val="90000"/>
+                <a:lumMod val="103000"/>
+              </a:schemeClr>
+            </a:gs>
+            <a:gs pos="100000">
+              <a:schemeClr val="phClr">
+                <a:shade val="63000"/>
+                <a:satMod val="120000"/>
+              </a:schemeClr>
+            </a:gs>
+          </a:gsLst>
+          <a:lin ang="5400000" scaled="0"/>
+        </a:gradFill>
+      </a:bgFillStyleLst>
+    </a:fmtScheme>
+  </a:themeElements>
+  <a:objectDefaults/>
+  <a:extraClrSchemeLst/>
+  <a:extLst>
+    <a:ext uri="{05A4C25C-085E-4340-85A3-A5531E510DB2}">
+      <thm15:themeFamily xmlns:thm15="http://schemas.microsoft.com/office/thememl/2012/main" name="Office Theme" id="{62F939B6-93AF-4DB8-9C6B-D6C7DFDC589F}" vid="{4A3C46E8-61CC-4603-A589-7422A47A8E4A}"/>
+    </a:ext>
+  </a:extLst>
+</a:theme>
 </file>
--- a/presentation/data_inventory_figures.pptx
+++ b/presentation/data_inventory_figures.pptx
@@ -124,333 +124,35 @@
 </p:presentation>
 </file>
 
-<file path=ppt/revisionInfo.xml><?xml version="1.0" encoding="utf-8"?>
-<p1510:revInfo xmlns:a="http://schemas.openxmlformats.org/drawingml/2006/main" xmlns:r="http://schemas.openxmlformats.org/officeDocument/2006/relationships" xmlns:p1510="http://schemas.microsoft.com/office/powerpoint/2015/10/main">
-  <p1510:revLst>
-    <p1510:client id="{EEA9412B-3176-4D37-9EAC-DF2FF773A7C5}" v="34" dt="2020-05-08T19:42:57.319"/>
-  </p1510:revLst>
-</p1510:revInfo>
-</file>
-
 <file path=ppt/changesInfos/changesInfo1.xml><?xml version="1.0" encoding="utf-8"?>
 <pc:chgInfo xmlns:a="http://schemas.openxmlformats.org/drawingml/2006/main" xmlns:r="http://schemas.openxmlformats.org/officeDocument/2006/relationships" xmlns:ac="http://schemas.microsoft.com/office/drawing/2013/main/command" xmlns:pc="http://schemas.microsoft.com/office/powerpoint/2013/main/command">
   <pc:docChgLst>
-    <pc:chgData name="Dominick Lemas" userId="5a87caf6b30614cd" providerId="LiveId" clId="{EEA9412B-3176-4D37-9EAC-DF2FF773A7C5}"/>
-    <pc:docChg chg="custSel addSld modSld sldOrd">
-      <pc:chgData name="Dominick Lemas" userId="5a87caf6b30614cd" providerId="LiveId" clId="{EEA9412B-3176-4D37-9EAC-DF2FF773A7C5}" dt="2020-05-08T19:43:35.761" v="2722" actId="20577"/>
+    <pc:chgData name="Ballard,Hailey K" userId="23de628d-c853-4d3b-a32c-f06cb7215a98" providerId="ADAL" clId="{931B25A2-48B8-4348-A640-0986360107E4}"/>
+    <pc:docChg chg="modSld">
+      <pc:chgData name="Ballard,Hailey K" userId="23de628d-c853-4d3b-a32c-f06cb7215a98" providerId="ADAL" clId="{931B25A2-48B8-4348-A640-0986360107E4}" dt="2021-09-29T17:47:22.466" v="125" actId="1076"/>
       <pc:docMkLst>
         <pc:docMk/>
       </pc:docMkLst>
-      <pc:sldChg chg="addSp delSp modSp mod ord">
-        <pc:chgData name="Dominick Lemas" userId="5a87caf6b30614cd" providerId="LiveId" clId="{EEA9412B-3176-4D37-9EAC-DF2FF773A7C5}" dt="2020-05-08T19:34:19.333" v="1842"/>
-        <pc:sldMkLst>
-          <pc:docMk/>
-          <pc:sldMk cId="1112947761" sldId="256"/>
-        </pc:sldMkLst>
-        <pc:spChg chg="add del">
-          <ac:chgData name="Dominick Lemas" userId="5a87caf6b30614cd" providerId="LiveId" clId="{EEA9412B-3176-4D37-9EAC-DF2FF773A7C5}" dt="2020-05-08T18:52:14.925" v="1" actId="478"/>
-          <ac:spMkLst>
-            <pc:docMk/>
-            <pc:sldMk cId="1112947761" sldId="256"/>
-            <ac:spMk id="4" creationId="{9B12373C-E30C-4F76-AC7D-0272BA2845B3}"/>
-          </ac:spMkLst>
-        </pc:spChg>
-        <pc:spChg chg="add mod">
-          <ac:chgData name="Dominick Lemas" userId="5a87caf6b30614cd" providerId="LiveId" clId="{EEA9412B-3176-4D37-9EAC-DF2FF773A7C5}" dt="2020-05-08T19:34:19.333" v="1842"/>
-          <ac:spMkLst>
-            <pc:docMk/>
-            <pc:sldMk cId="1112947761" sldId="256"/>
-            <ac:spMk id="7" creationId="{B87D8751-7941-4330-AE48-FC961BC26B53}"/>
-          </ac:spMkLst>
-        </pc:spChg>
-        <pc:graphicFrameChg chg="add mod modGraphic">
-          <ac:chgData name="Dominick Lemas" userId="5a87caf6b30614cd" providerId="LiveId" clId="{EEA9412B-3176-4D37-9EAC-DF2FF773A7C5}" dt="2020-05-08T18:59:56.880" v="420" actId="1076"/>
-          <ac:graphicFrameMkLst>
-            <pc:docMk/>
-            <pc:sldMk cId="1112947761" sldId="256"/>
-            <ac:graphicFrameMk id="5" creationId="{FEFE7B45-6B60-452A-97A9-EB84E48A19A6}"/>
-          </ac:graphicFrameMkLst>
-        </pc:graphicFrameChg>
-      </pc:sldChg>
-      <pc:sldChg chg="addSp delSp modSp new mod">
-        <pc:chgData name="Dominick Lemas" userId="5a87caf6b30614cd" providerId="LiveId" clId="{EEA9412B-3176-4D37-9EAC-DF2FF773A7C5}" dt="2020-05-08T19:05:27.150" v="743" actId="20577"/>
-        <pc:sldMkLst>
-          <pc:docMk/>
-          <pc:sldMk cId="299227955" sldId="257"/>
-        </pc:sldMkLst>
-        <pc:spChg chg="del">
-          <ac:chgData name="Dominick Lemas" userId="5a87caf6b30614cd" providerId="LiveId" clId="{EEA9412B-3176-4D37-9EAC-DF2FF773A7C5}" dt="2020-05-08T19:00:06.013" v="422" actId="478"/>
-          <ac:spMkLst>
-            <pc:docMk/>
-            <pc:sldMk cId="299227955" sldId="257"/>
-            <ac:spMk id="2" creationId="{615828B8-8602-40FD-9AD1-B2597ACF9EFE}"/>
-          </ac:spMkLst>
-        </pc:spChg>
-        <pc:spChg chg="del">
-          <ac:chgData name="Dominick Lemas" userId="5a87caf6b30614cd" providerId="LiveId" clId="{EEA9412B-3176-4D37-9EAC-DF2FF773A7C5}" dt="2020-05-08T19:00:07.420" v="423" actId="478"/>
-          <ac:spMkLst>
-            <pc:docMk/>
-            <pc:sldMk cId="299227955" sldId="257"/>
-            <ac:spMk id="3" creationId="{85D236B5-6227-43BA-83E4-79171F071B3E}"/>
-          </ac:spMkLst>
-        </pc:spChg>
-        <pc:spChg chg="add del mod">
-          <ac:chgData name="Dominick Lemas" userId="5a87caf6b30614cd" providerId="LiveId" clId="{EEA9412B-3176-4D37-9EAC-DF2FF773A7C5}" dt="2020-05-08T19:00:42.210" v="441"/>
-          <ac:spMkLst>
-            <pc:docMk/>
-            <pc:sldMk cId="299227955" sldId="257"/>
-            <ac:spMk id="4" creationId="{C8A18D8C-971C-4EE5-B9D4-90672E9ECC48}"/>
-          </ac:spMkLst>
-        </pc:spChg>
-        <pc:spChg chg="add mod">
-          <ac:chgData name="Dominick Lemas" userId="5a87caf6b30614cd" providerId="LiveId" clId="{EEA9412B-3176-4D37-9EAC-DF2FF773A7C5}" dt="2020-05-08T19:00:58.893" v="463" actId="20577"/>
-          <ac:spMkLst>
-            <pc:docMk/>
-            <pc:sldMk cId="299227955" sldId="257"/>
-            <ac:spMk id="7" creationId="{47CECAE5-6245-4ECF-AE3A-F83479A2791A}"/>
-          </ac:spMkLst>
-        </pc:spChg>
-        <pc:spChg chg="add mod">
-          <ac:chgData name="Dominick Lemas" userId="5a87caf6b30614cd" providerId="LiveId" clId="{EEA9412B-3176-4D37-9EAC-DF2FF773A7C5}" dt="2020-05-08T19:03:42.088" v="588" actId="14100"/>
-          <ac:spMkLst>
-            <pc:docMk/>
-            <pc:sldMk cId="299227955" sldId="257"/>
-            <ac:spMk id="8" creationId="{28C54EEC-624F-402E-B892-A35705A50A01}"/>
-          </ac:spMkLst>
-        </pc:spChg>
-        <pc:spChg chg="add mod">
-          <ac:chgData name="Dominick Lemas" userId="5a87caf6b30614cd" providerId="LiveId" clId="{EEA9412B-3176-4D37-9EAC-DF2FF773A7C5}" dt="2020-05-08T19:01:59.344" v="476" actId="207"/>
-          <ac:spMkLst>
-            <pc:docMk/>
-            <pc:sldMk cId="299227955" sldId="257"/>
-            <ac:spMk id="9" creationId="{245D1E3E-3AD3-4A1D-B30E-99D4D8618426}"/>
-          </ac:spMkLst>
-        </pc:spChg>
-        <pc:spChg chg="add mod">
-          <ac:chgData name="Dominick Lemas" userId="5a87caf6b30614cd" providerId="LiveId" clId="{EEA9412B-3176-4D37-9EAC-DF2FF773A7C5}" dt="2020-05-08T19:03:45.695" v="589" actId="14100"/>
-          <ac:spMkLst>
-            <pc:docMk/>
-            <pc:sldMk cId="299227955" sldId="257"/>
-            <ac:spMk id="10" creationId="{95F690BE-5336-444A-A84B-92F16E632C63}"/>
-          </ac:spMkLst>
-        </pc:spChg>
-        <pc:spChg chg="add mod">
-          <ac:chgData name="Dominick Lemas" userId="5a87caf6b30614cd" providerId="LiveId" clId="{EEA9412B-3176-4D37-9EAC-DF2FF773A7C5}" dt="2020-05-08T19:02:27.052" v="489" actId="20577"/>
-          <ac:spMkLst>
-            <pc:docMk/>
-            <pc:sldMk cId="299227955" sldId="257"/>
-            <ac:spMk id="13" creationId="{E65DB5F6-DC67-48E0-A5D3-70694FD22FB5}"/>
-          </ac:spMkLst>
-        </pc:spChg>
-        <pc:spChg chg="add mod">
-          <ac:chgData name="Dominick Lemas" userId="5a87caf6b30614cd" providerId="LiveId" clId="{EEA9412B-3176-4D37-9EAC-DF2FF773A7C5}" dt="2020-05-08T19:02:44.047" v="501" actId="14100"/>
-          <ac:spMkLst>
-            <pc:docMk/>
-            <pc:sldMk cId="299227955" sldId="257"/>
-            <ac:spMk id="14" creationId="{43FA60B6-66A6-405A-B484-87AF362B01FE}"/>
-          </ac:spMkLst>
-        </pc:spChg>
-        <pc:spChg chg="add mod">
-          <ac:chgData name="Dominick Lemas" userId="5a87caf6b30614cd" providerId="LiveId" clId="{EEA9412B-3176-4D37-9EAC-DF2FF773A7C5}" dt="2020-05-08T19:03:05.052" v="554" actId="1036"/>
-          <ac:spMkLst>
-            <pc:docMk/>
-            <pc:sldMk cId="299227955" sldId="257"/>
-            <ac:spMk id="15" creationId="{9653434B-FB06-4DA5-A2C2-9149FC953E49}"/>
-          </ac:spMkLst>
-        </pc:spChg>
-        <pc:spChg chg="add mod">
-          <ac:chgData name="Dominick Lemas" userId="5a87caf6b30614cd" providerId="LiveId" clId="{EEA9412B-3176-4D37-9EAC-DF2FF773A7C5}" dt="2020-05-08T19:05:27.150" v="743" actId="20577"/>
-          <ac:spMkLst>
-            <pc:docMk/>
-            <pc:sldMk cId="299227955" sldId="257"/>
-            <ac:spMk id="16" creationId="{9919912D-EED0-41DE-87F1-DF095752B209}"/>
-          </ac:spMkLst>
-        </pc:spChg>
-        <pc:spChg chg="add mod">
-          <ac:chgData name="Dominick Lemas" userId="5a87caf6b30614cd" providerId="LiveId" clId="{EEA9412B-3176-4D37-9EAC-DF2FF773A7C5}" dt="2020-05-08T19:05:09.596" v="732" actId="20577"/>
-          <ac:spMkLst>
-            <pc:docMk/>
-            <pc:sldMk cId="299227955" sldId="257"/>
-            <ac:spMk id="17" creationId="{BB6108BE-6442-4F30-B446-E37540FF8528}"/>
-          </ac:spMkLst>
-        </pc:spChg>
-        <pc:spChg chg="add mod">
-          <ac:chgData name="Dominick Lemas" userId="5a87caf6b30614cd" providerId="LiveId" clId="{EEA9412B-3176-4D37-9EAC-DF2FF773A7C5}" dt="2020-05-08T19:05:21.352" v="734" actId="1076"/>
-          <ac:spMkLst>
-            <pc:docMk/>
-            <pc:sldMk cId="299227955" sldId="257"/>
-            <ac:spMk id="18" creationId="{C28CAB42-34FF-495A-93AA-AB5270EF606C}"/>
-          </ac:spMkLst>
-        </pc:spChg>
-        <pc:cxnChg chg="add mod ord">
-          <ac:chgData name="Dominick Lemas" userId="5a87caf6b30614cd" providerId="LiveId" clId="{EEA9412B-3176-4D37-9EAC-DF2FF773A7C5}" dt="2020-05-08T19:02:56.659" v="542" actId="1036"/>
-          <ac:cxnSpMkLst>
-            <pc:docMk/>
-            <pc:sldMk cId="299227955" sldId="257"/>
-            <ac:cxnSpMk id="6" creationId="{16ECF1B3-796F-4AC9-89DD-BD2E2BA18A28}"/>
-          </ac:cxnSpMkLst>
-        </pc:cxnChg>
-      </pc:sldChg>
-      <pc:sldChg chg="modSp mod ord">
-        <pc:chgData name="Dominick Lemas" userId="5a87caf6b30614cd" providerId="LiveId" clId="{EEA9412B-3176-4D37-9EAC-DF2FF773A7C5}" dt="2020-05-08T19:34:06.604" v="1841" actId="20577"/>
-        <pc:sldMkLst>
-          <pc:docMk/>
-          <pc:sldMk cId="2764489915" sldId="258"/>
-        </pc:sldMkLst>
-        <pc:spChg chg="mod">
-          <ac:chgData name="Dominick Lemas" userId="5a87caf6b30614cd" providerId="LiveId" clId="{EEA9412B-3176-4D37-9EAC-DF2FF773A7C5}" dt="2020-05-08T19:34:06.604" v="1841" actId="20577"/>
-          <ac:spMkLst>
-            <pc:docMk/>
-            <pc:sldMk cId="2764489915" sldId="258"/>
-            <ac:spMk id="7" creationId="{B87D8751-7941-4330-AE48-FC961BC26B53}"/>
-          </ac:spMkLst>
-        </pc:spChg>
-      </pc:sldChg>
       <pc:sldChg chg="modSp mod">
-        <pc:chgData name="Dominick Lemas" userId="5a87caf6b30614cd" providerId="LiveId" clId="{EEA9412B-3176-4D37-9EAC-DF2FF773A7C5}" dt="2020-05-08T19:34:24.229" v="1843"/>
+        <pc:chgData name="Ballard,Hailey K" userId="23de628d-c853-4d3b-a32c-f06cb7215a98" providerId="ADAL" clId="{931B25A2-48B8-4348-A640-0986360107E4}" dt="2021-09-29T17:47:22.466" v="125" actId="1076"/>
         <pc:sldMkLst>
           <pc:docMk/>
           <pc:sldMk cId="3556988360" sldId="259"/>
         </pc:sldMkLst>
         <pc:spChg chg="mod">
-          <ac:chgData name="Dominick Lemas" userId="5a87caf6b30614cd" providerId="LiveId" clId="{EEA9412B-3176-4D37-9EAC-DF2FF773A7C5}" dt="2020-05-08T19:34:24.229" v="1843"/>
+          <ac:chgData name="Ballard,Hailey K" userId="23de628d-c853-4d3b-a32c-f06cb7215a98" providerId="ADAL" clId="{931B25A2-48B8-4348-A640-0986360107E4}" dt="2021-09-29T17:47:22.466" v="125" actId="1076"/>
           <ac:spMkLst>
             <pc:docMk/>
             <pc:sldMk cId="3556988360" sldId="259"/>
             <ac:spMk id="7" creationId="{B87D8751-7941-4330-AE48-FC961BC26B53}"/>
           </ac:spMkLst>
         </pc:spChg>
-      </pc:sldChg>
-      <pc:sldChg chg="addSp delSp modSp new mod">
-        <pc:chgData name="Dominick Lemas" userId="5a87caf6b30614cd" providerId="LiveId" clId="{EEA9412B-3176-4D37-9EAC-DF2FF773A7C5}" dt="2020-05-08T19:33:40.316" v="1821" actId="1582"/>
-        <pc:sldMkLst>
-          <pc:docMk/>
-          <pc:sldMk cId="3548851200" sldId="260"/>
-        </pc:sldMkLst>
-        <pc:spChg chg="del">
-          <ac:chgData name="Dominick Lemas" userId="5a87caf6b30614cd" providerId="LiveId" clId="{EEA9412B-3176-4D37-9EAC-DF2FF773A7C5}" dt="2020-05-08T19:06:38.045" v="789" actId="478"/>
-          <ac:spMkLst>
-            <pc:docMk/>
-            <pc:sldMk cId="3548851200" sldId="260"/>
-            <ac:spMk id="2" creationId="{D246845D-8186-47B7-844F-C549A5BC8B42}"/>
-          </ac:spMkLst>
-        </pc:spChg>
-        <pc:spChg chg="del">
-          <ac:chgData name="Dominick Lemas" userId="5a87caf6b30614cd" providerId="LiveId" clId="{EEA9412B-3176-4D37-9EAC-DF2FF773A7C5}" dt="2020-05-08T19:06:41.116" v="790" actId="478"/>
-          <ac:spMkLst>
-            <pc:docMk/>
-            <pc:sldMk cId="3548851200" sldId="260"/>
-            <ac:spMk id="3" creationId="{880A016E-01C8-4086-924F-C5FAF8999812}"/>
-          </ac:spMkLst>
-        </pc:spChg>
-        <pc:spChg chg="add mod">
-          <ac:chgData name="Dominick Lemas" userId="5a87caf6b30614cd" providerId="LiveId" clId="{EEA9412B-3176-4D37-9EAC-DF2FF773A7C5}" dt="2020-05-08T19:28:22.488" v="1067" actId="1076"/>
-          <ac:spMkLst>
-            <pc:docMk/>
-            <pc:sldMk cId="3548851200" sldId="260"/>
-            <ac:spMk id="4" creationId="{3DE5139B-CCFC-4079-A4C6-D8405D12CDDD}"/>
-          </ac:spMkLst>
-        </pc:spChg>
-        <pc:spChg chg="add mod">
-          <ac:chgData name="Dominick Lemas" userId="5a87caf6b30614cd" providerId="LiveId" clId="{EEA9412B-3176-4D37-9EAC-DF2FF773A7C5}" dt="2020-05-08T19:31:33.574" v="1473" actId="207"/>
-          <ac:spMkLst>
-            <pc:docMk/>
-            <pc:sldMk cId="3548851200" sldId="260"/>
-            <ac:spMk id="5" creationId="{1D1F6A55-A0C2-48A5-98D1-CDADE70B3558}"/>
-          </ac:spMkLst>
-        </pc:spChg>
-        <pc:spChg chg="add mod">
-          <ac:chgData name="Dominick Lemas" userId="5a87caf6b30614cd" providerId="LiveId" clId="{EEA9412B-3176-4D37-9EAC-DF2FF773A7C5}" dt="2020-05-08T19:29:02.987" v="1137" actId="122"/>
-          <ac:spMkLst>
-            <pc:docMk/>
-            <pc:sldMk cId="3548851200" sldId="260"/>
-            <ac:spMk id="6" creationId="{45B5F367-3A53-42C9-A93F-4931DC988199}"/>
-          </ac:spMkLst>
-        </pc:spChg>
-        <pc:spChg chg="add mod">
-          <ac:chgData name="Dominick Lemas" userId="5a87caf6b30614cd" providerId="LiveId" clId="{EEA9412B-3176-4D37-9EAC-DF2FF773A7C5}" dt="2020-05-08T19:33:23.436" v="1819" actId="115"/>
-          <ac:spMkLst>
-            <pc:docMk/>
-            <pc:sldMk cId="3548851200" sldId="260"/>
-            <ac:spMk id="7" creationId="{67629D44-55F4-4A08-A68B-3F040B1412EF}"/>
-          </ac:spMkLst>
-        </pc:spChg>
-        <pc:spChg chg="add mod">
-          <ac:chgData name="Dominick Lemas" userId="5a87caf6b30614cd" providerId="LiveId" clId="{EEA9412B-3176-4D37-9EAC-DF2FF773A7C5}" dt="2020-05-08T19:33:20.595" v="1818" actId="115"/>
-          <ac:spMkLst>
-            <pc:docMk/>
-            <pc:sldMk cId="3548851200" sldId="260"/>
-            <ac:spMk id="8" creationId="{5A8F99FA-85B7-48EC-AC75-3AE547785101}"/>
-          </ac:spMkLst>
-        </pc:spChg>
-        <pc:cxnChg chg="add mod">
-          <ac:chgData name="Dominick Lemas" userId="5a87caf6b30614cd" providerId="LiveId" clId="{EEA9412B-3176-4D37-9EAC-DF2FF773A7C5}" dt="2020-05-08T19:33:40.316" v="1821" actId="1582"/>
-          <ac:cxnSpMkLst>
-            <pc:docMk/>
-            <pc:sldMk cId="3548851200" sldId="260"/>
-            <ac:cxnSpMk id="10" creationId="{E115A471-F44B-448E-9213-6F7D7E52BCF6}"/>
-          </ac:cxnSpMkLst>
-        </pc:cxnChg>
-      </pc:sldChg>
-      <pc:sldChg chg="modSp new mod">
-        <pc:chgData name="Dominick Lemas" userId="5a87caf6b30614cd" providerId="LiveId" clId="{EEA9412B-3176-4D37-9EAC-DF2FF773A7C5}" dt="2020-05-08T19:35:48.911" v="2220" actId="20577"/>
-        <pc:sldMkLst>
-          <pc:docMk/>
-          <pc:sldMk cId="3801195063" sldId="261"/>
-        </pc:sldMkLst>
-        <pc:spChg chg="mod">
-          <ac:chgData name="Dominick Lemas" userId="5a87caf6b30614cd" providerId="LiveId" clId="{EEA9412B-3176-4D37-9EAC-DF2FF773A7C5}" dt="2020-05-08T19:34:37.870" v="1858" actId="20577"/>
-          <ac:spMkLst>
-            <pc:docMk/>
-            <pc:sldMk cId="3801195063" sldId="261"/>
-            <ac:spMk id="2" creationId="{AC4295F5-96B0-4534-A7C1-DF9F2728E176}"/>
-          </ac:spMkLst>
-        </pc:spChg>
-        <pc:spChg chg="mod">
-          <ac:chgData name="Dominick Lemas" userId="5a87caf6b30614cd" providerId="LiveId" clId="{EEA9412B-3176-4D37-9EAC-DF2FF773A7C5}" dt="2020-05-08T19:35:48.911" v="2220" actId="20577"/>
-          <ac:spMkLst>
-            <pc:docMk/>
-            <pc:sldMk cId="3801195063" sldId="261"/>
-            <ac:spMk id="3" creationId="{DC95A75C-26C0-4E12-9511-7AC606F04AEA}"/>
-          </ac:spMkLst>
-        </pc:spChg>
-      </pc:sldChg>
-      <pc:sldChg chg="addSp modSp mod">
-        <pc:chgData name="Dominick Lemas" userId="5a87caf6b30614cd" providerId="LiveId" clId="{EEA9412B-3176-4D37-9EAC-DF2FF773A7C5}" dt="2020-05-08T19:43:35.761" v="2722" actId="20577"/>
-        <pc:sldMkLst>
-          <pc:docMk/>
-          <pc:sldMk cId="450799333" sldId="262"/>
-        </pc:sldMkLst>
-        <pc:spChg chg="mod">
-          <ac:chgData name="Dominick Lemas" userId="5a87caf6b30614cd" providerId="LiveId" clId="{EEA9412B-3176-4D37-9EAC-DF2FF773A7C5}" dt="2020-05-08T19:39:14.263" v="2678" actId="1076"/>
-          <ac:spMkLst>
-            <pc:docMk/>
-            <pc:sldMk cId="450799333" sldId="262"/>
-            <ac:spMk id="2" creationId="{AC4295F5-96B0-4534-A7C1-DF9F2728E176}"/>
-          </ac:spMkLst>
-        </pc:spChg>
-        <pc:spChg chg="mod">
-          <ac:chgData name="Dominick Lemas" userId="5a87caf6b30614cd" providerId="LiveId" clId="{EEA9412B-3176-4D37-9EAC-DF2FF773A7C5}" dt="2020-05-08T19:40:02.062" v="2706" actId="20577"/>
-          <ac:spMkLst>
-            <pc:docMk/>
-            <pc:sldMk cId="450799333" sldId="262"/>
-            <ac:spMk id="3" creationId="{DC95A75C-26C0-4E12-9511-7AC606F04AEA}"/>
-          </ac:spMkLst>
-        </pc:spChg>
-        <pc:spChg chg="add mod">
-          <ac:chgData name="Dominick Lemas" userId="5a87caf6b30614cd" providerId="LiveId" clId="{EEA9412B-3176-4D37-9EAC-DF2FF773A7C5}" dt="2020-05-08T19:43:35.761" v="2722" actId="20577"/>
-          <ac:spMkLst>
-            <pc:docMk/>
-            <pc:sldMk cId="450799333" sldId="262"/>
-            <ac:spMk id="6" creationId="{0493134F-B7B0-4042-AA22-B5E6975E41EA}"/>
-          </ac:spMkLst>
-        </pc:spChg>
-        <pc:graphicFrameChg chg="add mod modGraphic">
-          <ac:chgData name="Dominick Lemas" userId="5a87caf6b30614cd" providerId="LiveId" clId="{EEA9412B-3176-4D37-9EAC-DF2FF773A7C5}" dt="2020-05-08T19:39:19.358" v="2680" actId="1076"/>
+        <pc:graphicFrameChg chg="mod modGraphic">
+          <ac:chgData name="Ballard,Hailey K" userId="23de628d-c853-4d3b-a32c-f06cb7215a98" providerId="ADAL" clId="{931B25A2-48B8-4348-A640-0986360107E4}" dt="2021-09-29T17:47:20.221" v="124" actId="1076"/>
           <ac:graphicFrameMkLst>
             <pc:docMk/>
-            <pc:sldMk cId="450799333" sldId="262"/>
-            <ac:graphicFrameMk id="4" creationId="{A93E0570-D1FA-4DD1-B3BD-2B7CFB871850}"/>
+            <pc:sldMk cId="3556988360" sldId="259"/>
+            <ac:graphicFrameMk id="5" creationId="{FEFE7B45-6B60-452A-97A9-EB84E48A19A6}"/>
           </ac:graphicFrameMkLst>
         </pc:graphicFrameChg>
       </pc:sldChg>
@@ -541,7 +243,7 @@
           <a:p>
             <a:fld id="{FC26F78C-B1A4-47C1-AFCC-B1D60184EAD7}" type="datetimeFigureOut">
               <a:rPr lang="en-US" smtClean="0"/>
-              <a:t>9/27/2021</a:t>
+              <a:t>9/29/2021</a:t>
             </a:fld>
             <a:endParaRPr lang="en-US"/>
           </a:p>
@@ -605,38 +307,37 @@
           <a:p>
             <a:pPr lvl="0"/>
             <a:r>
-              <a:rPr lang="en-US" smtClean="0"/>
+              <a:rPr lang="en-US"/>
               <a:t>Edit Master text styles</a:t>
             </a:r>
           </a:p>
           <a:p>
             <a:pPr lvl="1"/>
             <a:r>
-              <a:rPr lang="en-US" smtClean="0"/>
+              <a:rPr lang="en-US"/>
               <a:t>Second level</a:t>
             </a:r>
           </a:p>
           <a:p>
             <a:pPr lvl="2"/>
             <a:r>
-              <a:rPr lang="en-US" smtClean="0"/>
+              <a:rPr lang="en-US"/>
               <a:t>Third level</a:t>
             </a:r>
           </a:p>
           <a:p>
             <a:pPr lvl="3"/>
             <a:r>
-              <a:rPr lang="en-US" smtClean="0"/>
+              <a:rPr lang="en-US"/>
               <a:t>Fourth level</a:t>
             </a:r>
           </a:p>
           <a:p>
             <a:pPr lvl="4"/>
             <a:r>
-              <a:rPr lang="en-US" smtClean="0"/>
+              <a:rPr lang="en-US"/>
               <a:t>Fifth level</a:t>
             </a:r>
-            <a:endParaRPr lang="en-US"/>
           </a:p>
         </p:txBody>
       </p:sp>
@@ -1040,7 +741,7 @@
           <a:p>
             <a:fld id="{D42A5135-48D3-4D79-94BD-3DE4D0D8DD73}" type="datetimeFigureOut">
               <a:rPr lang="en-US" smtClean="0"/>
-              <a:t>9/27/2021</a:t>
+              <a:t>9/29/2021</a:t>
             </a:fld>
             <a:endParaRPr lang="en-US"/>
           </a:p>
@@ -1238,7 +939,7 @@
           <a:p>
             <a:fld id="{D42A5135-48D3-4D79-94BD-3DE4D0D8DD73}" type="datetimeFigureOut">
               <a:rPr lang="en-US" smtClean="0"/>
-              <a:t>9/27/2021</a:t>
+              <a:t>9/29/2021</a:t>
             </a:fld>
             <a:endParaRPr lang="en-US"/>
           </a:p>
@@ -1446,7 +1147,7 @@
           <a:p>
             <a:fld id="{D42A5135-48D3-4D79-94BD-3DE4D0D8DD73}" type="datetimeFigureOut">
               <a:rPr lang="en-US" smtClean="0"/>
-              <a:t>9/27/2021</a:t>
+              <a:t>9/29/2021</a:t>
             </a:fld>
             <a:endParaRPr lang="en-US"/>
           </a:p>
@@ -1644,7 +1345,7 @@
           <a:p>
             <a:fld id="{D42A5135-48D3-4D79-94BD-3DE4D0D8DD73}" type="datetimeFigureOut">
               <a:rPr lang="en-US" smtClean="0"/>
-              <a:t>9/27/2021</a:t>
+              <a:t>9/29/2021</a:t>
             </a:fld>
             <a:endParaRPr lang="en-US"/>
           </a:p>
@@ -1919,7 +1620,7 @@
           <a:p>
             <a:fld id="{D42A5135-48D3-4D79-94BD-3DE4D0D8DD73}" type="datetimeFigureOut">
               <a:rPr lang="en-US" smtClean="0"/>
-              <a:t>9/27/2021</a:t>
+              <a:t>9/29/2021</a:t>
             </a:fld>
             <a:endParaRPr lang="en-US"/>
           </a:p>
@@ -2184,7 +1885,7 @@
           <a:p>
             <a:fld id="{D42A5135-48D3-4D79-94BD-3DE4D0D8DD73}" type="datetimeFigureOut">
               <a:rPr lang="en-US" smtClean="0"/>
-              <a:t>9/27/2021</a:t>
+              <a:t>9/29/2021</a:t>
             </a:fld>
             <a:endParaRPr lang="en-US"/>
           </a:p>
@@ -2596,7 +2297,7 @@
           <a:p>
             <a:fld id="{D42A5135-48D3-4D79-94BD-3DE4D0D8DD73}" type="datetimeFigureOut">
               <a:rPr lang="en-US" smtClean="0"/>
-              <a:t>9/27/2021</a:t>
+              <a:t>9/29/2021</a:t>
             </a:fld>
             <a:endParaRPr lang="en-US"/>
           </a:p>
@@ -2737,7 +2438,7 @@
           <a:p>
             <a:fld id="{D42A5135-48D3-4D79-94BD-3DE4D0D8DD73}" type="datetimeFigureOut">
               <a:rPr lang="en-US" smtClean="0"/>
-              <a:t>9/27/2021</a:t>
+              <a:t>9/29/2021</a:t>
             </a:fld>
             <a:endParaRPr lang="en-US"/>
           </a:p>
@@ -2850,7 +2551,7 @@
           <a:p>
             <a:fld id="{D42A5135-48D3-4D79-94BD-3DE4D0D8DD73}" type="datetimeFigureOut">
               <a:rPr lang="en-US" smtClean="0"/>
-              <a:t>9/27/2021</a:t>
+              <a:t>9/29/2021</a:t>
             </a:fld>
             <a:endParaRPr lang="en-US"/>
           </a:p>
@@ -3161,7 +2862,7 @@
           <a:p>
             <a:fld id="{D42A5135-48D3-4D79-94BD-3DE4D0D8DD73}" type="datetimeFigureOut">
               <a:rPr lang="en-US" smtClean="0"/>
-              <a:t>9/27/2021</a:t>
+              <a:t>9/29/2021</a:t>
             </a:fld>
             <a:endParaRPr lang="en-US"/>
           </a:p>
@@ -3449,7 +3150,7 @@
           <a:p>
             <a:fld id="{D42A5135-48D3-4D79-94BD-3DE4D0D8DD73}" type="datetimeFigureOut">
               <a:rPr lang="en-US" smtClean="0"/>
-              <a:t>9/27/2021</a:t>
+              <a:t>9/29/2021</a:t>
             </a:fld>
             <a:endParaRPr lang="en-US"/>
           </a:p>
@@ -3690,7 +3391,7 @@
           <a:p>
             <a:fld id="{D42A5135-48D3-4D79-94BD-3DE4D0D8DD73}" type="datetimeFigureOut">
               <a:rPr lang="en-US" smtClean="0"/>
-              <a:t>9/27/2021</a:t>
+              <a:t>9/29/2021</a:t>
             </a:fld>
             <a:endParaRPr lang="en-US"/>
           </a:p>
@@ -4266,9 +3967,7 @@
           <p:cNvGraphicFramePr>
             <a:graphicFrameLocks noGrp="1"/>
           </p:cNvGraphicFramePr>
-          <p:nvPr>
-            <p:extLst/>
-          </p:nvPr>
+          <p:nvPr/>
         </p:nvGraphicFramePr>
         <p:xfrm>
           <a:off x="381000" y="1219200"/>
@@ -5201,14 +4900,6 @@
   <p:clrMapOvr>
     <a:masterClrMapping/>
   </p:clrMapOvr>
-  <mc:AlternateContent xmlns:mc="http://schemas.openxmlformats.org/markup-compatibility/2006">
-    <mc:Choice xmlns:p14="http://schemas.microsoft.com/office/powerpoint/2010/main" Requires="p14">
-      <p:transition spd="slow" p14:dur="2000"/>
-    </mc:Choice>
-    <mc:Fallback>
-      <p:transition spd="slow"/>
-    </mc:Fallback>
-  </mc:AlternateContent>
 </p:sld>
 </file>
 
@@ -8560,13 +8251,7 @@
               <a:rPr lang="en-US" sz="2000" dirty="0">
                 <a:latin typeface="Arial Black" panose="020B0A04020102020204" pitchFamily="34" charset="0"/>
               </a:rPr>
-              <a:t>UF Health Mom-Baby EHR: Data </a:t>
-            </a:r>
-            <a:r>
-              <a:rPr lang="en-US" sz="2000" dirty="0" smtClean="0">
-                <a:latin typeface="Arial Black" panose="020B0A04020102020204" pitchFamily="34" charset="0"/>
-              </a:rPr>
-              <a:t>Dictionary (09/2021, version 1.0)</a:t>
+              <a:t>UF Health Mom-Baby EHR: Data Dictionary (09/2021, version 1.0)</a:t>
             </a:r>
             <a:endParaRPr lang="en-US" sz="2000" b="1" cap="all" dirty="0">
               <a:solidFill>
@@ -8681,14 +8366,6 @@
   <p:clrMapOvr>
     <a:masterClrMapping/>
   </p:clrMapOvr>
-  <mc:AlternateContent xmlns:mc="http://schemas.openxmlformats.org/markup-compatibility/2006">
-    <mc:Choice xmlns:p14="http://schemas.microsoft.com/office/powerpoint/2010/main" Requires="p14">
-      <p:transition spd="slow" p14:dur="2000"/>
-    </mc:Choice>
-    <mc:Fallback>
-      <p:transition spd="slow"/>
-    </mc:Fallback>
-  </mc:AlternateContent>
 </p:sld>
 </file>
 
@@ -9864,14 +9541,6 @@
   <p:clrMapOvr>
     <a:masterClrMapping/>
   </p:clrMapOvr>
-  <mc:AlternateContent xmlns:mc="http://schemas.openxmlformats.org/markup-compatibility/2006">
-    <mc:Choice xmlns:p14="http://schemas.microsoft.com/office/powerpoint/2010/main" Requires="p14">
-      <p:transition spd="slow" p14:dur="2000"/>
-    </mc:Choice>
-    <mc:Fallback>
-      <p:transition spd="slow"/>
-    </mc:Fallback>
-  </mc:AlternateContent>
 </p:sld>
 </file>
 
@@ -11261,11 +10930,17 @@
           <p:cNvGraphicFramePr>
             <a:graphicFrameLocks noGrp="1"/>
           </p:cNvGraphicFramePr>
-          <p:nvPr/>
+          <p:nvPr>
+            <p:extLst>
+              <p:ext uri="{D42A27DB-BD31-4B8C-83A1-F6EECF244321}">
+                <p14:modId xmlns:p14="http://schemas.microsoft.com/office/powerpoint/2010/main" val="2607981338"/>
+              </p:ext>
+            </p:extLst>
+          </p:nvPr>
         </p:nvGraphicFramePr>
         <p:xfrm>
           <a:off x="874295" y="1014574"/>
-          <a:ext cx="7978274" cy="4038600"/>
+          <a:ext cx="7978274" cy="5039360"/>
         </p:xfrm>
         <a:graphic>
           <a:graphicData uri="http://schemas.openxmlformats.org/drawingml/2006/table">
@@ -11482,6 +11157,16 @@
                       </a:r>
                       <a:endParaRPr lang="en-US" sz="1200" dirty="0"/>
                     </a:p>
+                    <a:p>
+                      <a:pPr marL="285750" indent="-285750">
+                        <a:buFont typeface="Arial" panose="020B0604020202020204" pitchFamily="34" charset="0"/>
+                        <a:buChar char="•"/>
+                      </a:pPr>
+                      <a:r>
+                        <a:rPr lang="en-US" sz="1200" dirty="0"/>
+                        <a:t>BMI</a:t>
+                      </a:r>
+                    </a:p>
                   </a:txBody>
                   <a:tcPr/>
                 </a:tc>
@@ -11682,7 +11367,40 @@
                     <a:bodyPr/>
                     <a:lstStyle/>
                     <a:p>
-                      <a:endParaRPr lang="en-US" sz="1200" dirty="0"/>
+                      <a:pPr marL="171450" indent="-171450">
+                        <a:buFont typeface="Arial" panose="020B0604020202020204" pitchFamily="34" charset="0"/>
+                        <a:buChar char="•"/>
+                      </a:pPr>
+                      <a:r>
+                        <a:rPr lang="en-US" sz="1200" dirty="0"/>
+                        <a:t>IP Antibiotics (date, type, med therapy class, </a:t>
+                      </a:r>
+                      <a:r>
+                        <a:rPr lang="en-US" sz="1200" dirty="0" err="1"/>
+                        <a:t>Rxnrom</a:t>
+                      </a:r>
+                      <a:r>
+                        <a:rPr lang="en-US" sz="1200" dirty="0"/>
+                        <a:t> code)</a:t>
+                      </a:r>
+                    </a:p>
+                    <a:p>
+                      <a:pPr marL="171450" indent="-171450">
+                        <a:buFont typeface="Arial" panose="020B0604020202020204" pitchFamily="34" charset="0"/>
+                        <a:buChar char="•"/>
+                      </a:pPr>
+                      <a:r>
+                        <a:rPr lang="en-US" sz="1200" dirty="0"/>
+                        <a:t>OP antibiotics (date, type, med therapy class, </a:t>
+                      </a:r>
+                      <a:r>
+                        <a:rPr lang="en-US" sz="1200" dirty="0" err="1"/>
+                        <a:t>Rxnrom</a:t>
+                      </a:r>
+                      <a:r>
+                        <a:rPr lang="en-US" sz="1200" dirty="0"/>
+                        <a:t> code)</a:t>
+                      </a:r>
                     </a:p>
                   </a:txBody>
                   <a:tcPr/>
@@ -11950,14 +11668,14 @@
           <p:nvPr>
             <p:extLst>
               <p:ext uri="{D42A27DB-BD31-4B8C-83A1-F6EECF244321}">
-                <p14:modId xmlns:p14="http://schemas.microsoft.com/office/powerpoint/2010/main" val="3330880355"/>
+                <p14:modId xmlns:p14="http://schemas.microsoft.com/office/powerpoint/2010/main" val="4079053232"/>
               </p:ext>
             </p:extLst>
           </p:nvPr>
         </p:nvGraphicFramePr>
         <p:xfrm>
-          <a:off x="874295" y="1014574"/>
-          <a:ext cx="7978274" cy="4038600"/>
+          <a:off x="988155" y="804232"/>
+          <a:ext cx="9365943" cy="5728118"/>
         </p:xfrm>
         <a:graphic>
           <a:graphicData uri="http://schemas.openxmlformats.org/drawingml/2006/table">
@@ -11966,28 +11684,28 @@
                 <a:tableStyleId>{5C22544A-7EE6-4342-B048-85BDC9FD1C3A}</a:tableStyleId>
               </a:tblPr>
               <a:tblGrid>
-                <a:gridCol w="1882274">
+                <a:gridCol w="1981634">
                   <a:extLst>
                     <a:ext uri="{9D8B030D-6E8A-4147-A177-3AD203B41FA5}">
                       <a16:colId xmlns:a16="http://schemas.microsoft.com/office/drawing/2014/main" val="3104375195"/>
                     </a:ext>
                   </a:extLst>
                 </a:gridCol>
-                <a:gridCol w="2184400">
+                <a:gridCol w="3412412">
                   <a:extLst>
                     <a:ext uri="{9D8B030D-6E8A-4147-A177-3AD203B41FA5}">
                       <a16:colId xmlns:a16="http://schemas.microsoft.com/office/drawing/2014/main" val="3449709606"/>
                     </a:ext>
                   </a:extLst>
                 </a:gridCol>
-                <a:gridCol w="1879600">
+                <a:gridCol w="1960810">
                   <a:extLst>
                     <a:ext uri="{9D8B030D-6E8A-4147-A177-3AD203B41FA5}">
                       <a16:colId xmlns:a16="http://schemas.microsoft.com/office/drawing/2014/main" val="1547008946"/>
                     </a:ext>
                   </a:extLst>
                 </a:gridCol>
-                <a:gridCol w="2032000">
+                <a:gridCol w="2011087">
                   <a:extLst>
                     <a:ext uri="{9D8B030D-6E8A-4147-A177-3AD203B41FA5}">
                       <a16:colId xmlns:a16="http://schemas.microsoft.com/office/drawing/2014/main" val="1891596437"/>
@@ -11995,7 +11713,7 @@
                   </a:extLst>
                 </a:gridCol>
               </a:tblGrid>
-              <a:tr h="370840">
+              <a:tr h="407199">
                 <a:tc>
                   <a:txBody>
                     <a:bodyPr/>
@@ -12054,7 +11772,7 @@
                   </a:ext>
                 </a:extLst>
               </a:tr>
-              <a:tr h="370840">
+              <a:tr h="570078">
                 <a:tc>
                   <a:txBody>
                     <a:bodyPr/>
@@ -12062,7 +11780,7 @@
                     <a:p>
                       <a:r>
                         <a:rPr lang="en-US" sz="1200" dirty="0"/>
-                        <a:t>Demographics</a:t>
+                        <a:t>Maternal Demographics</a:t>
                       </a:r>
                     </a:p>
                   </a:txBody>
@@ -12131,7 +11849,7 @@
                   </a:ext>
                 </a:extLst>
               </a:tr>
-              <a:tr h="370840">
+              <a:tr h="570078">
                 <a:tc>
                   <a:txBody>
                     <a:bodyPr/>
@@ -12139,7 +11857,7 @@
                     <a:p>
                       <a:r>
                         <a:rPr lang="en-US" sz="1200" dirty="0"/>
-                        <a:t>Vital Signs</a:t>
+                        <a:t>Infant Demographics</a:t>
                       </a:r>
                     </a:p>
                   </a:txBody>
@@ -12156,7 +11874,7 @@
                       </a:pPr>
                       <a:r>
                         <a:rPr lang="en-US" sz="1200" dirty="0"/>
-                        <a:t>Blood pressure</a:t>
+                        <a:t>Pediatric Gestational Age</a:t>
                       </a:r>
                     </a:p>
                     <a:p>
@@ -12166,13 +11884,18 @@
                       </a:pPr>
                       <a:r>
                         <a:rPr lang="en-US" sz="1200" dirty="0"/>
-                        <a:t>Height/</a:t>
+                        <a:t>Sex</a:t>
                       </a:r>
+                    </a:p>
+                    <a:p>
+                      <a:pPr marL="285750" indent="-285750">
+                        <a:buFont typeface="Arial" panose="020B0604020202020204" pitchFamily="34" charset="0"/>
+                        <a:buChar char="•"/>
+                      </a:pPr>
                       <a:r>
-                        <a:rPr lang="en-US" sz="1200" dirty="0" err="1"/>
-                        <a:t>wt</a:t>
+                        <a:rPr lang="en-US" sz="1200" dirty="0"/>
+                        <a:t>Race/Ethnicity</a:t>
                       </a:r>
-                      <a:endParaRPr lang="en-US" sz="1200" dirty="0"/>
                     </a:p>
                   </a:txBody>
                   <a:tcPr/>
@@ -12191,6 +11914,9 @@
                   <a:txBody>
                     <a:bodyPr/>
                     <a:lstStyle/>
+                    <a:p>
+                      <a:endParaRPr lang="en-US" sz="1200" dirty="0"/>
+                    </a:p>
                     <a:p>
                       <a:endParaRPr lang="en-US" sz="1200" dirty="0"/>
                     </a:p>
@@ -12203,7 +11929,7 @@
                   </a:ext>
                 </a:extLst>
               </a:tr>
-              <a:tr h="370840">
+              <a:tr h="732958">
                 <a:tc>
                   <a:txBody>
                     <a:bodyPr/>
@@ -12211,13 +11937,7 @@
                     <a:p>
                       <a:r>
                         <a:rPr lang="en-US" sz="1200" dirty="0"/>
-                        <a:t>Outpatient encounters</a:t>
-                      </a:r>
-                    </a:p>
-                    <a:p>
-                      <a:r>
-                        <a:rPr lang="en-US" sz="1200" dirty="0"/>
-                        <a:t>ICD9/10 codes </a:t>
+                        <a:t>Maternal Vital Signs</a:t>
                       </a:r>
                     </a:p>
                   </a:txBody>
@@ -12234,7 +11954,7 @@
                       </a:pPr>
                       <a:r>
                         <a:rPr lang="en-US" sz="1200" dirty="0"/>
-                        <a:t>asthma: </a:t>
+                        <a:t>Blood pressure</a:t>
                       </a:r>
                     </a:p>
                     <a:p>
@@ -12244,7 +11964,35 @@
                       </a:pPr>
                       <a:r>
                         <a:rPr lang="en-US" sz="1200" dirty="0"/>
-                        <a:t>Obesity</a:t>
+                        <a:t>Height (in) &amp; height (cm)</a:t>
+                      </a:r>
+                    </a:p>
+                    <a:p>
+                      <a:pPr marL="285750" indent="-285750">
+                        <a:buFont typeface="Arial" panose="020B0604020202020204" pitchFamily="34" charset="0"/>
+                        <a:buChar char="•"/>
+                      </a:pPr>
+                      <a:r>
+                        <a:rPr lang="en-US" sz="1200" dirty="0"/>
+                        <a:t>Weight (kgs) &amp; weight (</a:t>
+                      </a:r>
+                      <a:r>
+                        <a:rPr lang="en-US" sz="1200" dirty="0" err="1"/>
+                        <a:t>lbs</a:t>
+                      </a:r>
+                      <a:r>
+                        <a:rPr lang="en-US" sz="1200" dirty="0"/>
+                        <a:t>)</a:t>
+                      </a:r>
+                    </a:p>
+                    <a:p>
+                      <a:pPr marL="285750" indent="-285750">
+                        <a:buFont typeface="Arial" panose="020B0604020202020204" pitchFamily="34" charset="0"/>
+                        <a:buChar char="•"/>
+                      </a:pPr>
+                      <a:r>
+                        <a:rPr lang="en-US" sz="1200" dirty="0"/>
+                        <a:t>BMI</a:t>
                       </a:r>
                     </a:p>
                   </a:txBody>
@@ -12276,7 +12024,137 @@
                   </a:ext>
                 </a:extLst>
               </a:tr>
-              <a:tr h="370840">
+              <a:tr h="570078">
+                <a:tc>
+                  <a:txBody>
+                    <a:bodyPr/>
+                    <a:lstStyle/>
+                    <a:p>
+                      <a:r>
+                        <a:rPr lang="en-US" sz="1200" dirty="0"/>
+                        <a:t>Infant Vital Signs</a:t>
+                      </a:r>
+                    </a:p>
+                  </a:txBody>
+                  <a:tcPr/>
+                </a:tc>
+                <a:tc>
+                  <a:txBody>
+                    <a:bodyPr/>
+                    <a:lstStyle/>
+                    <a:p>
+                      <a:pPr marL="285750" indent="-285750">
+                        <a:buFont typeface="Arial" panose="020B0604020202020204" pitchFamily="34" charset="0"/>
+                        <a:buChar char="•"/>
+                      </a:pPr>
+                      <a:r>
+                        <a:rPr lang="en-US" sz="1200" dirty="0"/>
+                        <a:t>Birth Weight (g)</a:t>
+                      </a:r>
+                    </a:p>
+                  </a:txBody>
+                  <a:tcPr/>
+                </a:tc>
+                <a:tc>
+                  <a:txBody>
+                    <a:bodyPr/>
+                    <a:lstStyle/>
+                    <a:p>
+                      <a:endParaRPr lang="en-US" sz="1200" dirty="0"/>
+                    </a:p>
+                  </a:txBody>
+                  <a:tcPr/>
+                </a:tc>
+                <a:tc>
+                  <a:txBody>
+                    <a:bodyPr/>
+                    <a:lstStyle/>
+                    <a:p>
+                      <a:endParaRPr lang="en-US" sz="1200" dirty="0"/>
+                    </a:p>
+                  </a:txBody>
+                  <a:tcPr/>
+                </a:tc>
+                <a:extLst>
+                  <a:ext uri="{0D108BD9-81ED-4DB2-BD59-A6C34878D82A}">
+                    <a16:rowId xmlns:a16="http://schemas.microsoft.com/office/drawing/2014/main" val="3589019905"/>
+                  </a:ext>
+                </a:extLst>
+              </a:tr>
+              <a:tr h="407199">
+                <a:tc>
+                  <a:txBody>
+                    <a:bodyPr/>
+                    <a:lstStyle/>
+                    <a:p>
+                      <a:r>
+                        <a:rPr lang="en-US" sz="1200" dirty="0"/>
+                        <a:t>Outpatient encounters</a:t>
+                      </a:r>
+                    </a:p>
+                    <a:p>
+                      <a:r>
+                        <a:rPr lang="en-US" sz="1200" dirty="0"/>
+                        <a:t>ICD9/10 codes </a:t>
+                      </a:r>
+                    </a:p>
+                  </a:txBody>
+                  <a:tcPr/>
+                </a:tc>
+                <a:tc>
+                  <a:txBody>
+                    <a:bodyPr/>
+                    <a:lstStyle/>
+                    <a:p>
+                      <a:pPr marL="285750" indent="-285750">
+                        <a:buFont typeface="Arial" panose="020B0604020202020204" pitchFamily="34" charset="0"/>
+                        <a:buChar char="•"/>
+                      </a:pPr>
+                      <a:r>
+                        <a:rPr lang="en-US" sz="1200" dirty="0"/>
+                        <a:t>asthma: </a:t>
+                      </a:r>
+                    </a:p>
+                    <a:p>
+                      <a:pPr marL="285750" indent="-285750">
+                        <a:buFont typeface="Arial" panose="020B0604020202020204" pitchFamily="34" charset="0"/>
+                        <a:buChar char="•"/>
+                      </a:pPr>
+                      <a:r>
+                        <a:rPr lang="en-US" sz="1200" dirty="0"/>
+                        <a:t>Obesity</a:t>
+                      </a:r>
+                    </a:p>
+                  </a:txBody>
+                  <a:tcPr/>
+                </a:tc>
+                <a:tc>
+                  <a:txBody>
+                    <a:bodyPr/>
+                    <a:lstStyle/>
+                    <a:p>
+                      <a:endParaRPr lang="en-US" sz="1200" dirty="0"/>
+                    </a:p>
+                  </a:txBody>
+                  <a:tcPr/>
+                </a:tc>
+                <a:tc>
+                  <a:txBody>
+                    <a:bodyPr/>
+                    <a:lstStyle/>
+                    <a:p>
+                      <a:endParaRPr lang="en-US" sz="1200" dirty="0"/>
+                    </a:p>
+                  </a:txBody>
+                  <a:tcPr/>
+                </a:tc>
+                <a:extLst>
+                  <a:ext uri="{0D108BD9-81ED-4DB2-BD59-A6C34878D82A}">
+                    <a16:rowId xmlns:a16="http://schemas.microsoft.com/office/drawing/2014/main" val="1066536024"/>
+                  </a:ext>
+                </a:extLst>
+              </a:tr>
+              <a:tr h="407199">
                 <a:tc>
                   <a:txBody>
                     <a:bodyPr/>
@@ -12323,112 +12201,6 @@
                         <a:t>ICD9/10 codes</a:t>
                       </a:r>
                     </a:p>
-                    <a:p>
-                      <a:endParaRPr lang="en-US" sz="1200" dirty="0"/>
-                    </a:p>
-                  </a:txBody>
-                  <a:tcPr/>
-                </a:tc>
-                <a:tc>
-                  <a:txBody>
-                    <a:bodyPr/>
-                    <a:lstStyle/>
-                    <a:p>
-                      <a:endParaRPr lang="en-US" sz="1200" dirty="0"/>
-                    </a:p>
-                  </a:txBody>
-                  <a:tcPr/>
-                </a:tc>
-                <a:tc>
-                  <a:txBody>
-                    <a:bodyPr/>
-                    <a:lstStyle/>
-                    <a:p>
-                      <a:endParaRPr lang="en-US" sz="1200" dirty="0"/>
-                    </a:p>
-                  </a:txBody>
-                  <a:tcPr/>
-                </a:tc>
-                <a:extLst>
-                  <a:ext uri="{0D108BD9-81ED-4DB2-BD59-A6C34878D82A}">
-                    <a16:rowId xmlns:a16="http://schemas.microsoft.com/office/drawing/2014/main" val="3589019905"/>
-                  </a:ext>
-                </a:extLst>
-              </a:tr>
-              <a:tr h="370840">
-                <a:tc>
-                  <a:txBody>
-                    <a:bodyPr/>
-                    <a:lstStyle/>
-                    <a:p>
-                      <a:r>
-                        <a:rPr lang="en-US" sz="1200" dirty="0"/>
-                        <a:t>Medication</a:t>
-                      </a:r>
-                    </a:p>
-                  </a:txBody>
-                  <a:tcPr/>
-                </a:tc>
-                <a:tc>
-                  <a:txBody>
-                    <a:bodyPr/>
-                    <a:lstStyle/>
-                    <a:p>
-                      <a:endParaRPr lang="en-US" sz="1200" dirty="0"/>
-                    </a:p>
-                  </a:txBody>
-                  <a:tcPr/>
-                </a:tc>
-                <a:tc>
-                  <a:txBody>
-                    <a:bodyPr/>
-                    <a:lstStyle/>
-                    <a:p>
-                      <a:endParaRPr lang="en-US" sz="1200" dirty="0"/>
-                    </a:p>
-                  </a:txBody>
-                  <a:tcPr/>
-                </a:tc>
-                <a:tc>
-                  <a:txBody>
-                    <a:bodyPr/>
-                    <a:lstStyle/>
-                    <a:p>
-                      <a:endParaRPr lang="en-US" sz="1200" dirty="0"/>
-                    </a:p>
-                  </a:txBody>
-                  <a:tcPr/>
-                </a:tc>
-                <a:extLst>
-                  <a:ext uri="{0D108BD9-81ED-4DB2-BD59-A6C34878D82A}">
-                    <a16:rowId xmlns:a16="http://schemas.microsoft.com/office/drawing/2014/main" val="1066536024"/>
-                  </a:ext>
-                </a:extLst>
-              </a:tr>
-              <a:tr h="370840">
-                <a:tc>
-                  <a:txBody>
-                    <a:bodyPr/>
-                    <a:lstStyle/>
-                    <a:p>
-                      <a:r>
-                        <a:rPr lang="en-US" sz="1200" dirty="0"/>
-                        <a:t>Problem List</a:t>
-                      </a:r>
-                    </a:p>
-                  </a:txBody>
-                  <a:tcPr/>
-                </a:tc>
-                <a:tc>
-                  <a:txBody>
-                    <a:bodyPr/>
-                    <a:lstStyle/>
-                    <a:p>
-                      <a:r>
-                        <a:rPr lang="en-US" sz="1200" dirty="0"/>
-                        <a:t>ICD9/10: depression, CVD, cancer</a:t>
-                      </a:r>
-                    </a:p>
                   </a:txBody>
                   <a:tcPr/>
                 </a:tc>
@@ -12458,7 +12230,7 @@
                   </a:ext>
                 </a:extLst>
               </a:tr>
-              <a:tr h="370840">
+              <a:tr h="895837">
                 <a:tc>
                   <a:txBody>
                     <a:bodyPr/>
@@ -12466,7 +12238,7 @@
                     <a:p>
                       <a:r>
                         <a:rPr lang="en-US" sz="1200" dirty="0"/>
-                        <a:t>Free Text</a:t>
+                        <a:t>Medication</a:t>
                       </a:r>
                     </a:p>
                   </a:txBody>
@@ -12477,9 +12249,52 @@
                     <a:bodyPr/>
                     <a:lstStyle/>
                     <a:p>
+                      <a:pPr marL="171450" indent="-171450">
+                        <a:buFont typeface="Arial" panose="020B0604020202020204" pitchFamily="34" charset="0"/>
+                        <a:buChar char="•"/>
+                      </a:pPr>
                       <a:r>
                         <a:rPr lang="en-US" sz="1200" dirty="0"/>
-                        <a:t>Clinical Notes</a:t>
+                        <a:t>IP Antibiotics (date, type, med therapy class, </a:t>
+                      </a:r>
+                      <a:r>
+                        <a:rPr lang="en-US" sz="1200" dirty="0" err="1"/>
+                        <a:t>Rxnrom</a:t>
+                      </a:r>
+                      <a:r>
+                        <a:rPr lang="en-US" sz="1200" dirty="0"/>
+                        <a:t> code)</a:t>
+                      </a:r>
+                    </a:p>
+                    <a:p>
+                      <a:pPr marL="171450" marR="0" lvl="0" indent="-171450" algn="l" defTabSz="914400" rtl="0" eaLnBrk="1" fontAlgn="auto" latinLnBrk="0" hangingPunct="1">
+                        <a:lnSpc>
+                          <a:spcPct val="100000"/>
+                        </a:lnSpc>
+                        <a:spcBef>
+                          <a:spcPts val="0"/>
+                        </a:spcBef>
+                        <a:spcAft>
+                          <a:spcPts val="0"/>
+                        </a:spcAft>
+                        <a:buClrTx/>
+                        <a:buSzTx/>
+                        <a:buFont typeface="Arial" panose="020B0604020202020204" pitchFamily="34" charset="0"/>
+                        <a:buChar char="•"/>
+                        <a:tabLst/>
+                        <a:defRPr/>
+                      </a:pPr>
+                      <a:r>
+                        <a:rPr lang="en-US" sz="1200" dirty="0"/>
+                        <a:t>OP Antibiotics (date, type, med therapy class, </a:t>
+                      </a:r>
+                      <a:r>
+                        <a:rPr lang="en-US" sz="1200" dirty="0" err="1"/>
+                        <a:t>Rxnrom</a:t>
+                      </a:r>
+                      <a:r>
+                        <a:rPr lang="en-US" sz="1200" dirty="0"/>
+                        <a:t> code)</a:t>
                       </a:r>
                     </a:p>
                   </a:txBody>
@@ -12511,13 +12326,16 @@
                   </a:ext>
                 </a:extLst>
               </a:tr>
-              <a:tr h="370840">
+              <a:tr h="330283">
                 <a:tc>
                   <a:txBody>
                     <a:bodyPr/>
                     <a:lstStyle/>
                     <a:p>
-                      <a:endParaRPr lang="en-US" sz="1200" dirty="0"/>
+                      <a:r>
+                        <a:rPr lang="en-US" sz="1200" dirty="0"/>
+                        <a:t>Problem List</a:t>
+                      </a:r>
                     </a:p>
                   </a:txBody>
                   <a:tcPr/>
@@ -12527,7 +12345,10 @@
                     <a:bodyPr/>
                     <a:lstStyle/>
                     <a:p>
-                      <a:endParaRPr lang="en-US" sz="1200" dirty="0"/>
+                      <a:r>
+                        <a:rPr lang="en-US" sz="1200" dirty="0"/>
+                        <a:t>ICD9/10: depression, CVD, cancer</a:t>
+                      </a:r>
                     </a:p>
                   </a:txBody>
                   <a:tcPr/>
@@ -12555,6 +12376,73 @@
                 <a:extLst>
                   <a:ext uri="{0D108BD9-81ED-4DB2-BD59-A6C34878D82A}">
                     <a16:rowId xmlns:a16="http://schemas.microsoft.com/office/drawing/2014/main" val="706808565"/>
+                  </a:ext>
+                </a:extLst>
+              </a:tr>
+              <a:tr h="407199">
+                <a:tc>
+                  <a:txBody>
+                    <a:bodyPr/>
+                    <a:lstStyle/>
+                    <a:p>
+                      <a:r>
+                        <a:rPr lang="en-US" sz="1200" dirty="0"/>
+                        <a:t>Delivery Details</a:t>
+                      </a:r>
+                    </a:p>
+                  </a:txBody>
+                  <a:tcPr/>
+                </a:tc>
+                <a:tc>
+                  <a:txBody>
+                    <a:bodyPr/>
+                    <a:lstStyle/>
+                    <a:p>
+                      <a:pPr marL="171450" indent="-171450">
+                        <a:buFont typeface="Arial" panose="020B0604020202020204" pitchFamily="34" charset="0"/>
+                        <a:buChar char="•"/>
+                      </a:pPr>
+                      <a:r>
+                        <a:rPr lang="en-US" sz="1200" dirty="0"/>
+                        <a:t>Pediatric Delivery Type </a:t>
+                      </a:r>
+                    </a:p>
+                    <a:p>
+                      <a:pPr marL="171450" indent="-171450">
+                        <a:buFont typeface="Arial" panose="020B0604020202020204" pitchFamily="34" charset="0"/>
+                        <a:buChar char="•"/>
+                      </a:pPr>
+                      <a:r>
+                        <a:rPr lang="en-US" sz="1200" dirty="0"/>
+                        <a:t>Admit Date</a:t>
+                      </a:r>
+                    </a:p>
+                  </a:txBody>
+                  <a:tcPr/>
+                </a:tc>
+                <a:tc>
+                  <a:txBody>
+                    <a:bodyPr/>
+                    <a:lstStyle/>
+                    <a:p>
+                      <a:endParaRPr lang="en-US" sz="1200" dirty="0"/>
+                    </a:p>
+                  </a:txBody>
+                  <a:tcPr/>
+                </a:tc>
+                <a:tc>
+                  <a:txBody>
+                    <a:bodyPr/>
+                    <a:lstStyle/>
+                    <a:p>
+                      <a:endParaRPr lang="en-US" sz="1200" dirty="0"/>
+                    </a:p>
+                  </a:txBody>
+                  <a:tcPr/>
+                </a:tc>
+                <a:extLst>
+                  <a:ext uri="{0D108BD9-81ED-4DB2-BD59-A6C34878D82A}">
+                    <a16:rowId xmlns:a16="http://schemas.microsoft.com/office/drawing/2014/main" val="1782459231"/>
                   </a:ext>
                 </a:extLst>
               </a:tr>
@@ -12639,11 +12527,17 @@
           <p:cNvGraphicFramePr>
             <a:graphicFrameLocks noGrp="1"/>
           </p:cNvGraphicFramePr>
-          <p:nvPr/>
+          <p:nvPr>
+            <p:extLst>
+              <p:ext uri="{D42A27DB-BD31-4B8C-83A1-F6EECF244321}">
+                <p14:modId xmlns:p14="http://schemas.microsoft.com/office/powerpoint/2010/main" val="3131018874"/>
+              </p:ext>
+            </p:extLst>
+          </p:nvPr>
         </p:nvGraphicFramePr>
         <p:xfrm>
-          <a:off x="874295" y="1014574"/>
-          <a:ext cx="7978274" cy="4038600"/>
+          <a:off x="456670" y="381124"/>
+          <a:ext cx="10984214" cy="6476876"/>
         </p:xfrm>
         <a:graphic>
           <a:graphicData uri="http://schemas.openxmlformats.org/drawingml/2006/table">
@@ -12652,28 +12546,28 @@
                 <a:tableStyleId>{5C22544A-7EE6-4342-B048-85BDC9FD1C3A}</a:tableStyleId>
               </a:tblPr>
               <a:tblGrid>
-                <a:gridCol w="1882274">
+                <a:gridCol w="2591452">
                   <a:extLst>
                     <a:ext uri="{9D8B030D-6E8A-4147-A177-3AD203B41FA5}">
                       <a16:colId xmlns:a16="http://schemas.microsoft.com/office/drawing/2014/main" val="3104375195"/>
                     </a:ext>
                   </a:extLst>
                 </a:gridCol>
-                <a:gridCol w="2184400">
+                <a:gridCol w="3007406">
                   <a:extLst>
                     <a:ext uri="{9D8B030D-6E8A-4147-A177-3AD203B41FA5}">
                       <a16:colId xmlns:a16="http://schemas.microsoft.com/office/drawing/2014/main" val="3449709606"/>
                     </a:ext>
                   </a:extLst>
                 </a:gridCol>
-                <a:gridCol w="1879600">
+                <a:gridCol w="2587768">
                   <a:extLst>
                     <a:ext uri="{9D8B030D-6E8A-4147-A177-3AD203B41FA5}">
                       <a16:colId xmlns:a16="http://schemas.microsoft.com/office/drawing/2014/main" val="1547008946"/>
                     </a:ext>
                   </a:extLst>
                 </a:gridCol>
-                <a:gridCol w="2032000">
+                <a:gridCol w="2797588">
                   <a:extLst>
                     <a:ext uri="{9D8B030D-6E8A-4147-A177-3AD203B41FA5}">
                       <a16:colId xmlns:a16="http://schemas.microsoft.com/office/drawing/2014/main" val="1891596437"/>
@@ -12681,7 +12575,7 @@
                   </a:extLst>
                 </a:gridCol>
               </a:tblGrid>
-              <a:tr h="370840">
+              <a:tr h="284233">
                 <a:tc>
                   <a:txBody>
                     <a:bodyPr/>
@@ -12740,7 +12634,7 @@
                   </a:ext>
                 </a:extLst>
               </a:tr>
-              <a:tr h="370840">
+              <a:tr h="539010">
                 <a:tc>
                   <a:txBody>
                     <a:bodyPr/>
@@ -12817,7 +12711,7 @@
                   </a:ext>
                 </a:extLst>
               </a:tr>
-              <a:tr h="370840">
+              <a:tr h="385007">
                 <a:tc>
                   <a:txBody>
                     <a:bodyPr/>
@@ -12825,7 +12719,7 @@
                     <a:p>
                       <a:r>
                         <a:rPr lang="en-US" sz="1200" dirty="0"/>
-                        <a:t>Vital Signs</a:t>
+                        <a:t>Maternal Vital Signs</a:t>
                       </a:r>
                     </a:p>
                   </a:txBody>
@@ -12889,7 +12783,7 @@
                   </a:ext>
                 </a:extLst>
               </a:tr>
-              <a:tr h="370840">
+              <a:tr h="693013">
                 <a:tc>
                   <a:txBody>
                     <a:bodyPr/>
@@ -12897,13 +12791,7 @@
                     <a:p>
                       <a:r>
                         <a:rPr lang="en-US" sz="1200" dirty="0"/>
-                        <a:t>Outpatient encounters</a:t>
-                      </a:r>
-                    </a:p>
-                    <a:p>
-                      <a:r>
-                        <a:rPr lang="en-US" sz="1200" dirty="0"/>
-                        <a:t>ICD9/10 codes </a:t>
+                        <a:t>Infant Vital Signs</a:t>
                       </a:r>
                     </a:p>
                   </a:txBody>
@@ -12920,7 +12808,7 @@
                       </a:pPr>
                       <a:r>
                         <a:rPr lang="en-US" sz="1200" dirty="0"/>
-                        <a:t>asthma: </a:t>
+                        <a:t>First head circumference</a:t>
                       </a:r>
                     </a:p>
                     <a:p>
@@ -12930,7 +12818,17 @@
                       </a:pPr>
                       <a:r>
                         <a:rPr lang="en-US" sz="1200" dirty="0"/>
-                        <a:t>Obesity</a:t>
+                        <a:t>First height</a:t>
+                      </a:r>
+                    </a:p>
+                    <a:p>
+                      <a:pPr marL="285750" indent="-285750">
+                        <a:buFont typeface="Arial" panose="020B0604020202020204" pitchFamily="34" charset="0"/>
+                        <a:buChar char="•"/>
+                      </a:pPr>
+                      <a:r>
+                        <a:rPr lang="en-US" sz="1200" dirty="0"/>
+                        <a:t>Wellness Visit (Date), Height, Weight, head circumference</a:t>
                       </a:r>
                     </a:p>
                   </a:txBody>
@@ -12962,7 +12860,166 @@
                   </a:ext>
                 </a:extLst>
               </a:tr>
-              <a:tr h="370840">
+              <a:tr h="1617031">
+                <a:tc>
+                  <a:txBody>
+                    <a:bodyPr/>
+                    <a:lstStyle/>
+                    <a:p>
+                      <a:r>
+                        <a:rPr lang="en-US" sz="1200" dirty="0"/>
+                        <a:t>Outpatient encounters</a:t>
+                      </a:r>
+                    </a:p>
+                    <a:p>
+                      <a:r>
+                        <a:rPr lang="en-US" sz="1200" dirty="0"/>
+                        <a:t>ICD9/10 codes </a:t>
+                      </a:r>
+                    </a:p>
+                  </a:txBody>
+                  <a:tcPr/>
+                </a:tc>
+                <a:tc>
+                  <a:txBody>
+                    <a:bodyPr/>
+                    <a:lstStyle/>
+                    <a:p>
+                      <a:pPr marL="285750" indent="-285750">
+                        <a:buFont typeface="Arial" panose="020B0604020202020204" pitchFamily="34" charset="0"/>
+                        <a:buChar char="•"/>
+                      </a:pPr>
+                      <a:r>
+                        <a:rPr lang="en-US" sz="1200" dirty="0"/>
+                        <a:t>asthma</a:t>
+                      </a:r>
+                    </a:p>
+                    <a:p>
+                      <a:pPr marL="285750" indent="-285750">
+                        <a:buFont typeface="Arial" panose="020B0604020202020204" pitchFamily="34" charset="0"/>
+                        <a:buChar char="•"/>
+                      </a:pPr>
+                      <a:r>
+                        <a:rPr lang="en-US" sz="1200" dirty="0"/>
+                        <a:t>Obesity</a:t>
+                      </a:r>
+                    </a:p>
+                    <a:p>
+                      <a:pPr marL="285750" indent="-285750">
+                        <a:buFont typeface="Arial" panose="020B0604020202020204" pitchFamily="34" charset="0"/>
+                        <a:buChar char="•"/>
+                      </a:pPr>
+                      <a:r>
+                        <a:rPr lang="en-US" sz="1200" dirty="0"/>
+                        <a:t>Ear Infection</a:t>
+                      </a:r>
+                    </a:p>
+                    <a:p>
+                      <a:pPr marL="285750" indent="-285750">
+                        <a:buFont typeface="Arial" panose="020B0604020202020204" pitchFamily="34" charset="0"/>
+                        <a:buChar char="•"/>
+                      </a:pPr>
+                      <a:r>
+                        <a:rPr lang="en-US" sz="1200" dirty="0"/>
+                        <a:t>Eczema</a:t>
+                      </a:r>
+                    </a:p>
+                    <a:p>
+                      <a:pPr marL="285750" indent="-285750">
+                        <a:buFont typeface="Arial" panose="020B0604020202020204" pitchFamily="34" charset="0"/>
+                        <a:buChar char="•"/>
+                      </a:pPr>
+                      <a:r>
+                        <a:rPr lang="en-US" sz="1200" dirty="0"/>
+                        <a:t>Food allergy</a:t>
+                      </a:r>
+                    </a:p>
+                    <a:p>
+                      <a:pPr marL="285750" indent="-285750">
+                        <a:buFont typeface="Arial" panose="020B0604020202020204" pitchFamily="34" charset="0"/>
+                        <a:buChar char="•"/>
+                      </a:pPr>
+                      <a:r>
+                        <a:rPr lang="en-US" sz="1200" dirty="0" err="1"/>
+                        <a:t>Hemangonia</a:t>
+                      </a:r>
+                      <a:r>
+                        <a:rPr lang="en-US" sz="1200" dirty="0"/>
+                        <a:t> </a:t>
+                      </a:r>
+                    </a:p>
+                    <a:p>
+                      <a:pPr marL="285750" indent="-285750">
+                        <a:buFont typeface="Arial" panose="020B0604020202020204" pitchFamily="34" charset="0"/>
+                        <a:buChar char="•"/>
+                      </a:pPr>
+                      <a:r>
+                        <a:rPr lang="en-US" sz="1200" dirty="0"/>
+                        <a:t>Nevus</a:t>
+                      </a:r>
+                    </a:p>
+                    <a:p>
+                      <a:pPr marL="285750" indent="-285750">
+                        <a:buFont typeface="Arial" panose="020B0604020202020204" pitchFamily="34" charset="0"/>
+                        <a:buChar char="•"/>
+                      </a:pPr>
+                      <a:r>
+                        <a:rPr lang="en-US" sz="1200" dirty="0" err="1"/>
+                        <a:t>Sebor</a:t>
+                      </a:r>
+                      <a:endParaRPr lang="en-US" sz="1200" dirty="0"/>
+                    </a:p>
+                    <a:p>
+                      <a:pPr marL="285750" indent="-285750">
+                        <a:buFont typeface="Arial" panose="020B0604020202020204" pitchFamily="34" charset="0"/>
+                        <a:buChar char="•"/>
+                      </a:pPr>
+                      <a:r>
+                        <a:rPr lang="en-US" sz="1200" dirty="0" err="1"/>
+                        <a:t>Toxicum</a:t>
+                      </a:r>
+                      <a:endParaRPr lang="en-US" sz="1200" dirty="0"/>
+                    </a:p>
+                    <a:p>
+                      <a:pPr marL="285750" indent="-285750">
+                        <a:buFont typeface="Arial" panose="020B0604020202020204" pitchFamily="34" charset="0"/>
+                        <a:buChar char="•"/>
+                      </a:pPr>
+                      <a:r>
+                        <a:rPr lang="en-US" sz="1200" dirty="0"/>
+                        <a:t>Vaccines</a:t>
+                      </a:r>
+                    </a:p>
+                  </a:txBody>
+                  <a:tcPr/>
+                </a:tc>
+                <a:tc>
+                  <a:txBody>
+                    <a:bodyPr/>
+                    <a:lstStyle/>
+                    <a:p>
+                      <a:endParaRPr lang="en-US" sz="1200" dirty="0"/>
+                    </a:p>
+                  </a:txBody>
+                  <a:tcPr/>
+                </a:tc>
+                <a:tc>
+                  <a:txBody>
+                    <a:bodyPr/>
+                    <a:lstStyle/>
+                    <a:p>
+                      <a:endParaRPr lang="en-US" sz="1200" dirty="0"/>
+                    </a:p>
+                  </a:txBody>
+                  <a:tcPr/>
+                </a:tc>
+                <a:extLst>
+                  <a:ext uri="{0D108BD9-81ED-4DB2-BD59-A6C34878D82A}">
+                    <a16:rowId xmlns:a16="http://schemas.microsoft.com/office/drawing/2014/main" val="3589019905"/>
+                  </a:ext>
+                </a:extLst>
+              </a:tr>
+              <a:tr h="385007">
                 <a:tc>
                   <a:txBody>
                     <a:bodyPr/>
@@ -13009,59 +13066,6 @@
                         <a:t>ICD9/10 codes</a:t>
                       </a:r>
                     </a:p>
-                    <a:p>
-                      <a:endParaRPr lang="en-US" sz="1200" dirty="0"/>
-                    </a:p>
-                  </a:txBody>
-                  <a:tcPr/>
-                </a:tc>
-                <a:tc>
-                  <a:txBody>
-                    <a:bodyPr/>
-                    <a:lstStyle/>
-                    <a:p>
-                      <a:endParaRPr lang="en-US" sz="1200" dirty="0"/>
-                    </a:p>
-                  </a:txBody>
-                  <a:tcPr/>
-                </a:tc>
-                <a:tc>
-                  <a:txBody>
-                    <a:bodyPr/>
-                    <a:lstStyle/>
-                    <a:p>
-                      <a:endParaRPr lang="en-US" sz="1200" dirty="0"/>
-                    </a:p>
-                  </a:txBody>
-                  <a:tcPr/>
-                </a:tc>
-                <a:extLst>
-                  <a:ext uri="{0D108BD9-81ED-4DB2-BD59-A6C34878D82A}">
-                    <a16:rowId xmlns:a16="http://schemas.microsoft.com/office/drawing/2014/main" val="3589019905"/>
-                  </a:ext>
-                </a:extLst>
-              </a:tr>
-              <a:tr h="370840">
-                <a:tc>
-                  <a:txBody>
-                    <a:bodyPr/>
-                    <a:lstStyle/>
-                    <a:p>
-                      <a:r>
-                        <a:rPr lang="en-US" sz="1200" dirty="0"/>
-                        <a:t>Medication</a:t>
-                      </a:r>
-                    </a:p>
-                  </a:txBody>
-                  <a:tcPr/>
-                </a:tc>
-                <a:tc>
-                  <a:txBody>
-                    <a:bodyPr/>
-                    <a:lstStyle/>
-                    <a:p>
-                      <a:endParaRPr lang="en-US" sz="1200" dirty="0"/>
-                    </a:p>
                   </a:txBody>
                   <a:tcPr/>
                 </a:tc>
@@ -13091,7 +13095,7 @@
                   </a:ext>
                 </a:extLst>
               </a:tr>
-              <a:tr h="370840">
+              <a:tr h="739006">
                 <a:tc>
                   <a:txBody>
                     <a:bodyPr/>
@@ -13099,7 +13103,7 @@
                     <a:p>
                       <a:r>
                         <a:rPr lang="en-US" sz="1200" dirty="0"/>
-                        <a:t>Problem List</a:t>
+                        <a:t>Infant Medication</a:t>
                       </a:r>
                     </a:p>
                   </a:txBody>
@@ -13110,9 +13114,39 @@
                     <a:bodyPr/>
                     <a:lstStyle/>
                     <a:p>
+                      <a:pPr marL="171450" indent="-171450">
+                        <a:buFont typeface="Arial" panose="020B0604020202020204" pitchFamily="34" charset="0"/>
+                        <a:buChar char="•"/>
+                      </a:pPr>
                       <a:r>
                         <a:rPr lang="en-US" sz="1200" dirty="0"/>
-                        <a:t>ICD9/10: depression, CVD, cancer</a:t>
+                        <a:t>IP antibiotics (date, type, med therapy class, </a:t>
+                      </a:r>
+                      <a:r>
+                        <a:rPr lang="en-US" sz="1200" dirty="0" err="1"/>
+                        <a:t>Rxnrom</a:t>
+                      </a:r>
+                      <a:r>
+                        <a:rPr lang="en-US" sz="1200" dirty="0"/>
+                        <a:t> code)</a:t>
+                      </a:r>
+                    </a:p>
+                    <a:p>
+                      <a:pPr marL="171450" indent="-171450">
+                        <a:buFont typeface="Arial" panose="020B0604020202020204" pitchFamily="34" charset="0"/>
+                        <a:buChar char="•"/>
+                      </a:pPr>
+                      <a:r>
+                        <a:rPr lang="en-US" sz="1200" dirty="0"/>
+                        <a:t>OP antibiotics (date, type, med therapy class, </a:t>
+                      </a:r>
+                      <a:r>
+                        <a:rPr lang="en-US" sz="1200" dirty="0" err="1"/>
+                        <a:t>Rxnrom</a:t>
+                      </a:r>
+                      <a:r>
+                        <a:rPr lang="en-US" sz="1200" dirty="0"/>
+                        <a:t> code)</a:t>
                       </a:r>
                     </a:p>
                   </a:txBody>
@@ -13144,7 +13178,7 @@
                   </a:ext>
                 </a:extLst>
               </a:tr>
-              <a:tr h="370840">
+              <a:tr h="513450">
                 <a:tc>
                   <a:txBody>
                     <a:bodyPr/>
@@ -13152,7 +13186,7 @@
                     <a:p>
                       <a:r>
                         <a:rPr lang="en-US" sz="1200" dirty="0"/>
-                        <a:t>Free Text</a:t>
+                        <a:t>Maternal Medication</a:t>
                       </a:r>
                     </a:p>
                   </a:txBody>
@@ -13163,9 +13197,23 @@
                     <a:bodyPr/>
                     <a:lstStyle/>
                     <a:p>
+                      <a:pPr marL="171450" indent="-171450">
+                        <a:buFont typeface="Arial" panose="020B0604020202020204" pitchFamily="34" charset="0"/>
+                        <a:buChar char="•"/>
+                      </a:pPr>
                       <a:r>
                         <a:rPr lang="en-US" sz="1200" dirty="0"/>
-                        <a:t>Clinical Notes</a:t>
+                        <a:t>IP antibiotics </a:t>
+                      </a:r>
+                    </a:p>
+                    <a:p>
+                      <a:pPr marL="171450" indent="-171450">
+                        <a:buFont typeface="Arial" panose="020B0604020202020204" pitchFamily="34" charset="0"/>
+                        <a:buChar char="•"/>
+                      </a:pPr>
+                      <a:r>
+                        <a:rPr lang="en-US" sz="1200" dirty="0"/>
+                        <a:t>P antibiotics </a:t>
                       </a:r>
                     </a:p>
                   </a:txBody>
@@ -13197,13 +13245,16 @@
                   </a:ext>
                 </a:extLst>
               </a:tr>
-              <a:tr h="370840">
+              <a:tr h="284233">
                 <a:tc>
                   <a:txBody>
                     <a:bodyPr/>
                     <a:lstStyle/>
                     <a:p>
-                      <a:endParaRPr lang="en-US" sz="1200" dirty="0"/>
+                      <a:r>
+                        <a:rPr lang="en-US" sz="1200" dirty="0"/>
+                        <a:t>Problem List</a:t>
+                      </a:r>
                     </a:p>
                   </a:txBody>
                   <a:tcPr/>
@@ -13213,7 +13264,10 @@
                     <a:bodyPr/>
                     <a:lstStyle/>
                     <a:p>
-                      <a:endParaRPr lang="en-US" sz="1200" dirty="0"/>
+                      <a:r>
+                        <a:rPr lang="en-US" sz="1200" dirty="0"/>
+                        <a:t>ICD9/10: depression, CVD, cancer</a:t>
+                      </a:r>
                     </a:p>
                   </a:txBody>
                   <a:tcPr/>
@@ -13244,6 +13298,59 @@
                   </a:ext>
                 </a:extLst>
               </a:tr>
+              <a:tr h="231004">
+                <a:tc>
+                  <a:txBody>
+                    <a:bodyPr/>
+                    <a:lstStyle/>
+                    <a:p>
+                      <a:r>
+                        <a:rPr lang="en-US" sz="1200" dirty="0"/>
+                        <a:t>Free Text</a:t>
+                      </a:r>
+                    </a:p>
+                  </a:txBody>
+                  <a:tcPr/>
+                </a:tc>
+                <a:tc>
+                  <a:txBody>
+                    <a:bodyPr/>
+                    <a:lstStyle/>
+                    <a:p>
+                      <a:r>
+                        <a:rPr lang="en-US" sz="1200" dirty="0"/>
+                        <a:t>Clinical Notes</a:t>
+                      </a:r>
+                    </a:p>
+                  </a:txBody>
+                  <a:tcPr/>
+                </a:tc>
+                <a:tc>
+                  <a:txBody>
+                    <a:bodyPr/>
+                    <a:lstStyle/>
+                    <a:p>
+                      <a:endParaRPr lang="en-US" sz="1200" dirty="0"/>
+                    </a:p>
+                  </a:txBody>
+                  <a:tcPr/>
+                </a:tc>
+                <a:tc>
+                  <a:txBody>
+                    <a:bodyPr/>
+                    <a:lstStyle/>
+                    <a:p>
+                      <a:endParaRPr lang="en-US" sz="1200" dirty="0"/>
+                    </a:p>
+                  </a:txBody>
+                  <a:tcPr/>
+                </a:tc>
+                <a:extLst>
+                  <a:ext uri="{0D108BD9-81ED-4DB2-BD59-A6C34878D82A}">
+                    <a16:rowId xmlns:a16="http://schemas.microsoft.com/office/drawing/2014/main" val="120721184"/>
+                  </a:ext>
+                </a:extLst>
+              </a:tr>
             </a:tbl>
           </a:graphicData>
         </a:graphic>
@@ -13262,7 +13369,7 @@
         </p:nvSpPr>
         <p:spPr>
           <a:xfrm>
-            <a:off x="2946400" y="341745"/>
+            <a:off x="2848429" y="11792"/>
             <a:ext cx="2724727" cy="369332"/>
           </a:xfrm>
           <a:prstGeom prst="rect">
